--- a/MOMM/February 2024.pptx
+++ b/MOMM/February 2024.pptx
@@ -2908,6 +2908,42 @@
         </a:p>
       </dgm:t>
     </dgm:pt>
+    <dgm:pt modelId="{92AA2AF9-7688-4C06-999B-0FC944B9027C}">
+      <dgm:prSet/>
+      <dgm:spPr/>
+      <dgm:t>
+        <a:bodyPr/>
+        <a:lstStyle/>
+        <a:p>
+          <a:r>
+            <a:rPr lang="en-IN" dirty="0"/>
+            <a:t>Fake Data Generator</a:t>
+          </a:r>
+        </a:p>
+      </dgm:t>
+    </dgm:pt>
+    <dgm:pt modelId="{F5DFCEBC-5316-4FF2-B608-9A54F63E402A}" type="parTrans" cxnId="{74DD48E5-CF61-4F92-969F-A024C07FDE37}">
+      <dgm:prSet/>
+      <dgm:spPr/>
+      <dgm:t>
+        <a:bodyPr/>
+        <a:lstStyle/>
+        <a:p>
+          <a:endParaRPr lang="en-IN"/>
+        </a:p>
+      </dgm:t>
+    </dgm:pt>
+    <dgm:pt modelId="{AC94ECC2-9398-4DDD-9AE6-80025E068A59}" type="sibTrans" cxnId="{74DD48E5-CF61-4F92-969F-A024C07FDE37}">
+      <dgm:prSet/>
+      <dgm:spPr/>
+      <dgm:t>
+        <a:bodyPr/>
+        <a:lstStyle/>
+        <a:p>
+          <a:endParaRPr lang="en-IN"/>
+        </a:p>
+      </dgm:t>
+    </dgm:pt>
     <dgm:pt modelId="{6FA4A374-D50E-4B56-B685-C2A749DFBC8E}" type="pres">
       <dgm:prSet presAssocID="{CC2AB139-7FE8-4288-BC7C-7E41A791ED35}" presName="linear" presStyleCnt="0">
         <dgm:presLayoutVars>
@@ -2973,8 +3009,10 @@
     <dgm:cxn modelId="{7A96F1D8-929B-431F-9EF2-40388BB032FF}" srcId="{C5EE516E-14D3-4875-B7E8-A6D30754EAE4}" destId="{651C7012-AF3A-4989-81DD-7429956DC37D}" srcOrd="0" destOrd="0" parTransId="{A9D441C6-FD30-4609-B4ED-4A0F8F3075C0}" sibTransId="{488E79D7-F2B3-4F2F-80CC-B8316FC7E0B9}"/>
     <dgm:cxn modelId="{FFD0F6E3-761C-4223-BD58-C44D9016A2EE}" srcId="{C5EE516E-14D3-4875-B7E8-A6D30754EAE4}" destId="{EA7D01D2-B47C-4C94-8BFC-00F7D125AF74}" srcOrd="4" destOrd="0" parTransId="{E1BA3B4D-7809-48CB-BC13-827C48EE1B04}" sibTransId="{8E82E543-A5D7-4D68-9F1A-59726CB44198}"/>
     <dgm:cxn modelId="{0F6507E5-9567-4E24-B2EB-3701FC46D8AC}" srcId="{F7CD7B6E-5AA9-4F6A-900B-9621AE939C9F}" destId="{0B4A69DE-C091-405D-A4AE-D5CA6424C3E6}" srcOrd="0" destOrd="0" parTransId="{E1CC1084-E474-4148-938D-4D258BFA1E82}" sibTransId="{DCFC8164-077A-4A96-8E16-1D97466CC317}"/>
+    <dgm:cxn modelId="{74DD48E5-CF61-4F92-969F-A024C07FDE37}" srcId="{F7CD7B6E-5AA9-4F6A-900B-9621AE939C9F}" destId="{92AA2AF9-7688-4C06-999B-0FC944B9027C}" srcOrd="4" destOrd="0" parTransId="{F5DFCEBC-5316-4FF2-B608-9A54F63E402A}" sibTransId="{AC94ECC2-9398-4DDD-9AE6-80025E068A59}"/>
     <dgm:cxn modelId="{EFF5F8EC-CB10-4E1F-8329-9FE761E001B0}" srcId="{C5EE516E-14D3-4875-B7E8-A6D30754EAE4}" destId="{ACE89B0F-8D7C-43DE-929C-F35BD299C791}" srcOrd="5" destOrd="0" parTransId="{C5C02146-8DEA-4C89-B4C2-7F22AA9E0AD1}" sibTransId="{DE6041B4-990F-4455-8EF8-53B9C8A4FB97}"/>
     <dgm:cxn modelId="{C7A2D8F8-3735-4B86-8E81-ADE1C81755C8}" type="presOf" srcId="{3CD3AF3E-8208-4793-873C-89BFDCE6D127}" destId="{AFAB8BB1-9E2E-4852-AF4C-4CF7A05E241E}" srcOrd="0" destOrd="1" presId="urn:microsoft.com/office/officeart/2005/8/layout/vList2"/>
+    <dgm:cxn modelId="{1E82E4FA-38EE-4FBA-BFDF-9E857DB513C2}" type="presOf" srcId="{92AA2AF9-7688-4C06-999B-0FC944B9027C}" destId="{4C375CD4-3F0C-43CD-A15A-D89820AE4326}" srcOrd="0" destOrd="4" presId="urn:microsoft.com/office/officeart/2005/8/layout/vList2"/>
     <dgm:cxn modelId="{2C57F2FA-D373-4280-9837-0DA659798C52}" type="presOf" srcId="{140FD45C-06D3-4702-A8F0-EC45E4547704}" destId="{AFAB8BB1-9E2E-4852-AF4C-4CF7A05E241E}" srcOrd="0" destOrd="3" presId="urn:microsoft.com/office/officeart/2005/8/layout/vList2"/>
     <dgm:cxn modelId="{8DBE7DFC-C894-40C7-96C9-46FF7A9B7431}" type="presOf" srcId="{2F21BF37-4921-457A-A8E0-2E90943CCE53}" destId="{AFAB8BB1-9E2E-4852-AF4C-4CF7A05E241E}" srcOrd="0" destOrd="2" presId="urn:microsoft.com/office/officeart/2005/8/layout/vList2"/>
     <dgm:cxn modelId="{D1B0DAFE-581C-483D-BD7E-BF415F6B8C8B}" type="presOf" srcId="{66031F3D-B7B7-4D80-80F0-478F08B3774A}" destId="{4C375CD4-3F0C-43CD-A15A-D89820AE4326}" srcOrd="0" destOrd="1" presId="urn:microsoft.com/office/officeart/2005/8/layout/vList2"/>
@@ -3506,8 +3544,8 @@
       </dsp:nvSpPr>
       <dsp:spPr>
         <a:xfrm>
-          <a:off x="0" y="5126"/>
-          <a:ext cx="5285142" cy="327600"/>
+          <a:off x="0" y="38876"/>
+          <a:ext cx="5285142" cy="304200"/>
         </a:xfrm>
         <a:prstGeom prst="roundRect">
           <a:avLst/>
@@ -3548,12 +3586,12 @@
         </a:fontRef>
       </dsp:style>
       <dsp:txBody>
-        <a:bodyPr spcFirstLastPara="0" vert="horz" wrap="square" lIns="53340" tIns="53340" rIns="53340" bIns="53340" numCol="1" spcCol="1270" anchor="ctr" anchorCtr="0">
+        <a:bodyPr spcFirstLastPara="0" vert="horz" wrap="square" lIns="49530" tIns="49530" rIns="49530" bIns="49530" numCol="1" spcCol="1270" anchor="ctr" anchorCtr="0">
           <a:noAutofit/>
         </a:bodyPr>
         <a:lstStyle/>
         <a:p>
-          <a:pPr marL="0" lvl="0" indent="0" algn="l" defTabSz="622300">
+          <a:pPr marL="0" lvl="0" indent="0" algn="l" defTabSz="577850">
             <a:lnSpc>
               <a:spcPct val="90000"/>
             </a:lnSpc>
@@ -3566,15 +3604,15 @@
             <a:buNone/>
           </a:pPr>
           <a:r>
-            <a:rPr lang="en-IN" sz="1400" b="0" i="0" kern="1200"/>
+            <a:rPr lang="en-IN" sz="1300" b="0" i="0" kern="1200"/>
             <a:t>3. Asp.net Core MVC</a:t>
           </a:r>
-          <a:endParaRPr lang="en-IN" sz="1400" kern="1200"/>
+          <a:endParaRPr lang="en-IN" sz="1300" kern="1200"/>
         </a:p>
       </dsp:txBody>
       <dsp:txXfrm>
-        <a:off x="15992" y="21118"/>
-        <a:ext cx="5253158" cy="295616"/>
+        <a:off x="14850" y="53726"/>
+        <a:ext cx="5255442" cy="274500"/>
       </dsp:txXfrm>
     </dsp:sp>
     <dsp:sp modelId="{AFAB8BB1-9E2E-4852-AF4C-4CF7A05E241E}">
@@ -3584,8 +3622,8 @@
       </dsp:nvSpPr>
       <dsp:spPr>
         <a:xfrm>
-          <a:off x="0" y="332726"/>
-          <a:ext cx="5285142" cy="1072260"/>
+          <a:off x="0" y="343076"/>
+          <a:ext cx="5285142" cy="968760"/>
         </a:xfrm>
         <a:prstGeom prst="rect">
           <a:avLst/>
@@ -3609,12 +3647,12 @@
         <a:fontRef idx="minor"/>
       </dsp:style>
       <dsp:txBody>
-        <a:bodyPr spcFirstLastPara="0" vert="horz" wrap="square" lIns="167803" tIns="17780" rIns="99568" bIns="17780" numCol="1" spcCol="1270" anchor="t" anchorCtr="0">
+        <a:bodyPr spcFirstLastPara="0" vert="horz" wrap="square" lIns="167803" tIns="16510" rIns="92456" bIns="16510" numCol="1" spcCol="1270" anchor="t" anchorCtr="0">
           <a:noAutofit/>
         </a:bodyPr>
         <a:lstStyle/>
         <a:p>
-          <a:pPr marL="57150" lvl="1" indent="-57150" algn="l" defTabSz="488950">
+          <a:pPr marL="57150" lvl="1" indent="-57150" algn="l" defTabSz="444500">
             <a:lnSpc>
               <a:spcPct val="90000"/>
             </a:lnSpc>
@@ -3627,13 +3665,13 @@
             <a:buChar char="•"/>
           </a:pPr>
           <a:r>
-            <a:rPr lang="en-IN" sz="1100" b="0" i="0" kern="1200"/>
+            <a:rPr lang="en-IN" sz="1000" b="0" i="0" kern="1200"/>
             <a:t>Folder Structure</a:t>
           </a:r>
-          <a:endParaRPr lang="en-IN" sz="1100" kern="1200"/>
+          <a:endParaRPr lang="en-IN" sz="1000" kern="1200"/>
         </a:p>
         <a:p>
-          <a:pPr marL="57150" lvl="1" indent="-57150" algn="l" defTabSz="488950">
+          <a:pPr marL="57150" lvl="1" indent="-57150" algn="l" defTabSz="444500">
             <a:lnSpc>
               <a:spcPct val="90000"/>
             </a:lnSpc>
@@ -3646,13 +3684,13 @@
             <a:buChar char="•"/>
           </a:pPr>
           <a:r>
-            <a:rPr lang="en-IN" sz="1100" b="0" i="0" kern="1200"/>
+            <a:rPr lang="en-IN" sz="1000" b="0" i="0" kern="1200"/>
             <a:t>View Types (_ViewStart, _ViewImport, Partial, Layout)</a:t>
           </a:r>
-          <a:endParaRPr lang="en-IN" sz="1100" kern="1200"/>
+          <a:endParaRPr lang="en-IN" sz="1000" kern="1200"/>
         </a:p>
         <a:p>
-          <a:pPr marL="57150" lvl="1" indent="-57150" algn="l" defTabSz="488950">
+          <a:pPr marL="57150" lvl="1" indent="-57150" algn="l" defTabSz="444500">
             <a:lnSpc>
               <a:spcPct val="90000"/>
             </a:lnSpc>
@@ -3665,13 +3703,13 @@
             <a:buChar char="•"/>
           </a:pPr>
           <a:r>
-            <a:rPr lang="en-IN" sz="1100" b="0" i="0" kern="1200"/>
+            <a:rPr lang="en-IN" sz="1000" b="0" i="0" kern="1200"/>
             <a:t>Entity Framework</a:t>
           </a:r>
-          <a:endParaRPr lang="en-IN" sz="1100" kern="1200"/>
+          <a:endParaRPr lang="en-IN" sz="1000" kern="1200"/>
         </a:p>
         <a:p>
-          <a:pPr marL="57150" lvl="1" indent="-57150" algn="l" defTabSz="488950">
+          <a:pPr marL="57150" lvl="1" indent="-57150" algn="l" defTabSz="444500">
             <a:lnSpc>
               <a:spcPct val="90000"/>
             </a:lnSpc>
@@ -3684,13 +3722,13 @@
             <a:buChar char="•"/>
           </a:pPr>
           <a:r>
-            <a:rPr lang="en-IN" sz="1100" b="0" i="0" kern="1200"/>
+            <a:rPr lang="en-IN" sz="1000" b="0" i="0" kern="1200"/>
             <a:t>Identity Framework (User, Roles, Claims, etc.)</a:t>
           </a:r>
-          <a:endParaRPr lang="en-IN" sz="1100" kern="1200"/>
+          <a:endParaRPr lang="en-IN" sz="1000" kern="1200"/>
         </a:p>
         <a:p>
-          <a:pPr marL="57150" lvl="1" indent="-57150" algn="l" defTabSz="488950">
+          <a:pPr marL="57150" lvl="1" indent="-57150" algn="l" defTabSz="444500">
             <a:lnSpc>
               <a:spcPct val="90000"/>
             </a:lnSpc>
@@ -3703,13 +3741,13 @@
             <a:buChar char="•"/>
           </a:pPr>
           <a:r>
-            <a:rPr lang="en-IN" sz="1100" b="0" i="0" kern="1200"/>
+            <a:rPr lang="en-IN" sz="1000" b="0" i="0" kern="1200"/>
             <a:t>IdentityUser, IdentityRole</a:t>
           </a:r>
-          <a:endParaRPr lang="en-IN" sz="1100" kern="1200"/>
+          <a:endParaRPr lang="en-IN" sz="1000" kern="1200"/>
         </a:p>
         <a:p>
-          <a:pPr marL="57150" lvl="1" indent="-57150" algn="l" defTabSz="488950">
+          <a:pPr marL="57150" lvl="1" indent="-57150" algn="l" defTabSz="444500">
             <a:lnSpc>
               <a:spcPct val="90000"/>
             </a:lnSpc>
@@ -3722,15 +3760,15 @@
             <a:buChar char="•"/>
           </a:pPr>
           <a:r>
-            <a:rPr lang="en-IN" sz="1100" b="0" i="0" kern="1200"/>
+            <a:rPr lang="en-IN" sz="1000" b="0" i="0" kern="1200"/>
             <a:t>UserManager, SignInManager, RoleManager</a:t>
           </a:r>
-          <a:endParaRPr lang="en-IN" sz="1100" kern="1200"/>
+          <a:endParaRPr lang="en-IN" sz="1000" kern="1200"/>
         </a:p>
       </dsp:txBody>
       <dsp:txXfrm>
-        <a:off x="0" y="332726"/>
-        <a:ext cx="5285142" cy="1072260"/>
+        <a:off x="0" y="343076"/>
+        <a:ext cx="5285142" cy="968760"/>
       </dsp:txXfrm>
     </dsp:sp>
     <dsp:sp modelId="{413A614C-2F80-4C62-8A65-CE9C39323F64}">
@@ -3740,8 +3778,8 @@
       </dsp:nvSpPr>
       <dsp:spPr>
         <a:xfrm>
-          <a:off x="0" y="1404986"/>
-          <a:ext cx="5285142" cy="327600"/>
+          <a:off x="0" y="1311836"/>
+          <a:ext cx="5285142" cy="304200"/>
         </a:xfrm>
         <a:prstGeom prst="roundRect">
           <a:avLst/>
@@ -3782,12 +3820,12 @@
         </a:fontRef>
       </dsp:style>
       <dsp:txBody>
-        <a:bodyPr spcFirstLastPara="0" vert="horz" wrap="square" lIns="53340" tIns="53340" rIns="53340" bIns="53340" numCol="1" spcCol="1270" anchor="ctr" anchorCtr="0">
+        <a:bodyPr spcFirstLastPara="0" vert="horz" wrap="square" lIns="49530" tIns="49530" rIns="49530" bIns="49530" numCol="1" spcCol="1270" anchor="ctr" anchorCtr="0">
           <a:noAutofit/>
         </a:bodyPr>
         <a:lstStyle/>
         <a:p>
-          <a:pPr marL="0" lvl="0" indent="0" algn="l" defTabSz="622300">
+          <a:pPr marL="0" lvl="0" indent="0" algn="l" defTabSz="577850">
             <a:lnSpc>
               <a:spcPct val="90000"/>
             </a:lnSpc>
@@ -3800,15 +3838,15 @@
             <a:buNone/>
           </a:pPr>
           <a:r>
-            <a:rPr lang="en-IN" sz="1400" b="0" i="0" kern="1200"/>
+            <a:rPr lang="en-IN" sz="1300" b="0" i="0" kern="1200"/>
             <a:t>4. Extra</a:t>
           </a:r>
-          <a:endParaRPr lang="en-IN" sz="1400" kern="1200"/>
+          <a:endParaRPr lang="en-IN" sz="1300" kern="1200"/>
         </a:p>
       </dsp:txBody>
       <dsp:txXfrm>
-        <a:off x="15992" y="1420978"/>
-        <a:ext cx="5253158" cy="295616"/>
+        <a:off x="14850" y="1326686"/>
+        <a:ext cx="5255442" cy="274500"/>
       </dsp:txXfrm>
     </dsp:sp>
     <dsp:sp modelId="{4C375CD4-3F0C-43CD-A15A-D89820AE4326}">
@@ -3818,8 +3856,8 @@
       </dsp:nvSpPr>
       <dsp:spPr>
         <a:xfrm>
-          <a:off x="0" y="1732586"/>
-          <a:ext cx="5285142" cy="724500"/>
+          <a:off x="0" y="1616036"/>
+          <a:ext cx="5285142" cy="807300"/>
         </a:xfrm>
         <a:prstGeom prst="rect">
           <a:avLst/>
@@ -3843,12 +3881,12 @@
         <a:fontRef idx="minor"/>
       </dsp:style>
       <dsp:txBody>
-        <a:bodyPr spcFirstLastPara="0" vert="horz" wrap="square" lIns="167803" tIns="17780" rIns="99568" bIns="17780" numCol="1" spcCol="1270" anchor="t" anchorCtr="0">
+        <a:bodyPr spcFirstLastPara="0" vert="horz" wrap="square" lIns="167803" tIns="16510" rIns="92456" bIns="16510" numCol="1" spcCol="1270" anchor="t" anchorCtr="0">
           <a:noAutofit/>
         </a:bodyPr>
         <a:lstStyle/>
         <a:p>
-          <a:pPr marL="57150" lvl="1" indent="-57150" algn="l" defTabSz="488950">
+          <a:pPr marL="57150" lvl="1" indent="-57150" algn="l" defTabSz="444500">
             <a:lnSpc>
               <a:spcPct val="90000"/>
             </a:lnSpc>
@@ -3861,13 +3899,13 @@
             <a:buChar char="•"/>
           </a:pPr>
           <a:r>
-            <a:rPr lang="en-IN" sz="1100" b="0" i="0" kern="1200"/>
+            <a:rPr lang="en-IN" sz="1000" b="0" i="0" kern="1200"/>
             <a:t>FactoHR, Instagram, Flipkart, cookies workflow etc.</a:t>
           </a:r>
-          <a:endParaRPr lang="en-IN" sz="1100" kern="1200"/>
+          <a:endParaRPr lang="en-IN" sz="1000" kern="1200"/>
         </a:p>
         <a:p>
-          <a:pPr marL="57150" lvl="1" indent="-57150" algn="l" defTabSz="488950">
+          <a:pPr marL="57150" lvl="1" indent="-57150" algn="l" defTabSz="444500">
             <a:lnSpc>
               <a:spcPct val="90000"/>
             </a:lnSpc>
@@ -3880,13 +3918,13 @@
             <a:buChar char="•"/>
           </a:pPr>
           <a:r>
-            <a:rPr lang="en-IN" sz="1100" b="0" i="0" kern="1200" dirty="0"/>
+            <a:rPr lang="en-IN" sz="1000" b="0" i="0" kern="1200" dirty="0"/>
             <a:t>Result Getter</a:t>
           </a:r>
-          <a:endParaRPr lang="en-IN" sz="1100" kern="1200" dirty="0"/>
+          <a:endParaRPr lang="en-IN" sz="1000" kern="1200" dirty="0"/>
         </a:p>
         <a:p>
-          <a:pPr marL="57150" lvl="1" indent="-57150" algn="l" defTabSz="488950">
+          <a:pPr marL="57150" lvl="1" indent="-57150" algn="l" defTabSz="444500">
             <a:lnSpc>
               <a:spcPct val="90000"/>
             </a:lnSpc>
@@ -3899,12 +3937,12 @@
             <a:buChar char="•"/>
           </a:pPr>
           <a:r>
-            <a:rPr lang="en-IN" sz="1100" kern="1200" dirty="0"/>
+            <a:rPr lang="en-IN" sz="1000" kern="1200" dirty="0"/>
             <a:t>Firebase</a:t>
           </a:r>
         </a:p>
         <a:p>
-          <a:pPr marL="57150" lvl="1" indent="-57150" algn="l" defTabSz="488950">
+          <a:pPr marL="57150" lvl="1" indent="-57150" algn="l" defTabSz="444500">
             <a:lnSpc>
               <a:spcPct val="90000"/>
             </a:lnSpc>
@@ -3917,14 +3955,32 @@
             <a:buChar char="•"/>
           </a:pPr>
           <a:r>
-            <a:rPr lang="en-IN" sz="1100" kern="1200" dirty="0"/>
+            <a:rPr lang="en-IN" sz="1000" kern="1200" dirty="0"/>
             <a:t>Problem solving question</a:t>
+          </a:r>
+        </a:p>
+        <a:p>
+          <a:pPr marL="57150" lvl="1" indent="-57150" algn="l" defTabSz="444500">
+            <a:lnSpc>
+              <a:spcPct val="90000"/>
+            </a:lnSpc>
+            <a:spcBef>
+              <a:spcPct val="0"/>
+            </a:spcBef>
+            <a:spcAft>
+              <a:spcPct val="20000"/>
+            </a:spcAft>
+            <a:buChar char="•"/>
+          </a:pPr>
+          <a:r>
+            <a:rPr lang="en-IN" sz="1000" kern="1200" dirty="0"/>
+            <a:t>Fake Data Generator</a:t>
           </a:r>
         </a:p>
       </dsp:txBody>
       <dsp:txXfrm>
-        <a:off x="0" y="1732586"/>
-        <a:ext cx="5285142" cy="724500"/>
+        <a:off x="0" y="1616036"/>
+        <a:ext cx="5285142" cy="807300"/>
       </dsp:txXfrm>
     </dsp:sp>
   </dsp:spTree>
@@ -11664,7 +11720,7 @@
           <p:nvPr>
             <p:extLst>
               <p:ext uri="{D42A27DB-BD31-4B8C-83A1-F6EECF244321}">
-                <p14:modId xmlns:p14="http://schemas.microsoft.com/office/powerpoint/2010/main" val="2341152150"/>
+                <p14:modId xmlns:p14="http://schemas.microsoft.com/office/powerpoint/2010/main" val="1232598274"/>
               </p:ext>
             </p:extLst>
           </p:nvPr>
@@ -12661,6 +12717,12 @@
 </file>
 
 <file path=customXml/item1.xml><?xml version="1.0" encoding="utf-8"?>
+<p:properties xmlns:p="http://schemas.microsoft.com/office/2006/metadata/properties" xmlns:xsi="http://www.w3.org/2001/XMLSchema-instance" xmlns:pc="http://schemas.microsoft.com/office/infopath/2007/PartnerControls">
+  <documentManagement/>
+</p:properties>
+</file>
+
+<file path=customXml/item2.xml><?xml version="1.0" encoding="utf-8"?>
 <ct:contentTypeSchema xmlns:ct="http://schemas.microsoft.com/office/2006/metadata/contentType" xmlns:ma="http://schemas.microsoft.com/office/2006/metadata/properties/metaAttributes" ct:_="" ma:_="" ma:contentTypeName="Document" ma:contentTypeID="0x010100840DD400F68D344DBB68745F7FBBD1C9" ma:contentTypeVersion="4" ma:contentTypeDescription="Create a new document." ma:contentTypeScope="" ma:versionID="88f6b5a73431783e558207c167928e37">
   <xsd:schema xmlns:xsd="http://www.w3.org/2001/XMLSchema" xmlns:xs="http://www.w3.org/2001/XMLSchema" xmlns:p="http://schemas.microsoft.com/office/2006/metadata/properties" xmlns:ns2="0e503f2a-cab1-4c45-91d3-ac7b1ae47bc0" xmlns:ns3="36d15805-55ee-4528-8ca3-5f15fb64af31" targetNamespace="http://schemas.microsoft.com/office/2006/metadata/properties" ma:root="true" ma:fieldsID="83f02e8e2f56c7c7f438ebd55648c943" ns2:_="" ns3:_="">
     <xsd:import namespace="0e503f2a-cab1-4c45-91d3-ac7b1ae47bc0"/>
@@ -12825,12 +12887,6 @@
 </ct:contentTypeSchema>
 </file>
 
-<file path=customXml/item2.xml><?xml version="1.0" encoding="utf-8"?>
-<p:properties xmlns:p="http://schemas.microsoft.com/office/2006/metadata/properties" xmlns:xsi="http://www.w3.org/2001/XMLSchema-instance" xmlns:pc="http://schemas.microsoft.com/office/infopath/2007/PartnerControls">
-  <documentManagement/>
-</p:properties>
-</file>
-
 <file path=customXml/item3.xml><?xml version="1.0" encoding="utf-8"?>
 <?mso-contentType ?>
 <FormTemplates xmlns="http://schemas.microsoft.com/sharepoint/v3/contenttype/forms">
@@ -12841,6 +12897,23 @@
 </file>
 
 <file path=customXml/itemProps1.xml><?xml version="1.0" encoding="utf-8"?>
+<ds:datastoreItem xmlns:ds="http://schemas.openxmlformats.org/officeDocument/2006/customXml" ds:itemID="{2B3A2521-C968-4BB8-80B3-61F0049BDE86}">
+  <ds:schemaRefs>
+    <ds:schemaRef ds:uri="http://schemas.microsoft.com/office/infopath/2007/PartnerControls"/>
+    <ds:schemaRef ds:uri="http://purl.org/dc/elements/1.1/"/>
+    <ds:schemaRef ds:uri="http://schemas.microsoft.com/office/2006/metadata/properties"/>
+    <ds:schemaRef ds:uri="0e503f2a-cab1-4c45-91d3-ac7b1ae47bc0"/>
+    <ds:schemaRef ds:uri="http://schemas.microsoft.com/office/2006/documentManagement/types"/>
+    <ds:schemaRef ds:uri="http://purl.org/dc/terms/"/>
+    <ds:schemaRef ds:uri="http://schemas.openxmlformats.org/package/2006/metadata/core-properties"/>
+    <ds:schemaRef ds:uri="http://purl.org/dc/dcmitype/"/>
+    <ds:schemaRef ds:uri="36d15805-55ee-4528-8ca3-5f15fb64af31"/>
+    <ds:schemaRef ds:uri="http://www.w3.org/XML/1998/namespace"/>
+  </ds:schemaRefs>
+</ds:datastoreItem>
+</file>
+
+<file path=customXml/itemProps2.xml><?xml version="1.0" encoding="utf-8"?>
 <ds:datastoreItem xmlns:ds="http://schemas.openxmlformats.org/officeDocument/2006/customXml" ds:itemID="{64551E2F-068A-4844-AC8D-BA6A9C471F36}">
   <ds:schemaRefs>
     <ds:schemaRef ds:uri="0e503f2a-cab1-4c45-91d3-ac7b1ae47bc0"/>
@@ -12859,23 +12932,6 @@
 </ds:datastoreItem>
 </file>
 
-<file path=customXml/itemProps2.xml><?xml version="1.0" encoding="utf-8"?>
-<ds:datastoreItem xmlns:ds="http://schemas.openxmlformats.org/officeDocument/2006/customXml" ds:itemID="{2B3A2521-C968-4BB8-80B3-61F0049BDE86}">
-  <ds:schemaRefs>
-    <ds:schemaRef ds:uri="http://schemas.microsoft.com/office/infopath/2007/PartnerControls"/>
-    <ds:schemaRef ds:uri="http://purl.org/dc/elements/1.1/"/>
-    <ds:schemaRef ds:uri="http://schemas.microsoft.com/office/2006/metadata/properties"/>
-    <ds:schemaRef ds:uri="0e503f2a-cab1-4c45-91d3-ac7b1ae47bc0"/>
-    <ds:schemaRef ds:uri="http://schemas.microsoft.com/office/2006/documentManagement/types"/>
-    <ds:schemaRef ds:uri="http://purl.org/dc/terms/"/>
-    <ds:schemaRef ds:uri="http://schemas.openxmlformats.org/package/2006/metadata/core-properties"/>
-    <ds:schemaRef ds:uri="http://purl.org/dc/dcmitype/"/>
-    <ds:schemaRef ds:uri="36d15805-55ee-4528-8ca3-5f15fb64af31"/>
-    <ds:schemaRef ds:uri="http://www.w3.org/XML/1998/namespace"/>
-  </ds:schemaRefs>
-</ds:datastoreItem>
-</file>
-
 <file path=customXml/itemProps3.xml><?xml version="1.0" encoding="utf-8"?>
 <ds:datastoreItem xmlns:ds="http://schemas.openxmlformats.org/officeDocument/2006/customXml" ds:itemID="{1CED243F-9546-4D11-B7E1-823DC6807876}">
   <ds:schemaRefs>

--- a/MOMM/February 2024.pptx
+++ b/MOMM/February 2024.pptx
@@ -5,30 +5,31 @@
     <p:sldMasterId id="2147483659" r:id="rId4"/>
   </p:sldMasterIdLst>
   <p:notesMasterIdLst>
-    <p:notesMasterId r:id="rId12"/>
+    <p:notesMasterId r:id="rId13"/>
   </p:notesMasterIdLst>
   <p:sldIdLst>
     <p:sldId id="256" r:id="rId5"/>
     <p:sldId id="483" r:id="rId6"/>
     <p:sldId id="499" r:id="rId7"/>
     <p:sldId id="505" r:id="rId8"/>
-    <p:sldId id="506" r:id="rId9"/>
-    <p:sldId id="507" r:id="rId10"/>
-    <p:sldId id="278" r:id="rId11"/>
+    <p:sldId id="508" r:id="rId9"/>
+    <p:sldId id="506" r:id="rId10"/>
+    <p:sldId id="507" r:id="rId11"/>
+    <p:sldId id="278" r:id="rId12"/>
   </p:sldIdLst>
   <p:sldSz cx="9144000" cy="5143500" type="screen16x9"/>
   <p:notesSz cx="6858000" cy="9144000"/>
   <p:embeddedFontLst>
     <p:embeddedFont>
       <p:font typeface="Dosis" pitchFamily="2" charset="0"/>
-      <p:regular r:id="rId13"/>
+      <p:regular r:id="rId14"/>
     </p:embeddedFont>
     <p:embeddedFont>
       <p:font typeface="Roboto" panose="02000000000000000000" pitchFamily="2" charset="0"/>
-      <p:regular r:id="rId14"/>
-      <p:bold r:id="rId15"/>
-      <p:italic r:id="rId16"/>
-      <p:boldItalic r:id="rId17"/>
+      <p:regular r:id="rId15"/>
+      <p:bold r:id="rId16"/>
+      <p:italic r:id="rId17"/>
+      <p:boldItalic r:id="rId18"/>
     </p:embeddedFont>
   </p:embeddedFontLst>
   <p:defaultTextStyle>
@@ -269,6 +270,7 @@
             <p14:sldId id="483"/>
             <p14:sldId id="499"/>
             <p14:sldId id="505"/>
+            <p14:sldId id="508"/>
             <p14:sldId id="506"/>
             <p14:sldId id="507"/>
           </p14:sldIdLst>
@@ -297,6096 +299,6 @@
     </p:extLst>
   </p:cmAuthor>
 </p:cmAuthorLst>
-</file>
-
-<file path=ppt/diagrams/colors1.xml><?xml version="1.0" encoding="utf-8"?>
-<dgm:colorsDef xmlns:dgm="http://schemas.openxmlformats.org/drawingml/2006/diagram" xmlns:a="http://schemas.openxmlformats.org/drawingml/2006/main" uniqueId="urn:microsoft.com/office/officeart/2005/8/colors/accent1_2">
-  <dgm:title val=""/>
-  <dgm:desc val=""/>
-  <dgm:catLst>
-    <dgm:cat type="accent1" pri="11200"/>
-  </dgm:catLst>
-  <dgm:styleLbl name="node0">
-    <dgm:fillClrLst meth="repeat">
-      <a:schemeClr val="accent1"/>
-    </dgm:fillClrLst>
-    <dgm:linClrLst meth="repeat">
-      <a:schemeClr val="lt1"/>
-    </dgm:linClrLst>
-    <dgm:effectClrLst/>
-    <dgm:txLinClrLst/>
-    <dgm:txFillClrLst/>
-    <dgm:txEffectClrLst/>
-  </dgm:styleLbl>
-  <dgm:styleLbl name="alignNode1">
-    <dgm:fillClrLst meth="repeat">
-      <a:schemeClr val="accent1"/>
-    </dgm:fillClrLst>
-    <dgm:linClrLst meth="repeat">
-      <a:schemeClr val="accent1"/>
-    </dgm:linClrLst>
-    <dgm:effectClrLst/>
-    <dgm:txLinClrLst/>
-    <dgm:txFillClrLst/>
-    <dgm:txEffectClrLst/>
-  </dgm:styleLbl>
-  <dgm:styleLbl name="node1">
-    <dgm:fillClrLst meth="repeat">
-      <a:schemeClr val="accent1"/>
-    </dgm:fillClrLst>
-    <dgm:linClrLst meth="repeat">
-      <a:schemeClr val="lt1"/>
-    </dgm:linClrLst>
-    <dgm:effectClrLst/>
-    <dgm:txLinClrLst/>
-    <dgm:txFillClrLst/>
-    <dgm:txEffectClrLst/>
-  </dgm:styleLbl>
-  <dgm:styleLbl name="lnNode1">
-    <dgm:fillClrLst meth="repeat">
-      <a:schemeClr val="accent1"/>
-    </dgm:fillClrLst>
-    <dgm:linClrLst meth="repeat">
-      <a:schemeClr val="lt1"/>
-    </dgm:linClrLst>
-    <dgm:effectClrLst/>
-    <dgm:txLinClrLst/>
-    <dgm:txFillClrLst/>
-    <dgm:txEffectClrLst/>
-  </dgm:styleLbl>
-  <dgm:styleLbl name="vennNode1">
-    <dgm:fillClrLst meth="repeat">
-      <a:schemeClr val="accent1">
-        <a:alpha val="50000"/>
-      </a:schemeClr>
-    </dgm:fillClrLst>
-    <dgm:linClrLst meth="repeat">
-      <a:schemeClr val="lt1"/>
-    </dgm:linClrLst>
-    <dgm:effectClrLst/>
-    <dgm:txLinClrLst/>
-    <dgm:txFillClrLst/>
-    <dgm:txEffectClrLst/>
-  </dgm:styleLbl>
-  <dgm:styleLbl name="node2">
-    <dgm:fillClrLst meth="repeat">
-      <a:schemeClr val="accent1"/>
-    </dgm:fillClrLst>
-    <dgm:linClrLst meth="repeat">
-      <a:schemeClr val="lt1"/>
-    </dgm:linClrLst>
-    <dgm:effectClrLst/>
-    <dgm:txLinClrLst/>
-    <dgm:txFillClrLst/>
-    <dgm:txEffectClrLst/>
-  </dgm:styleLbl>
-  <dgm:styleLbl name="node3">
-    <dgm:fillClrLst meth="repeat">
-      <a:schemeClr val="accent1"/>
-    </dgm:fillClrLst>
-    <dgm:linClrLst meth="repeat">
-      <a:schemeClr val="lt1"/>
-    </dgm:linClrLst>
-    <dgm:effectClrLst/>
-    <dgm:txLinClrLst/>
-    <dgm:txFillClrLst/>
-    <dgm:txEffectClrLst/>
-  </dgm:styleLbl>
-  <dgm:styleLbl name="node4">
-    <dgm:fillClrLst meth="repeat">
-      <a:schemeClr val="accent1"/>
-    </dgm:fillClrLst>
-    <dgm:linClrLst meth="repeat">
-      <a:schemeClr val="lt1"/>
-    </dgm:linClrLst>
-    <dgm:effectClrLst/>
-    <dgm:txLinClrLst/>
-    <dgm:txFillClrLst/>
-    <dgm:txEffectClrLst/>
-  </dgm:styleLbl>
-  <dgm:styleLbl name="fgImgPlace1">
-    <dgm:fillClrLst meth="repeat">
-      <a:schemeClr val="accent1">
-        <a:tint val="50000"/>
-      </a:schemeClr>
-    </dgm:fillClrLst>
-    <dgm:linClrLst meth="repeat">
-      <a:schemeClr val="lt1"/>
-    </dgm:linClrLst>
-    <dgm:effectClrLst/>
-    <dgm:txLinClrLst/>
-    <dgm:txFillClrLst meth="repeat">
-      <a:schemeClr val="lt1"/>
-    </dgm:txFillClrLst>
-    <dgm:txEffectClrLst/>
-  </dgm:styleLbl>
-  <dgm:styleLbl name="alignImgPlace1">
-    <dgm:fillClrLst meth="repeat">
-      <a:schemeClr val="accent1">
-        <a:tint val="50000"/>
-      </a:schemeClr>
-    </dgm:fillClrLst>
-    <dgm:linClrLst meth="repeat">
-      <a:schemeClr val="lt1"/>
-    </dgm:linClrLst>
-    <dgm:effectClrLst/>
-    <dgm:txLinClrLst/>
-    <dgm:txFillClrLst meth="repeat">
-      <a:schemeClr val="lt1"/>
-    </dgm:txFillClrLst>
-    <dgm:txEffectClrLst/>
-  </dgm:styleLbl>
-  <dgm:styleLbl name="bgImgPlace1">
-    <dgm:fillClrLst meth="repeat">
-      <a:schemeClr val="accent1">
-        <a:tint val="50000"/>
-      </a:schemeClr>
-    </dgm:fillClrLst>
-    <dgm:linClrLst meth="repeat">
-      <a:schemeClr val="lt1"/>
-    </dgm:linClrLst>
-    <dgm:effectClrLst/>
-    <dgm:txLinClrLst/>
-    <dgm:txFillClrLst meth="repeat">
-      <a:schemeClr val="lt1"/>
-    </dgm:txFillClrLst>
-    <dgm:txEffectClrLst/>
-  </dgm:styleLbl>
-  <dgm:styleLbl name="sibTrans2D1">
-    <dgm:fillClrLst meth="repeat">
-      <a:schemeClr val="accent1">
-        <a:tint val="60000"/>
-      </a:schemeClr>
-    </dgm:fillClrLst>
-    <dgm:linClrLst meth="repeat">
-      <a:schemeClr val="accent1">
-        <a:tint val="60000"/>
-      </a:schemeClr>
-    </dgm:linClrLst>
-    <dgm:effectClrLst/>
-    <dgm:txLinClrLst/>
-    <dgm:txFillClrLst/>
-    <dgm:txEffectClrLst/>
-  </dgm:styleLbl>
-  <dgm:styleLbl name="fgSibTrans2D1">
-    <dgm:fillClrLst meth="repeat">
-      <a:schemeClr val="accent1">
-        <a:tint val="60000"/>
-      </a:schemeClr>
-    </dgm:fillClrLst>
-    <dgm:linClrLst meth="repeat">
-      <a:schemeClr val="accent1">
-        <a:tint val="60000"/>
-      </a:schemeClr>
-    </dgm:linClrLst>
-    <dgm:effectClrLst/>
-    <dgm:txLinClrLst/>
-    <dgm:txFillClrLst/>
-    <dgm:txEffectClrLst/>
-  </dgm:styleLbl>
-  <dgm:styleLbl name="bgSibTrans2D1">
-    <dgm:fillClrLst meth="repeat">
-      <a:schemeClr val="accent1">
-        <a:tint val="60000"/>
-      </a:schemeClr>
-    </dgm:fillClrLst>
-    <dgm:linClrLst meth="repeat">
-      <a:schemeClr val="accent1">
-        <a:tint val="60000"/>
-      </a:schemeClr>
-    </dgm:linClrLst>
-    <dgm:effectClrLst/>
-    <dgm:txLinClrLst/>
-    <dgm:txFillClrLst/>
-    <dgm:txEffectClrLst/>
-  </dgm:styleLbl>
-  <dgm:styleLbl name="sibTrans1D1">
-    <dgm:fillClrLst meth="repeat">
-      <a:schemeClr val="accent1"/>
-    </dgm:fillClrLst>
-    <dgm:linClrLst meth="repeat">
-      <a:schemeClr val="accent1"/>
-    </dgm:linClrLst>
-    <dgm:effectClrLst/>
-    <dgm:txLinClrLst/>
-    <dgm:txFillClrLst meth="repeat">
-      <a:schemeClr val="tx1"/>
-    </dgm:txFillClrLst>
-    <dgm:txEffectClrLst/>
-  </dgm:styleLbl>
-  <dgm:styleLbl name="callout">
-    <dgm:fillClrLst meth="repeat">
-      <a:schemeClr val="accent1"/>
-    </dgm:fillClrLst>
-    <dgm:linClrLst meth="repeat">
-      <a:schemeClr val="accent1">
-        <a:tint val="50000"/>
-      </a:schemeClr>
-    </dgm:linClrLst>
-    <dgm:effectClrLst/>
-    <dgm:txLinClrLst/>
-    <dgm:txFillClrLst meth="repeat">
-      <a:schemeClr val="tx1"/>
-    </dgm:txFillClrLst>
-    <dgm:txEffectClrLst/>
-  </dgm:styleLbl>
-  <dgm:styleLbl name="asst0">
-    <dgm:fillClrLst meth="repeat">
-      <a:schemeClr val="accent1"/>
-    </dgm:fillClrLst>
-    <dgm:linClrLst meth="repeat">
-      <a:schemeClr val="lt1"/>
-    </dgm:linClrLst>
-    <dgm:effectClrLst/>
-    <dgm:txLinClrLst/>
-    <dgm:txFillClrLst/>
-    <dgm:txEffectClrLst/>
-  </dgm:styleLbl>
-  <dgm:styleLbl name="asst1">
-    <dgm:fillClrLst meth="repeat">
-      <a:schemeClr val="accent1"/>
-    </dgm:fillClrLst>
-    <dgm:linClrLst meth="repeat">
-      <a:schemeClr val="lt1"/>
-    </dgm:linClrLst>
-    <dgm:effectClrLst/>
-    <dgm:txLinClrLst/>
-    <dgm:txFillClrLst/>
-    <dgm:txEffectClrLst/>
-  </dgm:styleLbl>
-  <dgm:styleLbl name="asst2">
-    <dgm:fillClrLst meth="repeat">
-      <a:schemeClr val="accent1"/>
-    </dgm:fillClrLst>
-    <dgm:linClrLst meth="repeat">
-      <a:schemeClr val="lt1"/>
-    </dgm:linClrLst>
-    <dgm:effectClrLst/>
-    <dgm:txLinClrLst/>
-    <dgm:txFillClrLst/>
-    <dgm:txEffectClrLst/>
-  </dgm:styleLbl>
-  <dgm:styleLbl name="asst3">
-    <dgm:fillClrLst meth="repeat">
-      <a:schemeClr val="accent1"/>
-    </dgm:fillClrLst>
-    <dgm:linClrLst meth="repeat">
-      <a:schemeClr val="lt1"/>
-    </dgm:linClrLst>
-    <dgm:effectClrLst/>
-    <dgm:txLinClrLst/>
-    <dgm:txFillClrLst/>
-    <dgm:txEffectClrLst/>
-  </dgm:styleLbl>
-  <dgm:styleLbl name="asst4">
-    <dgm:fillClrLst meth="repeat">
-      <a:schemeClr val="accent1"/>
-    </dgm:fillClrLst>
-    <dgm:linClrLst meth="repeat">
-      <a:schemeClr val="lt1"/>
-    </dgm:linClrLst>
-    <dgm:effectClrLst/>
-    <dgm:txLinClrLst/>
-    <dgm:txFillClrLst/>
-    <dgm:txEffectClrLst/>
-  </dgm:styleLbl>
-  <dgm:styleLbl name="parChTrans2D1">
-    <dgm:fillClrLst meth="repeat">
-      <a:schemeClr val="accent1">
-        <a:tint val="60000"/>
-      </a:schemeClr>
-    </dgm:fillClrLst>
-    <dgm:linClrLst meth="repeat">
-      <a:schemeClr val="accent1">
-        <a:tint val="60000"/>
-      </a:schemeClr>
-    </dgm:linClrLst>
-    <dgm:effectClrLst/>
-    <dgm:txLinClrLst/>
-    <dgm:txFillClrLst meth="repeat">
-      <a:schemeClr val="lt1"/>
-    </dgm:txFillClrLst>
-    <dgm:txEffectClrLst/>
-  </dgm:styleLbl>
-  <dgm:styleLbl name="parChTrans2D2">
-    <dgm:fillClrLst meth="repeat">
-      <a:schemeClr val="accent1"/>
-    </dgm:fillClrLst>
-    <dgm:linClrLst meth="repeat">
-      <a:schemeClr val="accent1"/>
-    </dgm:linClrLst>
-    <dgm:effectClrLst/>
-    <dgm:txLinClrLst/>
-    <dgm:txFillClrLst meth="repeat">
-      <a:schemeClr val="lt1"/>
-    </dgm:txFillClrLst>
-    <dgm:txEffectClrLst/>
-  </dgm:styleLbl>
-  <dgm:styleLbl name="parChTrans2D3">
-    <dgm:fillClrLst meth="repeat">
-      <a:schemeClr val="accent1"/>
-    </dgm:fillClrLst>
-    <dgm:linClrLst meth="repeat">
-      <a:schemeClr val="accent1"/>
-    </dgm:linClrLst>
-    <dgm:effectClrLst/>
-    <dgm:txLinClrLst/>
-    <dgm:txFillClrLst meth="repeat">
-      <a:schemeClr val="lt1"/>
-    </dgm:txFillClrLst>
-    <dgm:txEffectClrLst/>
-  </dgm:styleLbl>
-  <dgm:styleLbl name="parChTrans2D4">
-    <dgm:fillClrLst meth="repeat">
-      <a:schemeClr val="accent1"/>
-    </dgm:fillClrLst>
-    <dgm:linClrLst meth="repeat">
-      <a:schemeClr val="accent1"/>
-    </dgm:linClrLst>
-    <dgm:effectClrLst/>
-    <dgm:txLinClrLst/>
-    <dgm:txFillClrLst meth="repeat">
-      <a:schemeClr val="lt1"/>
-    </dgm:txFillClrLst>
-    <dgm:txEffectClrLst/>
-  </dgm:styleLbl>
-  <dgm:styleLbl name="parChTrans1D1">
-    <dgm:fillClrLst meth="repeat">
-      <a:schemeClr val="accent1"/>
-    </dgm:fillClrLst>
-    <dgm:linClrLst meth="repeat">
-      <a:schemeClr val="accent1">
-        <a:shade val="60000"/>
-      </a:schemeClr>
-    </dgm:linClrLst>
-    <dgm:effectClrLst/>
-    <dgm:txLinClrLst/>
-    <dgm:txFillClrLst meth="repeat">
-      <a:schemeClr val="tx1"/>
-    </dgm:txFillClrLst>
-    <dgm:txEffectClrLst/>
-  </dgm:styleLbl>
-  <dgm:styleLbl name="parChTrans1D2">
-    <dgm:fillClrLst meth="repeat">
-      <a:schemeClr val="accent1"/>
-    </dgm:fillClrLst>
-    <dgm:linClrLst meth="repeat">
-      <a:schemeClr val="accent1">
-        <a:shade val="60000"/>
-      </a:schemeClr>
-    </dgm:linClrLst>
-    <dgm:effectClrLst/>
-    <dgm:txLinClrLst/>
-    <dgm:txFillClrLst meth="repeat">
-      <a:schemeClr val="tx1"/>
-    </dgm:txFillClrLst>
-    <dgm:txEffectClrLst/>
-  </dgm:styleLbl>
-  <dgm:styleLbl name="parChTrans1D3">
-    <dgm:fillClrLst meth="repeat">
-      <a:schemeClr val="accent1"/>
-    </dgm:fillClrLst>
-    <dgm:linClrLst meth="repeat">
-      <a:schemeClr val="accent1">
-        <a:shade val="80000"/>
-      </a:schemeClr>
-    </dgm:linClrLst>
-    <dgm:effectClrLst/>
-    <dgm:txLinClrLst/>
-    <dgm:txFillClrLst meth="repeat">
-      <a:schemeClr val="tx1"/>
-    </dgm:txFillClrLst>
-    <dgm:txEffectClrLst/>
-  </dgm:styleLbl>
-  <dgm:styleLbl name="parChTrans1D4">
-    <dgm:fillClrLst meth="repeat">
-      <a:schemeClr val="accent1"/>
-    </dgm:fillClrLst>
-    <dgm:linClrLst meth="repeat">
-      <a:schemeClr val="accent1">
-        <a:shade val="80000"/>
-      </a:schemeClr>
-    </dgm:linClrLst>
-    <dgm:effectClrLst/>
-    <dgm:txLinClrLst/>
-    <dgm:txFillClrLst meth="repeat">
-      <a:schemeClr val="tx1"/>
-    </dgm:txFillClrLst>
-    <dgm:txEffectClrLst/>
-  </dgm:styleLbl>
-  <dgm:styleLbl name="fgAcc1">
-    <dgm:fillClrLst meth="repeat">
-      <a:schemeClr val="lt1">
-        <a:alpha val="90000"/>
-      </a:schemeClr>
-    </dgm:fillClrLst>
-    <dgm:linClrLst meth="repeat">
-      <a:schemeClr val="accent1"/>
-    </dgm:linClrLst>
-    <dgm:effectClrLst/>
-    <dgm:txLinClrLst/>
-    <dgm:txFillClrLst meth="repeat">
-      <a:schemeClr val="dk1"/>
-    </dgm:txFillClrLst>
-    <dgm:txEffectClrLst/>
-  </dgm:styleLbl>
-  <dgm:styleLbl name="conFgAcc1">
-    <dgm:fillClrLst meth="repeat">
-      <a:schemeClr val="lt1">
-        <a:alpha val="90000"/>
-      </a:schemeClr>
-    </dgm:fillClrLst>
-    <dgm:linClrLst meth="repeat">
-      <a:schemeClr val="accent1"/>
-    </dgm:linClrLst>
-    <dgm:effectClrLst/>
-    <dgm:txLinClrLst/>
-    <dgm:txFillClrLst meth="repeat">
-      <a:schemeClr val="dk1"/>
-    </dgm:txFillClrLst>
-    <dgm:txEffectClrLst/>
-  </dgm:styleLbl>
-  <dgm:styleLbl name="alignAcc1">
-    <dgm:fillClrLst meth="repeat">
-      <a:schemeClr val="lt1">
-        <a:alpha val="90000"/>
-      </a:schemeClr>
-    </dgm:fillClrLst>
-    <dgm:linClrLst meth="repeat">
-      <a:schemeClr val="accent1"/>
-    </dgm:linClrLst>
-    <dgm:effectClrLst/>
-    <dgm:txLinClrLst/>
-    <dgm:txFillClrLst meth="repeat">
-      <a:schemeClr val="dk1"/>
-    </dgm:txFillClrLst>
-    <dgm:txEffectClrLst/>
-  </dgm:styleLbl>
-  <dgm:styleLbl name="trAlignAcc1">
-    <dgm:fillClrLst meth="repeat">
-      <a:schemeClr val="lt1">
-        <a:alpha val="40000"/>
-      </a:schemeClr>
-    </dgm:fillClrLst>
-    <dgm:linClrLst meth="repeat">
-      <a:schemeClr val="accent1"/>
-    </dgm:linClrLst>
-    <dgm:effectClrLst/>
-    <dgm:txLinClrLst/>
-    <dgm:txFillClrLst meth="repeat">
-      <a:schemeClr val="dk1"/>
-    </dgm:txFillClrLst>
-    <dgm:txEffectClrLst/>
-  </dgm:styleLbl>
-  <dgm:styleLbl name="bgAcc1">
-    <dgm:fillClrLst meth="repeat">
-      <a:schemeClr val="lt1">
-        <a:alpha val="90000"/>
-      </a:schemeClr>
-    </dgm:fillClrLst>
-    <dgm:linClrLst meth="repeat">
-      <a:schemeClr val="accent1"/>
-    </dgm:linClrLst>
-    <dgm:effectClrLst/>
-    <dgm:txLinClrLst/>
-    <dgm:txFillClrLst meth="repeat">
-      <a:schemeClr val="dk1"/>
-    </dgm:txFillClrLst>
-    <dgm:txEffectClrLst/>
-  </dgm:styleLbl>
-  <dgm:styleLbl name="solidFgAcc1">
-    <dgm:fillClrLst meth="repeat">
-      <a:schemeClr val="lt1"/>
-    </dgm:fillClrLst>
-    <dgm:linClrLst meth="repeat">
-      <a:schemeClr val="accent1"/>
-    </dgm:linClrLst>
-    <dgm:effectClrLst/>
-    <dgm:txLinClrLst/>
-    <dgm:txFillClrLst meth="repeat">
-      <a:schemeClr val="dk1"/>
-    </dgm:txFillClrLst>
-    <dgm:txEffectClrLst/>
-  </dgm:styleLbl>
-  <dgm:styleLbl name="solidAlignAcc1">
-    <dgm:fillClrLst meth="repeat">
-      <a:schemeClr val="lt1"/>
-    </dgm:fillClrLst>
-    <dgm:linClrLst meth="repeat">
-      <a:schemeClr val="accent1"/>
-    </dgm:linClrLst>
-    <dgm:effectClrLst/>
-    <dgm:txLinClrLst/>
-    <dgm:txFillClrLst meth="repeat">
-      <a:schemeClr val="dk1"/>
-    </dgm:txFillClrLst>
-    <dgm:txEffectClrLst/>
-  </dgm:styleLbl>
-  <dgm:styleLbl name="solidBgAcc1">
-    <dgm:fillClrLst meth="repeat">
-      <a:schemeClr val="lt1"/>
-    </dgm:fillClrLst>
-    <dgm:linClrLst meth="repeat">
-      <a:schemeClr val="accent1"/>
-    </dgm:linClrLst>
-    <dgm:effectClrLst/>
-    <dgm:txLinClrLst/>
-    <dgm:txFillClrLst meth="repeat">
-      <a:schemeClr val="dk1"/>
-    </dgm:txFillClrLst>
-    <dgm:txEffectClrLst/>
-  </dgm:styleLbl>
-  <dgm:styleLbl name="fgAccFollowNode1">
-    <dgm:fillClrLst meth="repeat">
-      <a:schemeClr val="accent1">
-        <a:alpha val="90000"/>
-        <a:tint val="40000"/>
-      </a:schemeClr>
-    </dgm:fillClrLst>
-    <dgm:linClrLst meth="repeat">
-      <a:schemeClr val="accent1">
-        <a:alpha val="90000"/>
-        <a:tint val="40000"/>
-      </a:schemeClr>
-    </dgm:linClrLst>
-    <dgm:effectClrLst/>
-    <dgm:txLinClrLst/>
-    <dgm:txFillClrLst meth="repeat">
-      <a:schemeClr val="dk1"/>
-    </dgm:txFillClrLst>
-    <dgm:txEffectClrLst/>
-  </dgm:styleLbl>
-  <dgm:styleLbl name="alignAccFollowNode1">
-    <dgm:fillClrLst meth="repeat">
-      <a:schemeClr val="accent1">
-        <a:alpha val="90000"/>
-        <a:tint val="40000"/>
-      </a:schemeClr>
-    </dgm:fillClrLst>
-    <dgm:linClrLst meth="repeat">
-      <a:schemeClr val="accent1">
-        <a:alpha val="90000"/>
-        <a:tint val="40000"/>
-      </a:schemeClr>
-    </dgm:linClrLst>
-    <dgm:effectClrLst/>
-    <dgm:txLinClrLst/>
-    <dgm:txFillClrLst meth="repeat">
-      <a:schemeClr val="dk1"/>
-    </dgm:txFillClrLst>
-    <dgm:txEffectClrLst/>
-  </dgm:styleLbl>
-  <dgm:styleLbl name="bgAccFollowNode1">
-    <dgm:fillClrLst meth="repeat">
-      <a:schemeClr val="accent1">
-        <a:alpha val="90000"/>
-        <a:tint val="40000"/>
-      </a:schemeClr>
-    </dgm:fillClrLst>
-    <dgm:linClrLst meth="repeat">
-      <a:schemeClr val="accent1">
-        <a:alpha val="90000"/>
-        <a:tint val="40000"/>
-      </a:schemeClr>
-    </dgm:linClrLst>
-    <dgm:effectClrLst/>
-    <dgm:txLinClrLst/>
-    <dgm:txFillClrLst meth="repeat">
-      <a:schemeClr val="dk1"/>
-    </dgm:txFillClrLst>
-    <dgm:txEffectClrLst/>
-  </dgm:styleLbl>
-  <dgm:styleLbl name="fgAcc0">
-    <dgm:fillClrLst meth="repeat">
-      <a:schemeClr val="lt1">
-        <a:alpha val="90000"/>
-      </a:schemeClr>
-    </dgm:fillClrLst>
-    <dgm:linClrLst meth="repeat">
-      <a:schemeClr val="accent1"/>
-    </dgm:linClrLst>
-    <dgm:effectClrLst/>
-    <dgm:txLinClrLst/>
-    <dgm:txFillClrLst meth="repeat">
-      <a:schemeClr val="dk1"/>
-    </dgm:txFillClrLst>
-    <dgm:txEffectClrLst/>
-  </dgm:styleLbl>
-  <dgm:styleLbl name="fgAcc2">
-    <dgm:fillClrLst meth="repeat">
-      <a:schemeClr val="lt1">
-        <a:alpha val="90000"/>
-      </a:schemeClr>
-    </dgm:fillClrLst>
-    <dgm:linClrLst meth="repeat">
-      <a:schemeClr val="accent1"/>
-    </dgm:linClrLst>
-    <dgm:effectClrLst/>
-    <dgm:txLinClrLst/>
-    <dgm:txFillClrLst meth="repeat">
-      <a:schemeClr val="dk1"/>
-    </dgm:txFillClrLst>
-    <dgm:txEffectClrLst/>
-  </dgm:styleLbl>
-  <dgm:styleLbl name="fgAcc3">
-    <dgm:fillClrLst meth="repeat">
-      <a:schemeClr val="lt1">
-        <a:alpha val="90000"/>
-      </a:schemeClr>
-    </dgm:fillClrLst>
-    <dgm:linClrLst meth="repeat">
-      <a:schemeClr val="accent1"/>
-    </dgm:linClrLst>
-    <dgm:effectClrLst/>
-    <dgm:txLinClrLst/>
-    <dgm:txFillClrLst meth="repeat">
-      <a:schemeClr val="dk1"/>
-    </dgm:txFillClrLst>
-    <dgm:txEffectClrLst/>
-  </dgm:styleLbl>
-  <dgm:styleLbl name="fgAcc4">
-    <dgm:fillClrLst meth="repeat">
-      <a:schemeClr val="lt1">
-        <a:alpha val="90000"/>
-      </a:schemeClr>
-    </dgm:fillClrLst>
-    <dgm:linClrLst meth="repeat">
-      <a:schemeClr val="accent1"/>
-    </dgm:linClrLst>
-    <dgm:effectClrLst/>
-    <dgm:txLinClrLst/>
-    <dgm:txFillClrLst meth="repeat">
-      <a:schemeClr val="dk1"/>
-    </dgm:txFillClrLst>
-    <dgm:txEffectClrLst/>
-  </dgm:styleLbl>
-  <dgm:styleLbl name="bgShp">
-    <dgm:fillClrLst meth="repeat">
-      <a:schemeClr val="accent1">
-        <a:tint val="40000"/>
-      </a:schemeClr>
-    </dgm:fillClrLst>
-    <dgm:linClrLst meth="repeat">
-      <a:schemeClr val="accent1"/>
-    </dgm:linClrLst>
-    <dgm:effectClrLst/>
-    <dgm:txLinClrLst/>
-    <dgm:txFillClrLst meth="repeat">
-      <a:schemeClr val="dk1"/>
-    </dgm:txFillClrLst>
-    <dgm:txEffectClrLst/>
-  </dgm:styleLbl>
-  <dgm:styleLbl name="dkBgShp">
-    <dgm:fillClrLst meth="repeat">
-      <a:schemeClr val="accent1">
-        <a:shade val="80000"/>
-      </a:schemeClr>
-    </dgm:fillClrLst>
-    <dgm:linClrLst meth="repeat">
-      <a:schemeClr val="accent1"/>
-    </dgm:linClrLst>
-    <dgm:effectClrLst/>
-    <dgm:txLinClrLst/>
-    <dgm:txFillClrLst meth="repeat">
-      <a:schemeClr val="lt1"/>
-    </dgm:txFillClrLst>
-    <dgm:txEffectClrLst/>
-  </dgm:styleLbl>
-  <dgm:styleLbl name="trBgShp">
-    <dgm:fillClrLst meth="repeat">
-      <a:schemeClr val="accent1">
-        <a:tint val="50000"/>
-        <a:alpha val="40000"/>
-      </a:schemeClr>
-    </dgm:fillClrLst>
-    <dgm:linClrLst meth="repeat">
-      <a:schemeClr val="accent1"/>
-    </dgm:linClrLst>
-    <dgm:effectClrLst/>
-    <dgm:txLinClrLst/>
-    <dgm:txFillClrLst meth="repeat">
-      <a:schemeClr val="lt1"/>
-    </dgm:txFillClrLst>
-    <dgm:txEffectClrLst/>
-  </dgm:styleLbl>
-  <dgm:styleLbl name="fgShp">
-    <dgm:fillClrLst meth="repeat">
-      <a:schemeClr val="accent1">
-        <a:tint val="60000"/>
-      </a:schemeClr>
-    </dgm:fillClrLst>
-    <dgm:linClrLst meth="repeat">
-      <a:schemeClr val="lt1"/>
-    </dgm:linClrLst>
-    <dgm:effectClrLst/>
-    <dgm:txLinClrLst/>
-    <dgm:txFillClrLst meth="repeat">
-      <a:schemeClr val="dk1"/>
-    </dgm:txFillClrLst>
-    <dgm:txEffectClrLst/>
-  </dgm:styleLbl>
-  <dgm:styleLbl name="revTx">
-    <dgm:fillClrLst meth="repeat">
-      <a:schemeClr val="lt1">
-        <a:alpha val="0"/>
-      </a:schemeClr>
-    </dgm:fillClrLst>
-    <dgm:linClrLst meth="repeat">
-      <a:schemeClr val="dk1">
-        <a:alpha val="0"/>
-      </a:schemeClr>
-    </dgm:linClrLst>
-    <dgm:effectClrLst/>
-    <dgm:txLinClrLst/>
-    <dgm:txFillClrLst meth="repeat">
-      <a:schemeClr val="tx1"/>
-    </dgm:txFillClrLst>
-    <dgm:txEffectClrLst/>
-  </dgm:styleLbl>
-</dgm:colorsDef>
-</file>
-
-<file path=ppt/diagrams/colors2.xml><?xml version="1.0" encoding="utf-8"?>
-<dgm:colorsDef xmlns:dgm="http://schemas.openxmlformats.org/drawingml/2006/diagram" xmlns:a="http://schemas.openxmlformats.org/drawingml/2006/main" uniqueId="urn:microsoft.com/office/officeart/2005/8/colors/accent1_2">
-  <dgm:title val=""/>
-  <dgm:desc val=""/>
-  <dgm:catLst>
-    <dgm:cat type="accent1" pri="11200"/>
-  </dgm:catLst>
-  <dgm:styleLbl name="node0">
-    <dgm:fillClrLst meth="repeat">
-      <a:schemeClr val="accent1"/>
-    </dgm:fillClrLst>
-    <dgm:linClrLst meth="repeat">
-      <a:schemeClr val="lt1"/>
-    </dgm:linClrLst>
-    <dgm:effectClrLst/>
-    <dgm:txLinClrLst/>
-    <dgm:txFillClrLst/>
-    <dgm:txEffectClrLst/>
-  </dgm:styleLbl>
-  <dgm:styleLbl name="alignNode1">
-    <dgm:fillClrLst meth="repeat">
-      <a:schemeClr val="accent1"/>
-    </dgm:fillClrLst>
-    <dgm:linClrLst meth="repeat">
-      <a:schemeClr val="accent1"/>
-    </dgm:linClrLst>
-    <dgm:effectClrLst/>
-    <dgm:txLinClrLst/>
-    <dgm:txFillClrLst/>
-    <dgm:txEffectClrLst/>
-  </dgm:styleLbl>
-  <dgm:styleLbl name="node1">
-    <dgm:fillClrLst meth="repeat">
-      <a:schemeClr val="accent1"/>
-    </dgm:fillClrLst>
-    <dgm:linClrLst meth="repeat">
-      <a:schemeClr val="lt1"/>
-    </dgm:linClrLst>
-    <dgm:effectClrLst/>
-    <dgm:txLinClrLst/>
-    <dgm:txFillClrLst/>
-    <dgm:txEffectClrLst/>
-  </dgm:styleLbl>
-  <dgm:styleLbl name="lnNode1">
-    <dgm:fillClrLst meth="repeat">
-      <a:schemeClr val="accent1"/>
-    </dgm:fillClrLst>
-    <dgm:linClrLst meth="repeat">
-      <a:schemeClr val="lt1"/>
-    </dgm:linClrLst>
-    <dgm:effectClrLst/>
-    <dgm:txLinClrLst/>
-    <dgm:txFillClrLst/>
-    <dgm:txEffectClrLst/>
-  </dgm:styleLbl>
-  <dgm:styleLbl name="vennNode1">
-    <dgm:fillClrLst meth="repeat">
-      <a:schemeClr val="accent1">
-        <a:alpha val="50000"/>
-      </a:schemeClr>
-    </dgm:fillClrLst>
-    <dgm:linClrLst meth="repeat">
-      <a:schemeClr val="lt1"/>
-    </dgm:linClrLst>
-    <dgm:effectClrLst/>
-    <dgm:txLinClrLst/>
-    <dgm:txFillClrLst/>
-    <dgm:txEffectClrLst/>
-  </dgm:styleLbl>
-  <dgm:styleLbl name="node2">
-    <dgm:fillClrLst meth="repeat">
-      <a:schemeClr val="accent1"/>
-    </dgm:fillClrLst>
-    <dgm:linClrLst meth="repeat">
-      <a:schemeClr val="lt1"/>
-    </dgm:linClrLst>
-    <dgm:effectClrLst/>
-    <dgm:txLinClrLst/>
-    <dgm:txFillClrLst/>
-    <dgm:txEffectClrLst/>
-  </dgm:styleLbl>
-  <dgm:styleLbl name="node3">
-    <dgm:fillClrLst meth="repeat">
-      <a:schemeClr val="accent1"/>
-    </dgm:fillClrLst>
-    <dgm:linClrLst meth="repeat">
-      <a:schemeClr val="lt1"/>
-    </dgm:linClrLst>
-    <dgm:effectClrLst/>
-    <dgm:txLinClrLst/>
-    <dgm:txFillClrLst/>
-    <dgm:txEffectClrLst/>
-  </dgm:styleLbl>
-  <dgm:styleLbl name="node4">
-    <dgm:fillClrLst meth="repeat">
-      <a:schemeClr val="accent1"/>
-    </dgm:fillClrLst>
-    <dgm:linClrLst meth="repeat">
-      <a:schemeClr val="lt1"/>
-    </dgm:linClrLst>
-    <dgm:effectClrLst/>
-    <dgm:txLinClrLst/>
-    <dgm:txFillClrLst/>
-    <dgm:txEffectClrLst/>
-  </dgm:styleLbl>
-  <dgm:styleLbl name="fgImgPlace1">
-    <dgm:fillClrLst meth="repeat">
-      <a:schemeClr val="accent1">
-        <a:tint val="50000"/>
-      </a:schemeClr>
-    </dgm:fillClrLst>
-    <dgm:linClrLst meth="repeat">
-      <a:schemeClr val="lt1"/>
-    </dgm:linClrLst>
-    <dgm:effectClrLst/>
-    <dgm:txLinClrLst/>
-    <dgm:txFillClrLst meth="repeat">
-      <a:schemeClr val="lt1"/>
-    </dgm:txFillClrLst>
-    <dgm:txEffectClrLst/>
-  </dgm:styleLbl>
-  <dgm:styleLbl name="alignImgPlace1">
-    <dgm:fillClrLst meth="repeat">
-      <a:schemeClr val="accent1">
-        <a:tint val="50000"/>
-      </a:schemeClr>
-    </dgm:fillClrLst>
-    <dgm:linClrLst meth="repeat">
-      <a:schemeClr val="lt1"/>
-    </dgm:linClrLst>
-    <dgm:effectClrLst/>
-    <dgm:txLinClrLst/>
-    <dgm:txFillClrLst meth="repeat">
-      <a:schemeClr val="lt1"/>
-    </dgm:txFillClrLst>
-    <dgm:txEffectClrLst/>
-  </dgm:styleLbl>
-  <dgm:styleLbl name="bgImgPlace1">
-    <dgm:fillClrLst meth="repeat">
-      <a:schemeClr val="accent1">
-        <a:tint val="50000"/>
-      </a:schemeClr>
-    </dgm:fillClrLst>
-    <dgm:linClrLst meth="repeat">
-      <a:schemeClr val="lt1"/>
-    </dgm:linClrLst>
-    <dgm:effectClrLst/>
-    <dgm:txLinClrLst/>
-    <dgm:txFillClrLst meth="repeat">
-      <a:schemeClr val="lt1"/>
-    </dgm:txFillClrLst>
-    <dgm:txEffectClrLst/>
-  </dgm:styleLbl>
-  <dgm:styleLbl name="sibTrans2D1">
-    <dgm:fillClrLst meth="repeat">
-      <a:schemeClr val="accent1">
-        <a:tint val="60000"/>
-      </a:schemeClr>
-    </dgm:fillClrLst>
-    <dgm:linClrLst meth="repeat">
-      <a:schemeClr val="accent1">
-        <a:tint val="60000"/>
-      </a:schemeClr>
-    </dgm:linClrLst>
-    <dgm:effectClrLst/>
-    <dgm:txLinClrLst/>
-    <dgm:txFillClrLst/>
-    <dgm:txEffectClrLst/>
-  </dgm:styleLbl>
-  <dgm:styleLbl name="fgSibTrans2D1">
-    <dgm:fillClrLst meth="repeat">
-      <a:schemeClr val="accent1">
-        <a:tint val="60000"/>
-      </a:schemeClr>
-    </dgm:fillClrLst>
-    <dgm:linClrLst meth="repeat">
-      <a:schemeClr val="accent1">
-        <a:tint val="60000"/>
-      </a:schemeClr>
-    </dgm:linClrLst>
-    <dgm:effectClrLst/>
-    <dgm:txLinClrLst/>
-    <dgm:txFillClrLst/>
-    <dgm:txEffectClrLst/>
-  </dgm:styleLbl>
-  <dgm:styleLbl name="bgSibTrans2D1">
-    <dgm:fillClrLst meth="repeat">
-      <a:schemeClr val="accent1">
-        <a:tint val="60000"/>
-      </a:schemeClr>
-    </dgm:fillClrLst>
-    <dgm:linClrLst meth="repeat">
-      <a:schemeClr val="accent1">
-        <a:tint val="60000"/>
-      </a:schemeClr>
-    </dgm:linClrLst>
-    <dgm:effectClrLst/>
-    <dgm:txLinClrLst/>
-    <dgm:txFillClrLst/>
-    <dgm:txEffectClrLst/>
-  </dgm:styleLbl>
-  <dgm:styleLbl name="sibTrans1D1">
-    <dgm:fillClrLst meth="repeat">
-      <a:schemeClr val="accent1"/>
-    </dgm:fillClrLst>
-    <dgm:linClrLst meth="repeat">
-      <a:schemeClr val="accent1"/>
-    </dgm:linClrLst>
-    <dgm:effectClrLst/>
-    <dgm:txLinClrLst/>
-    <dgm:txFillClrLst meth="repeat">
-      <a:schemeClr val="tx1"/>
-    </dgm:txFillClrLst>
-    <dgm:txEffectClrLst/>
-  </dgm:styleLbl>
-  <dgm:styleLbl name="callout">
-    <dgm:fillClrLst meth="repeat">
-      <a:schemeClr val="accent1"/>
-    </dgm:fillClrLst>
-    <dgm:linClrLst meth="repeat">
-      <a:schemeClr val="accent1">
-        <a:tint val="50000"/>
-      </a:schemeClr>
-    </dgm:linClrLst>
-    <dgm:effectClrLst/>
-    <dgm:txLinClrLst/>
-    <dgm:txFillClrLst meth="repeat">
-      <a:schemeClr val="tx1"/>
-    </dgm:txFillClrLst>
-    <dgm:txEffectClrLst/>
-  </dgm:styleLbl>
-  <dgm:styleLbl name="asst0">
-    <dgm:fillClrLst meth="repeat">
-      <a:schemeClr val="accent1"/>
-    </dgm:fillClrLst>
-    <dgm:linClrLst meth="repeat">
-      <a:schemeClr val="lt1"/>
-    </dgm:linClrLst>
-    <dgm:effectClrLst/>
-    <dgm:txLinClrLst/>
-    <dgm:txFillClrLst/>
-    <dgm:txEffectClrLst/>
-  </dgm:styleLbl>
-  <dgm:styleLbl name="asst1">
-    <dgm:fillClrLst meth="repeat">
-      <a:schemeClr val="accent1"/>
-    </dgm:fillClrLst>
-    <dgm:linClrLst meth="repeat">
-      <a:schemeClr val="lt1"/>
-    </dgm:linClrLst>
-    <dgm:effectClrLst/>
-    <dgm:txLinClrLst/>
-    <dgm:txFillClrLst/>
-    <dgm:txEffectClrLst/>
-  </dgm:styleLbl>
-  <dgm:styleLbl name="asst2">
-    <dgm:fillClrLst meth="repeat">
-      <a:schemeClr val="accent1"/>
-    </dgm:fillClrLst>
-    <dgm:linClrLst meth="repeat">
-      <a:schemeClr val="lt1"/>
-    </dgm:linClrLst>
-    <dgm:effectClrLst/>
-    <dgm:txLinClrLst/>
-    <dgm:txFillClrLst/>
-    <dgm:txEffectClrLst/>
-  </dgm:styleLbl>
-  <dgm:styleLbl name="asst3">
-    <dgm:fillClrLst meth="repeat">
-      <a:schemeClr val="accent1"/>
-    </dgm:fillClrLst>
-    <dgm:linClrLst meth="repeat">
-      <a:schemeClr val="lt1"/>
-    </dgm:linClrLst>
-    <dgm:effectClrLst/>
-    <dgm:txLinClrLst/>
-    <dgm:txFillClrLst/>
-    <dgm:txEffectClrLst/>
-  </dgm:styleLbl>
-  <dgm:styleLbl name="asst4">
-    <dgm:fillClrLst meth="repeat">
-      <a:schemeClr val="accent1"/>
-    </dgm:fillClrLst>
-    <dgm:linClrLst meth="repeat">
-      <a:schemeClr val="lt1"/>
-    </dgm:linClrLst>
-    <dgm:effectClrLst/>
-    <dgm:txLinClrLst/>
-    <dgm:txFillClrLst/>
-    <dgm:txEffectClrLst/>
-  </dgm:styleLbl>
-  <dgm:styleLbl name="parChTrans2D1">
-    <dgm:fillClrLst meth="repeat">
-      <a:schemeClr val="accent1">
-        <a:tint val="60000"/>
-      </a:schemeClr>
-    </dgm:fillClrLst>
-    <dgm:linClrLst meth="repeat">
-      <a:schemeClr val="accent1">
-        <a:tint val="60000"/>
-      </a:schemeClr>
-    </dgm:linClrLst>
-    <dgm:effectClrLst/>
-    <dgm:txLinClrLst/>
-    <dgm:txFillClrLst meth="repeat">
-      <a:schemeClr val="lt1"/>
-    </dgm:txFillClrLst>
-    <dgm:txEffectClrLst/>
-  </dgm:styleLbl>
-  <dgm:styleLbl name="parChTrans2D2">
-    <dgm:fillClrLst meth="repeat">
-      <a:schemeClr val="accent1"/>
-    </dgm:fillClrLst>
-    <dgm:linClrLst meth="repeat">
-      <a:schemeClr val="accent1"/>
-    </dgm:linClrLst>
-    <dgm:effectClrLst/>
-    <dgm:txLinClrLst/>
-    <dgm:txFillClrLst meth="repeat">
-      <a:schemeClr val="lt1"/>
-    </dgm:txFillClrLst>
-    <dgm:txEffectClrLst/>
-  </dgm:styleLbl>
-  <dgm:styleLbl name="parChTrans2D3">
-    <dgm:fillClrLst meth="repeat">
-      <a:schemeClr val="accent1"/>
-    </dgm:fillClrLst>
-    <dgm:linClrLst meth="repeat">
-      <a:schemeClr val="accent1"/>
-    </dgm:linClrLst>
-    <dgm:effectClrLst/>
-    <dgm:txLinClrLst/>
-    <dgm:txFillClrLst meth="repeat">
-      <a:schemeClr val="lt1"/>
-    </dgm:txFillClrLst>
-    <dgm:txEffectClrLst/>
-  </dgm:styleLbl>
-  <dgm:styleLbl name="parChTrans2D4">
-    <dgm:fillClrLst meth="repeat">
-      <a:schemeClr val="accent1"/>
-    </dgm:fillClrLst>
-    <dgm:linClrLst meth="repeat">
-      <a:schemeClr val="accent1"/>
-    </dgm:linClrLst>
-    <dgm:effectClrLst/>
-    <dgm:txLinClrLst/>
-    <dgm:txFillClrLst meth="repeat">
-      <a:schemeClr val="lt1"/>
-    </dgm:txFillClrLst>
-    <dgm:txEffectClrLst/>
-  </dgm:styleLbl>
-  <dgm:styleLbl name="parChTrans1D1">
-    <dgm:fillClrLst meth="repeat">
-      <a:schemeClr val="accent1"/>
-    </dgm:fillClrLst>
-    <dgm:linClrLst meth="repeat">
-      <a:schemeClr val="accent1">
-        <a:shade val="60000"/>
-      </a:schemeClr>
-    </dgm:linClrLst>
-    <dgm:effectClrLst/>
-    <dgm:txLinClrLst/>
-    <dgm:txFillClrLst meth="repeat">
-      <a:schemeClr val="tx1"/>
-    </dgm:txFillClrLst>
-    <dgm:txEffectClrLst/>
-  </dgm:styleLbl>
-  <dgm:styleLbl name="parChTrans1D2">
-    <dgm:fillClrLst meth="repeat">
-      <a:schemeClr val="accent1"/>
-    </dgm:fillClrLst>
-    <dgm:linClrLst meth="repeat">
-      <a:schemeClr val="accent1">
-        <a:shade val="60000"/>
-      </a:schemeClr>
-    </dgm:linClrLst>
-    <dgm:effectClrLst/>
-    <dgm:txLinClrLst/>
-    <dgm:txFillClrLst meth="repeat">
-      <a:schemeClr val="tx1"/>
-    </dgm:txFillClrLst>
-    <dgm:txEffectClrLst/>
-  </dgm:styleLbl>
-  <dgm:styleLbl name="parChTrans1D3">
-    <dgm:fillClrLst meth="repeat">
-      <a:schemeClr val="accent1"/>
-    </dgm:fillClrLst>
-    <dgm:linClrLst meth="repeat">
-      <a:schemeClr val="accent1">
-        <a:shade val="80000"/>
-      </a:schemeClr>
-    </dgm:linClrLst>
-    <dgm:effectClrLst/>
-    <dgm:txLinClrLst/>
-    <dgm:txFillClrLst meth="repeat">
-      <a:schemeClr val="tx1"/>
-    </dgm:txFillClrLst>
-    <dgm:txEffectClrLst/>
-  </dgm:styleLbl>
-  <dgm:styleLbl name="parChTrans1D4">
-    <dgm:fillClrLst meth="repeat">
-      <a:schemeClr val="accent1"/>
-    </dgm:fillClrLst>
-    <dgm:linClrLst meth="repeat">
-      <a:schemeClr val="accent1">
-        <a:shade val="80000"/>
-      </a:schemeClr>
-    </dgm:linClrLst>
-    <dgm:effectClrLst/>
-    <dgm:txLinClrLst/>
-    <dgm:txFillClrLst meth="repeat">
-      <a:schemeClr val="tx1"/>
-    </dgm:txFillClrLst>
-    <dgm:txEffectClrLst/>
-  </dgm:styleLbl>
-  <dgm:styleLbl name="fgAcc1">
-    <dgm:fillClrLst meth="repeat">
-      <a:schemeClr val="lt1">
-        <a:alpha val="90000"/>
-      </a:schemeClr>
-    </dgm:fillClrLst>
-    <dgm:linClrLst meth="repeat">
-      <a:schemeClr val="accent1"/>
-    </dgm:linClrLst>
-    <dgm:effectClrLst/>
-    <dgm:txLinClrLst/>
-    <dgm:txFillClrLst meth="repeat">
-      <a:schemeClr val="dk1"/>
-    </dgm:txFillClrLst>
-    <dgm:txEffectClrLst/>
-  </dgm:styleLbl>
-  <dgm:styleLbl name="conFgAcc1">
-    <dgm:fillClrLst meth="repeat">
-      <a:schemeClr val="lt1">
-        <a:alpha val="90000"/>
-      </a:schemeClr>
-    </dgm:fillClrLst>
-    <dgm:linClrLst meth="repeat">
-      <a:schemeClr val="accent1"/>
-    </dgm:linClrLst>
-    <dgm:effectClrLst/>
-    <dgm:txLinClrLst/>
-    <dgm:txFillClrLst meth="repeat">
-      <a:schemeClr val="dk1"/>
-    </dgm:txFillClrLst>
-    <dgm:txEffectClrLst/>
-  </dgm:styleLbl>
-  <dgm:styleLbl name="alignAcc1">
-    <dgm:fillClrLst meth="repeat">
-      <a:schemeClr val="lt1">
-        <a:alpha val="90000"/>
-      </a:schemeClr>
-    </dgm:fillClrLst>
-    <dgm:linClrLst meth="repeat">
-      <a:schemeClr val="accent1"/>
-    </dgm:linClrLst>
-    <dgm:effectClrLst/>
-    <dgm:txLinClrLst/>
-    <dgm:txFillClrLst meth="repeat">
-      <a:schemeClr val="dk1"/>
-    </dgm:txFillClrLst>
-    <dgm:txEffectClrLst/>
-  </dgm:styleLbl>
-  <dgm:styleLbl name="trAlignAcc1">
-    <dgm:fillClrLst meth="repeat">
-      <a:schemeClr val="lt1">
-        <a:alpha val="40000"/>
-      </a:schemeClr>
-    </dgm:fillClrLst>
-    <dgm:linClrLst meth="repeat">
-      <a:schemeClr val="accent1"/>
-    </dgm:linClrLst>
-    <dgm:effectClrLst/>
-    <dgm:txLinClrLst/>
-    <dgm:txFillClrLst meth="repeat">
-      <a:schemeClr val="dk1"/>
-    </dgm:txFillClrLst>
-    <dgm:txEffectClrLst/>
-  </dgm:styleLbl>
-  <dgm:styleLbl name="bgAcc1">
-    <dgm:fillClrLst meth="repeat">
-      <a:schemeClr val="lt1">
-        <a:alpha val="90000"/>
-      </a:schemeClr>
-    </dgm:fillClrLst>
-    <dgm:linClrLst meth="repeat">
-      <a:schemeClr val="accent1"/>
-    </dgm:linClrLst>
-    <dgm:effectClrLst/>
-    <dgm:txLinClrLst/>
-    <dgm:txFillClrLst meth="repeat">
-      <a:schemeClr val="dk1"/>
-    </dgm:txFillClrLst>
-    <dgm:txEffectClrLst/>
-  </dgm:styleLbl>
-  <dgm:styleLbl name="solidFgAcc1">
-    <dgm:fillClrLst meth="repeat">
-      <a:schemeClr val="lt1"/>
-    </dgm:fillClrLst>
-    <dgm:linClrLst meth="repeat">
-      <a:schemeClr val="accent1"/>
-    </dgm:linClrLst>
-    <dgm:effectClrLst/>
-    <dgm:txLinClrLst/>
-    <dgm:txFillClrLst meth="repeat">
-      <a:schemeClr val="dk1"/>
-    </dgm:txFillClrLst>
-    <dgm:txEffectClrLst/>
-  </dgm:styleLbl>
-  <dgm:styleLbl name="solidAlignAcc1">
-    <dgm:fillClrLst meth="repeat">
-      <a:schemeClr val="lt1"/>
-    </dgm:fillClrLst>
-    <dgm:linClrLst meth="repeat">
-      <a:schemeClr val="accent1"/>
-    </dgm:linClrLst>
-    <dgm:effectClrLst/>
-    <dgm:txLinClrLst/>
-    <dgm:txFillClrLst meth="repeat">
-      <a:schemeClr val="dk1"/>
-    </dgm:txFillClrLst>
-    <dgm:txEffectClrLst/>
-  </dgm:styleLbl>
-  <dgm:styleLbl name="solidBgAcc1">
-    <dgm:fillClrLst meth="repeat">
-      <a:schemeClr val="lt1"/>
-    </dgm:fillClrLst>
-    <dgm:linClrLst meth="repeat">
-      <a:schemeClr val="accent1"/>
-    </dgm:linClrLst>
-    <dgm:effectClrLst/>
-    <dgm:txLinClrLst/>
-    <dgm:txFillClrLst meth="repeat">
-      <a:schemeClr val="dk1"/>
-    </dgm:txFillClrLst>
-    <dgm:txEffectClrLst/>
-  </dgm:styleLbl>
-  <dgm:styleLbl name="fgAccFollowNode1">
-    <dgm:fillClrLst meth="repeat">
-      <a:schemeClr val="accent1">
-        <a:alpha val="90000"/>
-        <a:tint val="40000"/>
-      </a:schemeClr>
-    </dgm:fillClrLst>
-    <dgm:linClrLst meth="repeat">
-      <a:schemeClr val="accent1">
-        <a:alpha val="90000"/>
-        <a:tint val="40000"/>
-      </a:schemeClr>
-    </dgm:linClrLst>
-    <dgm:effectClrLst/>
-    <dgm:txLinClrLst/>
-    <dgm:txFillClrLst meth="repeat">
-      <a:schemeClr val="dk1"/>
-    </dgm:txFillClrLst>
-    <dgm:txEffectClrLst/>
-  </dgm:styleLbl>
-  <dgm:styleLbl name="alignAccFollowNode1">
-    <dgm:fillClrLst meth="repeat">
-      <a:schemeClr val="accent1">
-        <a:alpha val="90000"/>
-        <a:tint val="40000"/>
-      </a:schemeClr>
-    </dgm:fillClrLst>
-    <dgm:linClrLst meth="repeat">
-      <a:schemeClr val="accent1">
-        <a:alpha val="90000"/>
-        <a:tint val="40000"/>
-      </a:schemeClr>
-    </dgm:linClrLst>
-    <dgm:effectClrLst/>
-    <dgm:txLinClrLst/>
-    <dgm:txFillClrLst meth="repeat">
-      <a:schemeClr val="dk1"/>
-    </dgm:txFillClrLst>
-    <dgm:txEffectClrLst/>
-  </dgm:styleLbl>
-  <dgm:styleLbl name="bgAccFollowNode1">
-    <dgm:fillClrLst meth="repeat">
-      <a:schemeClr val="accent1">
-        <a:alpha val="90000"/>
-        <a:tint val="40000"/>
-      </a:schemeClr>
-    </dgm:fillClrLst>
-    <dgm:linClrLst meth="repeat">
-      <a:schemeClr val="accent1">
-        <a:alpha val="90000"/>
-        <a:tint val="40000"/>
-      </a:schemeClr>
-    </dgm:linClrLst>
-    <dgm:effectClrLst/>
-    <dgm:txLinClrLst/>
-    <dgm:txFillClrLst meth="repeat">
-      <a:schemeClr val="dk1"/>
-    </dgm:txFillClrLst>
-    <dgm:txEffectClrLst/>
-  </dgm:styleLbl>
-  <dgm:styleLbl name="fgAcc0">
-    <dgm:fillClrLst meth="repeat">
-      <a:schemeClr val="lt1">
-        <a:alpha val="90000"/>
-      </a:schemeClr>
-    </dgm:fillClrLst>
-    <dgm:linClrLst meth="repeat">
-      <a:schemeClr val="accent1"/>
-    </dgm:linClrLst>
-    <dgm:effectClrLst/>
-    <dgm:txLinClrLst/>
-    <dgm:txFillClrLst meth="repeat">
-      <a:schemeClr val="dk1"/>
-    </dgm:txFillClrLst>
-    <dgm:txEffectClrLst/>
-  </dgm:styleLbl>
-  <dgm:styleLbl name="fgAcc2">
-    <dgm:fillClrLst meth="repeat">
-      <a:schemeClr val="lt1">
-        <a:alpha val="90000"/>
-      </a:schemeClr>
-    </dgm:fillClrLst>
-    <dgm:linClrLst meth="repeat">
-      <a:schemeClr val="accent1"/>
-    </dgm:linClrLst>
-    <dgm:effectClrLst/>
-    <dgm:txLinClrLst/>
-    <dgm:txFillClrLst meth="repeat">
-      <a:schemeClr val="dk1"/>
-    </dgm:txFillClrLst>
-    <dgm:txEffectClrLst/>
-  </dgm:styleLbl>
-  <dgm:styleLbl name="fgAcc3">
-    <dgm:fillClrLst meth="repeat">
-      <a:schemeClr val="lt1">
-        <a:alpha val="90000"/>
-      </a:schemeClr>
-    </dgm:fillClrLst>
-    <dgm:linClrLst meth="repeat">
-      <a:schemeClr val="accent1"/>
-    </dgm:linClrLst>
-    <dgm:effectClrLst/>
-    <dgm:txLinClrLst/>
-    <dgm:txFillClrLst meth="repeat">
-      <a:schemeClr val="dk1"/>
-    </dgm:txFillClrLst>
-    <dgm:txEffectClrLst/>
-  </dgm:styleLbl>
-  <dgm:styleLbl name="fgAcc4">
-    <dgm:fillClrLst meth="repeat">
-      <a:schemeClr val="lt1">
-        <a:alpha val="90000"/>
-      </a:schemeClr>
-    </dgm:fillClrLst>
-    <dgm:linClrLst meth="repeat">
-      <a:schemeClr val="accent1"/>
-    </dgm:linClrLst>
-    <dgm:effectClrLst/>
-    <dgm:txLinClrLst/>
-    <dgm:txFillClrLst meth="repeat">
-      <a:schemeClr val="dk1"/>
-    </dgm:txFillClrLst>
-    <dgm:txEffectClrLst/>
-  </dgm:styleLbl>
-  <dgm:styleLbl name="bgShp">
-    <dgm:fillClrLst meth="repeat">
-      <a:schemeClr val="accent1">
-        <a:tint val="40000"/>
-      </a:schemeClr>
-    </dgm:fillClrLst>
-    <dgm:linClrLst meth="repeat">
-      <a:schemeClr val="accent1"/>
-    </dgm:linClrLst>
-    <dgm:effectClrLst/>
-    <dgm:txLinClrLst/>
-    <dgm:txFillClrLst meth="repeat">
-      <a:schemeClr val="dk1"/>
-    </dgm:txFillClrLst>
-    <dgm:txEffectClrLst/>
-  </dgm:styleLbl>
-  <dgm:styleLbl name="dkBgShp">
-    <dgm:fillClrLst meth="repeat">
-      <a:schemeClr val="accent1">
-        <a:shade val="80000"/>
-      </a:schemeClr>
-    </dgm:fillClrLst>
-    <dgm:linClrLst meth="repeat">
-      <a:schemeClr val="accent1"/>
-    </dgm:linClrLst>
-    <dgm:effectClrLst/>
-    <dgm:txLinClrLst/>
-    <dgm:txFillClrLst meth="repeat">
-      <a:schemeClr val="lt1"/>
-    </dgm:txFillClrLst>
-    <dgm:txEffectClrLst/>
-  </dgm:styleLbl>
-  <dgm:styleLbl name="trBgShp">
-    <dgm:fillClrLst meth="repeat">
-      <a:schemeClr val="accent1">
-        <a:tint val="50000"/>
-        <a:alpha val="40000"/>
-      </a:schemeClr>
-    </dgm:fillClrLst>
-    <dgm:linClrLst meth="repeat">
-      <a:schemeClr val="accent1"/>
-    </dgm:linClrLst>
-    <dgm:effectClrLst/>
-    <dgm:txLinClrLst/>
-    <dgm:txFillClrLst meth="repeat">
-      <a:schemeClr val="lt1"/>
-    </dgm:txFillClrLst>
-    <dgm:txEffectClrLst/>
-  </dgm:styleLbl>
-  <dgm:styleLbl name="fgShp">
-    <dgm:fillClrLst meth="repeat">
-      <a:schemeClr val="accent1">
-        <a:tint val="60000"/>
-      </a:schemeClr>
-    </dgm:fillClrLst>
-    <dgm:linClrLst meth="repeat">
-      <a:schemeClr val="lt1"/>
-    </dgm:linClrLst>
-    <dgm:effectClrLst/>
-    <dgm:txLinClrLst/>
-    <dgm:txFillClrLst meth="repeat">
-      <a:schemeClr val="dk1"/>
-    </dgm:txFillClrLst>
-    <dgm:txEffectClrLst/>
-  </dgm:styleLbl>
-  <dgm:styleLbl name="revTx">
-    <dgm:fillClrLst meth="repeat">
-      <a:schemeClr val="lt1">
-        <a:alpha val="0"/>
-      </a:schemeClr>
-    </dgm:fillClrLst>
-    <dgm:linClrLst meth="repeat">
-      <a:schemeClr val="dk1">
-        <a:alpha val="0"/>
-      </a:schemeClr>
-    </dgm:linClrLst>
-    <dgm:effectClrLst/>
-    <dgm:txLinClrLst/>
-    <dgm:txFillClrLst meth="repeat">
-      <a:schemeClr val="tx1"/>
-    </dgm:txFillClrLst>
-    <dgm:txEffectClrLst/>
-  </dgm:styleLbl>
-</dgm:colorsDef>
-</file>
-
-<file path=ppt/diagrams/data1.xml><?xml version="1.0" encoding="utf-8"?>
-<dgm:dataModel xmlns:dgm="http://schemas.openxmlformats.org/drawingml/2006/diagram" xmlns:a="http://schemas.openxmlformats.org/drawingml/2006/main">
-  <dgm:ptLst>
-    <dgm:pt modelId="{F85A909E-8528-4BC6-940E-AE6E5E9C0AA6}" type="doc">
-      <dgm:prSet loTypeId="urn:microsoft.com/office/officeart/2005/8/layout/vList2" loCatId="list" qsTypeId="urn:microsoft.com/office/officeart/2005/8/quickstyle/simple1" qsCatId="simple" csTypeId="urn:microsoft.com/office/officeart/2005/8/colors/accent1_2" csCatId="accent1" phldr="1"/>
-      <dgm:spPr/>
-      <dgm:t>
-        <a:bodyPr/>
-        <a:lstStyle/>
-        <a:p>
-          <a:endParaRPr lang="en-IN"/>
-        </a:p>
-      </dgm:t>
-    </dgm:pt>
-    <dgm:pt modelId="{C6AC62D1-CEB4-4663-B8CF-5AF846492082}">
-      <dgm:prSet/>
-      <dgm:spPr/>
-      <dgm:t>
-        <a:bodyPr/>
-        <a:lstStyle/>
-        <a:p>
-          <a:r>
-            <a:rPr lang="en-IN" b="0" i="0"/>
-            <a:t>1. Final Demo Of C# Advance</a:t>
-          </a:r>
-          <a:endParaRPr lang="en-IN"/>
-        </a:p>
-      </dgm:t>
-    </dgm:pt>
-    <dgm:pt modelId="{C9575439-AC6C-4D6A-9392-6ECC2C77DDEE}" type="parTrans" cxnId="{A90C1CD3-3A46-4012-AC69-5F189B844024}">
-      <dgm:prSet/>
-      <dgm:spPr/>
-      <dgm:t>
-        <a:bodyPr/>
-        <a:lstStyle/>
-        <a:p>
-          <a:endParaRPr lang="en-IN"/>
-        </a:p>
-      </dgm:t>
-    </dgm:pt>
-    <dgm:pt modelId="{97E3771E-10F7-442C-AD0D-2CC0198495BB}" type="sibTrans" cxnId="{A90C1CD3-3A46-4012-AC69-5F189B844024}">
-      <dgm:prSet/>
-      <dgm:spPr/>
-      <dgm:t>
-        <a:bodyPr/>
-        <a:lstStyle/>
-        <a:p>
-          <a:endParaRPr lang="en-IN"/>
-        </a:p>
-      </dgm:t>
-    </dgm:pt>
-    <dgm:pt modelId="{6452B201-E8F6-4A7B-936C-F953EBCBFBE8}">
-      <dgm:prSet/>
-      <dgm:spPr/>
-      <dgm:t>
-        <a:bodyPr/>
-        <a:lstStyle/>
-        <a:p>
-          <a:r>
-            <a:rPr lang="en-IN" b="0" i="0"/>
-            <a:t>Interface based business logic</a:t>
-          </a:r>
-          <a:endParaRPr lang="en-IN"/>
-        </a:p>
-      </dgm:t>
-    </dgm:pt>
-    <dgm:pt modelId="{44F8BA18-C6DB-4BA3-A442-DD664E9200A5}" type="parTrans" cxnId="{657DB814-9895-470A-BB54-E99479A5692F}">
-      <dgm:prSet/>
-      <dgm:spPr/>
-      <dgm:t>
-        <a:bodyPr/>
-        <a:lstStyle/>
-        <a:p>
-          <a:endParaRPr lang="en-IN"/>
-        </a:p>
-      </dgm:t>
-    </dgm:pt>
-    <dgm:pt modelId="{12038706-D18E-48D7-BDDA-6DED951ABC8D}" type="sibTrans" cxnId="{657DB814-9895-470A-BB54-E99479A5692F}">
-      <dgm:prSet/>
-      <dgm:spPr/>
-      <dgm:t>
-        <a:bodyPr/>
-        <a:lstStyle/>
-        <a:p>
-          <a:endParaRPr lang="en-IN"/>
-        </a:p>
-      </dgm:t>
-    </dgm:pt>
-    <dgm:pt modelId="{600664B6-A5F1-44CC-8428-BA941F28900B}">
-      <dgm:prSet/>
-      <dgm:spPr/>
-      <dgm:t>
-        <a:bodyPr/>
-        <a:lstStyle/>
-        <a:p>
-          <a:r>
-            <a:rPr lang="en-IN" b="0" i="0" dirty="0"/>
-            <a:t>Exception Logger</a:t>
-          </a:r>
-          <a:endParaRPr lang="en-IN" dirty="0"/>
-        </a:p>
-      </dgm:t>
-    </dgm:pt>
-    <dgm:pt modelId="{959330E5-0CC9-4A8E-91C1-BF62AE2EF252}" type="parTrans" cxnId="{F16BE3E5-3CD1-4A31-968D-645A7FA44554}">
-      <dgm:prSet/>
-      <dgm:spPr/>
-      <dgm:t>
-        <a:bodyPr/>
-        <a:lstStyle/>
-        <a:p>
-          <a:endParaRPr lang="en-IN"/>
-        </a:p>
-      </dgm:t>
-    </dgm:pt>
-    <dgm:pt modelId="{59CCE062-BC19-44EF-B939-EF472166669C}" type="sibTrans" cxnId="{F16BE3E5-3CD1-4A31-968D-645A7FA44554}">
-      <dgm:prSet/>
-      <dgm:spPr/>
-      <dgm:t>
-        <a:bodyPr/>
-        <a:lstStyle/>
-        <a:p>
-          <a:endParaRPr lang="en-IN"/>
-        </a:p>
-      </dgm:t>
-    </dgm:pt>
-    <dgm:pt modelId="{A5474924-2B0C-4AA9-8340-B5AC135E1DC9}">
-      <dgm:prSet/>
-      <dgm:spPr/>
-      <dgm:t>
-        <a:bodyPr/>
-        <a:lstStyle/>
-        <a:p>
-          <a:r>
-            <a:rPr lang="en-IN" b="0" i="0"/>
-            <a:t>Cart, Category, BLHelper added</a:t>
-          </a:r>
-          <a:endParaRPr lang="en-IN"/>
-        </a:p>
-      </dgm:t>
-    </dgm:pt>
-    <dgm:pt modelId="{CFC4381F-1559-4281-B416-04487760A30E}" type="parTrans" cxnId="{95503222-B9C7-431C-9864-AADF8FB5F8DC}">
-      <dgm:prSet/>
-      <dgm:spPr/>
-      <dgm:t>
-        <a:bodyPr/>
-        <a:lstStyle/>
-        <a:p>
-          <a:endParaRPr lang="en-IN"/>
-        </a:p>
-      </dgm:t>
-    </dgm:pt>
-    <dgm:pt modelId="{7BE64709-0922-4679-9BE4-8FB944D8B2AB}" type="sibTrans" cxnId="{95503222-B9C7-431C-9864-AADF8FB5F8DC}">
-      <dgm:prSet/>
-      <dgm:spPr/>
-      <dgm:t>
-        <a:bodyPr/>
-        <a:lstStyle/>
-        <a:p>
-          <a:endParaRPr lang="en-IN"/>
-        </a:p>
-      </dgm:t>
-    </dgm:pt>
-    <dgm:pt modelId="{E6EA4331-9EDE-4338-B65F-276471E13972}">
-      <dgm:prSet/>
-      <dgm:spPr/>
-      <dgm:t>
-        <a:bodyPr/>
-        <a:lstStyle/>
-        <a:p>
-          <a:r>
-            <a:rPr lang="en-IN" b="0" i="0"/>
-            <a:t>Two factor based cart items buying</a:t>
-          </a:r>
-          <a:endParaRPr lang="en-IN"/>
-        </a:p>
-      </dgm:t>
-    </dgm:pt>
-    <dgm:pt modelId="{4378768B-9066-4AB8-825A-390A05DFAAA8}" type="parTrans" cxnId="{C83C3852-236C-4970-A270-A0C2C5F632C7}">
-      <dgm:prSet/>
-      <dgm:spPr/>
-      <dgm:t>
-        <a:bodyPr/>
-        <a:lstStyle/>
-        <a:p>
-          <a:endParaRPr lang="en-IN"/>
-        </a:p>
-      </dgm:t>
-    </dgm:pt>
-    <dgm:pt modelId="{357DDAD0-7FE6-40AA-909B-6F82D3C77A4F}" type="sibTrans" cxnId="{C83C3852-236C-4970-A270-A0C2C5F632C7}">
-      <dgm:prSet/>
-      <dgm:spPr/>
-      <dgm:t>
-        <a:bodyPr/>
-        <a:lstStyle/>
-        <a:p>
-          <a:endParaRPr lang="en-IN"/>
-        </a:p>
-      </dgm:t>
-    </dgm:pt>
-    <dgm:pt modelId="{6EA5FA77-1B6A-40F4-BB4C-A11BB0B8E32D}">
-      <dgm:prSet/>
-      <dgm:spPr/>
-      <dgm:t>
-        <a:bodyPr/>
-        <a:lstStyle/>
-        <a:p>
-          <a:r>
-            <a:rPr lang="en-IN" b="0" i="0"/>
-            <a:t>Sending order attachment through Emails for Customer</a:t>
-          </a:r>
-          <a:endParaRPr lang="en-IN"/>
-        </a:p>
-      </dgm:t>
-    </dgm:pt>
-    <dgm:pt modelId="{B63E7921-DED7-42A4-B5B0-2BA8AC810040}" type="parTrans" cxnId="{20F8BE53-95EF-41C6-91A7-2A3D2C681F76}">
-      <dgm:prSet/>
-      <dgm:spPr/>
-      <dgm:t>
-        <a:bodyPr/>
-        <a:lstStyle/>
-        <a:p>
-          <a:endParaRPr lang="en-IN"/>
-        </a:p>
-      </dgm:t>
-    </dgm:pt>
-    <dgm:pt modelId="{B469096B-AF91-44E8-A7AE-01B6B3CE7F16}" type="sibTrans" cxnId="{20F8BE53-95EF-41C6-91A7-2A3D2C681F76}">
-      <dgm:prSet/>
-      <dgm:spPr/>
-      <dgm:t>
-        <a:bodyPr/>
-        <a:lstStyle/>
-        <a:p>
-          <a:endParaRPr lang="en-IN"/>
-        </a:p>
-      </dgm:t>
-    </dgm:pt>
-    <dgm:pt modelId="{4D3F5AF5-D017-4693-93E6-8074F0A896D7}">
-      <dgm:prSet/>
-      <dgm:spPr/>
-      <dgm:t>
-        <a:bodyPr/>
-        <a:lstStyle/>
-        <a:p>
-          <a:r>
-            <a:rPr lang="en-IN" b="0" i="0" dirty="0"/>
-            <a:t>JWT Token using System class</a:t>
-          </a:r>
-          <a:endParaRPr lang="en-IN" dirty="0"/>
-        </a:p>
-      </dgm:t>
-    </dgm:pt>
-    <dgm:pt modelId="{D7502DF0-6AF9-4E31-9FB8-34D77CE52B4F}" type="parTrans" cxnId="{3A7D156D-E8C9-4B21-9F47-04A0D9CB8226}">
-      <dgm:prSet/>
-      <dgm:spPr/>
-      <dgm:t>
-        <a:bodyPr/>
-        <a:lstStyle/>
-        <a:p>
-          <a:endParaRPr lang="en-IN"/>
-        </a:p>
-      </dgm:t>
-    </dgm:pt>
-    <dgm:pt modelId="{77E31CB6-392A-44E2-8D3C-F01FA359FD53}" type="sibTrans" cxnId="{3A7D156D-E8C9-4B21-9F47-04A0D9CB8226}">
-      <dgm:prSet/>
-      <dgm:spPr/>
-      <dgm:t>
-        <a:bodyPr/>
-        <a:lstStyle/>
-        <a:p>
-          <a:endParaRPr lang="en-IN"/>
-        </a:p>
-      </dgm:t>
-    </dgm:pt>
-    <dgm:pt modelId="{ED58F52D-FCE7-4E9E-82FA-4DAEB3454E73}">
-      <dgm:prSet/>
-      <dgm:spPr/>
-      <dgm:t>
-        <a:bodyPr/>
-        <a:lstStyle/>
-        <a:p>
-          <a:r>
-            <a:rPr lang="en-IN" b="0" i="0"/>
-            <a:t>Cookie based Auth</a:t>
-          </a:r>
-          <a:endParaRPr lang="en-IN"/>
-        </a:p>
-      </dgm:t>
-    </dgm:pt>
-    <dgm:pt modelId="{CBA2DE31-BA35-4346-9364-CFB108C166CA}" type="parTrans" cxnId="{50B3B4A3-D517-40F5-9B2C-03DF6D723CCB}">
-      <dgm:prSet/>
-      <dgm:spPr/>
-      <dgm:t>
-        <a:bodyPr/>
-        <a:lstStyle/>
-        <a:p>
-          <a:endParaRPr lang="en-IN"/>
-        </a:p>
-      </dgm:t>
-    </dgm:pt>
-    <dgm:pt modelId="{091DC163-1D0E-4050-895B-6030607C5EA1}" type="sibTrans" cxnId="{50B3B4A3-D517-40F5-9B2C-03DF6D723CCB}">
-      <dgm:prSet/>
-      <dgm:spPr/>
-      <dgm:t>
-        <a:bodyPr/>
-        <a:lstStyle/>
-        <a:p>
-          <a:endParaRPr lang="en-IN"/>
-        </a:p>
-      </dgm:t>
-    </dgm:pt>
-    <dgm:pt modelId="{00BAD645-FAB7-48ED-9206-22BE02A2FAC5}">
-      <dgm:prSet/>
-      <dgm:spPr/>
-      <dgm:t>
-        <a:bodyPr/>
-        <a:lstStyle/>
-        <a:p>
-          <a:r>
-            <a:rPr lang="en-IN" b="0" i="0"/>
-            <a:t>Caching</a:t>
-          </a:r>
-          <a:endParaRPr lang="en-IN"/>
-        </a:p>
-      </dgm:t>
-    </dgm:pt>
-    <dgm:pt modelId="{EB86D981-A7A6-467B-9902-3A33CC9FD940}" type="parTrans" cxnId="{8F7052C5-599F-46ED-9402-35C6AD591B63}">
-      <dgm:prSet/>
-      <dgm:spPr/>
-      <dgm:t>
-        <a:bodyPr/>
-        <a:lstStyle/>
-        <a:p>
-          <a:endParaRPr lang="en-IN"/>
-        </a:p>
-      </dgm:t>
-    </dgm:pt>
-    <dgm:pt modelId="{E9D2ADA4-7359-4A5B-9956-D36346B323FE}" type="sibTrans" cxnId="{8F7052C5-599F-46ED-9402-35C6AD591B63}">
-      <dgm:prSet/>
-      <dgm:spPr/>
-      <dgm:t>
-        <a:bodyPr/>
-        <a:lstStyle/>
-        <a:p>
-          <a:endParaRPr lang="en-IN"/>
-        </a:p>
-      </dgm:t>
-    </dgm:pt>
-    <dgm:pt modelId="{4138D6B3-DE76-4F36-B38B-559BEC5238E6}">
-      <dgm:prSet/>
-      <dgm:spPr/>
-      <dgm:t>
-        <a:bodyPr/>
-        <a:lstStyle/>
-        <a:p>
-          <a:r>
-            <a:rPr lang="en-IN" b="0" i="0" dirty="0"/>
-            <a:t>Session Id Based Login, &amp; Caching</a:t>
-          </a:r>
-          <a:endParaRPr lang="en-IN" dirty="0"/>
-        </a:p>
-      </dgm:t>
-    </dgm:pt>
-    <dgm:pt modelId="{38B60D6A-3819-4DEF-ADE9-9FDB819434E7}" type="parTrans" cxnId="{2D592FEB-72B6-40DD-BCD2-0A9CD84AA1E8}">
-      <dgm:prSet/>
-      <dgm:spPr/>
-      <dgm:t>
-        <a:bodyPr/>
-        <a:lstStyle/>
-        <a:p>
-          <a:endParaRPr lang="en-IN"/>
-        </a:p>
-      </dgm:t>
-    </dgm:pt>
-    <dgm:pt modelId="{925A7316-AAA3-44C6-ADFA-EB657FA316E4}" type="sibTrans" cxnId="{2D592FEB-72B6-40DD-BCD2-0A9CD84AA1E8}">
-      <dgm:prSet/>
-      <dgm:spPr/>
-      <dgm:t>
-        <a:bodyPr/>
-        <a:lstStyle/>
-        <a:p>
-          <a:endParaRPr lang="en-IN"/>
-        </a:p>
-      </dgm:t>
-    </dgm:pt>
-    <dgm:pt modelId="{4F899D02-F766-4DB1-BA92-051A05F85E23}">
-      <dgm:prSet/>
-      <dgm:spPr/>
-      <dgm:t>
-        <a:bodyPr/>
-        <a:lstStyle/>
-        <a:p>
-          <a:r>
-            <a:rPr lang="en-IN" b="0" i="0"/>
-            <a:t>2. Git &amp; GitHub</a:t>
-          </a:r>
-          <a:endParaRPr lang="en-IN"/>
-        </a:p>
-      </dgm:t>
-    </dgm:pt>
-    <dgm:pt modelId="{220E09FB-AED8-4DA3-B1D7-2DC5926CCE9C}" type="parTrans" cxnId="{CB15D986-CEBF-4493-973A-6A2ADFE8C30D}">
-      <dgm:prSet/>
-      <dgm:spPr/>
-      <dgm:t>
-        <a:bodyPr/>
-        <a:lstStyle/>
-        <a:p>
-          <a:endParaRPr lang="en-IN"/>
-        </a:p>
-      </dgm:t>
-    </dgm:pt>
-    <dgm:pt modelId="{1C35DA1F-1328-4EAD-AF7A-F20E772EC4BB}" type="sibTrans" cxnId="{CB15D986-CEBF-4493-973A-6A2ADFE8C30D}">
-      <dgm:prSet/>
-      <dgm:spPr/>
-      <dgm:t>
-        <a:bodyPr/>
-        <a:lstStyle/>
-        <a:p>
-          <a:endParaRPr lang="en-IN"/>
-        </a:p>
-      </dgm:t>
-    </dgm:pt>
-    <dgm:pt modelId="{6822F561-5ABF-4EEE-AA3B-FBE6C2AFAD6F}">
-      <dgm:prSet/>
-      <dgm:spPr/>
-      <dgm:t>
-        <a:bodyPr/>
-        <a:lstStyle/>
-        <a:p>
-          <a:r>
-            <a:rPr lang="en-IN" b="0" i="0"/>
-            <a:t>Introduction</a:t>
-          </a:r>
-          <a:endParaRPr lang="en-IN"/>
-        </a:p>
-      </dgm:t>
-    </dgm:pt>
-    <dgm:pt modelId="{CA993409-ECC5-4051-A726-26D28320AFC4}" type="parTrans" cxnId="{7235B630-14B6-4EED-A395-98FC376F35D2}">
-      <dgm:prSet/>
-      <dgm:spPr/>
-      <dgm:t>
-        <a:bodyPr/>
-        <a:lstStyle/>
-        <a:p>
-          <a:endParaRPr lang="en-IN"/>
-        </a:p>
-      </dgm:t>
-    </dgm:pt>
-    <dgm:pt modelId="{5C5DA88B-1373-4099-8D2B-5541EE9F7E92}" type="sibTrans" cxnId="{7235B630-14B6-4EED-A395-98FC376F35D2}">
-      <dgm:prSet/>
-      <dgm:spPr/>
-      <dgm:t>
-        <a:bodyPr/>
-        <a:lstStyle/>
-        <a:p>
-          <a:endParaRPr lang="en-IN"/>
-        </a:p>
-      </dgm:t>
-    </dgm:pt>
-    <dgm:pt modelId="{6D8A5276-2CF1-46D0-82C7-BC7A602FB4F2}">
-      <dgm:prSet/>
-      <dgm:spPr/>
-      <dgm:t>
-        <a:bodyPr/>
-        <a:lstStyle/>
-        <a:p>
-          <a:r>
-            <a:rPr lang="en-IN" b="0" i="0"/>
-            <a:t>Working</a:t>
-          </a:r>
-          <a:endParaRPr lang="en-IN"/>
-        </a:p>
-      </dgm:t>
-    </dgm:pt>
-    <dgm:pt modelId="{919C24F4-96F9-4C0A-AE5A-CBC8514AF0B8}" type="parTrans" cxnId="{4090ABBA-2A82-416E-966C-F877F6DA803E}">
-      <dgm:prSet/>
-      <dgm:spPr/>
-      <dgm:t>
-        <a:bodyPr/>
-        <a:lstStyle/>
-        <a:p>
-          <a:endParaRPr lang="en-IN"/>
-        </a:p>
-      </dgm:t>
-    </dgm:pt>
-    <dgm:pt modelId="{72A4DFE8-AC89-4A6B-BCD3-010EE5E2EE68}" type="sibTrans" cxnId="{4090ABBA-2A82-416E-966C-F877F6DA803E}">
-      <dgm:prSet/>
-      <dgm:spPr/>
-      <dgm:t>
-        <a:bodyPr/>
-        <a:lstStyle/>
-        <a:p>
-          <a:endParaRPr lang="en-IN"/>
-        </a:p>
-      </dgm:t>
-    </dgm:pt>
-    <dgm:pt modelId="{6CFB878E-A293-4DE0-8138-035CF4CC6650}">
-      <dgm:prSet/>
-      <dgm:spPr/>
-      <dgm:t>
-        <a:bodyPr/>
-        <a:lstStyle/>
-        <a:p>
-          <a:r>
-            <a:rPr lang="en-IN" b="0" i="0"/>
-            <a:t>Applications</a:t>
-          </a:r>
-          <a:endParaRPr lang="en-IN"/>
-        </a:p>
-      </dgm:t>
-    </dgm:pt>
-    <dgm:pt modelId="{22FD9002-C4A6-4CE7-B45F-76CAC0FDE840}" type="parTrans" cxnId="{4B7E9A3F-1C74-4C3E-BFC9-5481F77F7AAE}">
-      <dgm:prSet/>
-      <dgm:spPr/>
-      <dgm:t>
-        <a:bodyPr/>
-        <a:lstStyle/>
-        <a:p>
-          <a:endParaRPr lang="en-IN"/>
-        </a:p>
-      </dgm:t>
-    </dgm:pt>
-    <dgm:pt modelId="{74AFE8AF-16B2-4DB7-83E2-BA078144FC54}" type="sibTrans" cxnId="{4B7E9A3F-1C74-4C3E-BFC9-5481F77F7AAE}">
-      <dgm:prSet/>
-      <dgm:spPr/>
-      <dgm:t>
-        <a:bodyPr/>
-        <a:lstStyle/>
-        <a:p>
-          <a:endParaRPr lang="en-IN"/>
-        </a:p>
-      </dgm:t>
-    </dgm:pt>
-    <dgm:pt modelId="{9B7FAF8D-5207-4450-ABDE-B3DDFF027D6D}">
-      <dgm:prSet/>
-      <dgm:spPr/>
-      <dgm:t>
-        <a:bodyPr/>
-        <a:lstStyle/>
-        <a:p>
-          <a:r>
-            <a:rPr lang="en-IN" dirty="0"/>
-            <a:t>Product Version Updated</a:t>
-          </a:r>
-        </a:p>
-      </dgm:t>
-    </dgm:pt>
-    <dgm:pt modelId="{B5081A14-22C2-4F5A-AA3C-10D1F0DA705B}" type="parTrans" cxnId="{172DDE14-DA3B-4001-84E2-6ABDC1B2E1A9}">
-      <dgm:prSet/>
-      <dgm:spPr/>
-      <dgm:t>
-        <a:bodyPr/>
-        <a:lstStyle/>
-        <a:p>
-          <a:endParaRPr lang="en-IN"/>
-        </a:p>
-      </dgm:t>
-    </dgm:pt>
-    <dgm:pt modelId="{C6C50CE8-C751-4C50-B467-DD52BEBC5871}" type="sibTrans" cxnId="{172DDE14-DA3B-4001-84E2-6ABDC1B2E1A9}">
-      <dgm:prSet/>
-      <dgm:spPr/>
-      <dgm:t>
-        <a:bodyPr/>
-        <a:lstStyle/>
-        <a:p>
-          <a:endParaRPr lang="en-IN"/>
-        </a:p>
-      </dgm:t>
-    </dgm:pt>
-    <dgm:pt modelId="{8CF40742-57FF-4874-BF38-91BA7472E82B}" type="pres">
-      <dgm:prSet presAssocID="{F85A909E-8528-4BC6-940E-AE6E5E9C0AA6}" presName="linear" presStyleCnt="0">
-        <dgm:presLayoutVars>
-          <dgm:animLvl val="lvl"/>
-          <dgm:resizeHandles val="exact"/>
-        </dgm:presLayoutVars>
-      </dgm:prSet>
-      <dgm:spPr/>
-    </dgm:pt>
-    <dgm:pt modelId="{5D13B617-0CCA-4E4D-803B-224CB3F47E6C}" type="pres">
-      <dgm:prSet presAssocID="{C6AC62D1-CEB4-4663-B8CF-5AF846492082}" presName="parentText" presStyleLbl="node1" presStyleIdx="0" presStyleCnt="2">
-        <dgm:presLayoutVars>
-          <dgm:chMax val="0"/>
-          <dgm:bulletEnabled val="1"/>
-        </dgm:presLayoutVars>
-      </dgm:prSet>
-      <dgm:spPr/>
-    </dgm:pt>
-    <dgm:pt modelId="{42DFF54A-F158-452B-81E5-0B58849989EE}" type="pres">
-      <dgm:prSet presAssocID="{C6AC62D1-CEB4-4663-B8CF-5AF846492082}" presName="childText" presStyleLbl="revTx" presStyleIdx="0" presStyleCnt="2">
-        <dgm:presLayoutVars>
-          <dgm:bulletEnabled val="1"/>
-        </dgm:presLayoutVars>
-      </dgm:prSet>
-      <dgm:spPr/>
-    </dgm:pt>
-    <dgm:pt modelId="{50F35714-AC48-44A2-A83E-D3FDDD15D4CC}" type="pres">
-      <dgm:prSet presAssocID="{4F899D02-F766-4DB1-BA92-051A05F85E23}" presName="parentText" presStyleLbl="node1" presStyleIdx="1" presStyleCnt="2">
-        <dgm:presLayoutVars>
-          <dgm:chMax val="0"/>
-          <dgm:bulletEnabled val="1"/>
-        </dgm:presLayoutVars>
-      </dgm:prSet>
-      <dgm:spPr/>
-    </dgm:pt>
-    <dgm:pt modelId="{8DB12927-02A6-4B94-8712-BE625E481CA5}" type="pres">
-      <dgm:prSet presAssocID="{4F899D02-F766-4DB1-BA92-051A05F85E23}" presName="childText" presStyleLbl="revTx" presStyleIdx="1" presStyleCnt="2">
-        <dgm:presLayoutVars>
-          <dgm:bulletEnabled val="1"/>
-        </dgm:presLayoutVars>
-      </dgm:prSet>
-      <dgm:spPr/>
-    </dgm:pt>
-  </dgm:ptLst>
-  <dgm:cxnLst>
-    <dgm:cxn modelId="{36FCCD00-AFFB-44D1-AF20-C28DE83190DD}" type="presOf" srcId="{9B7FAF8D-5207-4450-ABDE-B3DDFF027D6D}" destId="{42DFF54A-F158-452B-81E5-0B58849989EE}" srcOrd="0" destOrd="9" presId="urn:microsoft.com/office/officeart/2005/8/layout/vList2"/>
-    <dgm:cxn modelId="{1BBEE60B-784C-4169-9330-FF8EDC0EA067}" type="presOf" srcId="{C6AC62D1-CEB4-4663-B8CF-5AF846492082}" destId="{5D13B617-0CCA-4E4D-803B-224CB3F47E6C}" srcOrd="0" destOrd="0" presId="urn:microsoft.com/office/officeart/2005/8/layout/vList2"/>
-    <dgm:cxn modelId="{657DB814-9895-470A-BB54-E99479A5692F}" srcId="{C6AC62D1-CEB4-4663-B8CF-5AF846492082}" destId="{6452B201-E8F6-4A7B-936C-F953EBCBFBE8}" srcOrd="0" destOrd="0" parTransId="{44F8BA18-C6DB-4BA3-A442-DD664E9200A5}" sibTransId="{12038706-D18E-48D7-BDDA-6DED951ABC8D}"/>
-    <dgm:cxn modelId="{172DDE14-DA3B-4001-84E2-6ABDC1B2E1A9}" srcId="{C6AC62D1-CEB4-4663-B8CF-5AF846492082}" destId="{9B7FAF8D-5207-4450-ABDE-B3DDFF027D6D}" srcOrd="9" destOrd="0" parTransId="{B5081A14-22C2-4F5A-AA3C-10D1F0DA705B}" sibTransId="{C6C50CE8-C751-4C50-B467-DD52BEBC5871}"/>
-    <dgm:cxn modelId="{F4769220-5D9D-4691-AB3E-5AA691DCA7A3}" type="presOf" srcId="{ED58F52D-FCE7-4E9E-82FA-4DAEB3454E73}" destId="{42DFF54A-F158-452B-81E5-0B58849989EE}" srcOrd="0" destOrd="6" presId="urn:microsoft.com/office/officeart/2005/8/layout/vList2"/>
-    <dgm:cxn modelId="{95503222-B9C7-431C-9864-AADF8FB5F8DC}" srcId="{C6AC62D1-CEB4-4663-B8CF-5AF846492082}" destId="{A5474924-2B0C-4AA9-8340-B5AC135E1DC9}" srcOrd="2" destOrd="0" parTransId="{CFC4381F-1559-4281-B416-04487760A30E}" sibTransId="{7BE64709-0922-4679-9BE4-8FB944D8B2AB}"/>
-    <dgm:cxn modelId="{3F727327-8D2C-415B-BF4C-40E351201C11}" type="presOf" srcId="{00BAD645-FAB7-48ED-9206-22BE02A2FAC5}" destId="{42DFF54A-F158-452B-81E5-0B58849989EE}" srcOrd="0" destOrd="7" presId="urn:microsoft.com/office/officeart/2005/8/layout/vList2"/>
-    <dgm:cxn modelId="{7235B630-14B6-4EED-A395-98FC376F35D2}" srcId="{4F899D02-F766-4DB1-BA92-051A05F85E23}" destId="{6822F561-5ABF-4EEE-AA3B-FBE6C2AFAD6F}" srcOrd="0" destOrd="0" parTransId="{CA993409-ECC5-4051-A726-26D28320AFC4}" sibTransId="{5C5DA88B-1373-4099-8D2B-5541EE9F7E92}"/>
-    <dgm:cxn modelId="{16AB2934-2105-4081-96F7-AB3B5488334F}" type="presOf" srcId="{6EA5FA77-1B6A-40F4-BB4C-A11BB0B8E32D}" destId="{42DFF54A-F158-452B-81E5-0B58849989EE}" srcOrd="0" destOrd="4" presId="urn:microsoft.com/office/officeart/2005/8/layout/vList2"/>
-    <dgm:cxn modelId="{4A838A34-BC92-4E53-A819-342B5F362985}" type="presOf" srcId="{4D3F5AF5-D017-4693-93E6-8074F0A896D7}" destId="{42DFF54A-F158-452B-81E5-0B58849989EE}" srcOrd="0" destOrd="5" presId="urn:microsoft.com/office/officeart/2005/8/layout/vList2"/>
-    <dgm:cxn modelId="{4B7E9A3F-1C74-4C3E-BFC9-5481F77F7AAE}" srcId="{4F899D02-F766-4DB1-BA92-051A05F85E23}" destId="{6CFB878E-A293-4DE0-8138-035CF4CC6650}" srcOrd="2" destOrd="0" parTransId="{22FD9002-C4A6-4CE7-B45F-76CAC0FDE840}" sibTransId="{74AFE8AF-16B2-4DB7-83E2-BA078144FC54}"/>
-    <dgm:cxn modelId="{738F5A41-3434-4901-BCC5-41CA483FD737}" type="presOf" srcId="{6CFB878E-A293-4DE0-8138-035CF4CC6650}" destId="{8DB12927-02A6-4B94-8712-BE625E481CA5}" srcOrd="0" destOrd="2" presId="urn:microsoft.com/office/officeart/2005/8/layout/vList2"/>
-    <dgm:cxn modelId="{D04AFA48-AA0E-4560-8110-A710FB5ED0FA}" type="presOf" srcId="{4F899D02-F766-4DB1-BA92-051A05F85E23}" destId="{50F35714-AC48-44A2-A83E-D3FDDD15D4CC}" srcOrd="0" destOrd="0" presId="urn:microsoft.com/office/officeart/2005/8/layout/vList2"/>
-    <dgm:cxn modelId="{3A7D156D-E8C9-4B21-9F47-04A0D9CB8226}" srcId="{C6AC62D1-CEB4-4663-B8CF-5AF846492082}" destId="{4D3F5AF5-D017-4693-93E6-8074F0A896D7}" srcOrd="5" destOrd="0" parTransId="{D7502DF0-6AF9-4E31-9FB8-34D77CE52B4F}" sibTransId="{77E31CB6-392A-44E2-8D3C-F01FA359FD53}"/>
-    <dgm:cxn modelId="{C83C3852-236C-4970-A270-A0C2C5F632C7}" srcId="{C6AC62D1-CEB4-4663-B8CF-5AF846492082}" destId="{E6EA4331-9EDE-4338-B65F-276471E13972}" srcOrd="3" destOrd="0" parTransId="{4378768B-9066-4AB8-825A-390A05DFAAA8}" sibTransId="{357DDAD0-7FE6-40AA-909B-6F82D3C77A4F}"/>
-    <dgm:cxn modelId="{20F8BE53-95EF-41C6-91A7-2A3D2C681F76}" srcId="{C6AC62D1-CEB4-4663-B8CF-5AF846492082}" destId="{6EA5FA77-1B6A-40F4-BB4C-A11BB0B8E32D}" srcOrd="4" destOrd="0" parTransId="{B63E7921-DED7-42A4-B5B0-2BA8AC810040}" sibTransId="{B469096B-AF91-44E8-A7AE-01B6B3CE7F16}"/>
-    <dgm:cxn modelId="{4A48255A-CC1C-4550-8118-0EAF851A0DED}" type="presOf" srcId="{F85A909E-8528-4BC6-940E-AE6E5E9C0AA6}" destId="{8CF40742-57FF-4874-BF38-91BA7472E82B}" srcOrd="0" destOrd="0" presId="urn:microsoft.com/office/officeart/2005/8/layout/vList2"/>
-    <dgm:cxn modelId="{80B2A97C-322C-4AD6-B428-8AA80886217C}" type="presOf" srcId="{A5474924-2B0C-4AA9-8340-B5AC135E1DC9}" destId="{42DFF54A-F158-452B-81E5-0B58849989EE}" srcOrd="0" destOrd="2" presId="urn:microsoft.com/office/officeart/2005/8/layout/vList2"/>
-    <dgm:cxn modelId="{CB15D986-CEBF-4493-973A-6A2ADFE8C30D}" srcId="{F85A909E-8528-4BC6-940E-AE6E5E9C0AA6}" destId="{4F899D02-F766-4DB1-BA92-051A05F85E23}" srcOrd="1" destOrd="0" parTransId="{220E09FB-AED8-4DA3-B1D7-2DC5926CCE9C}" sibTransId="{1C35DA1F-1328-4EAD-AF7A-F20E772EC4BB}"/>
-    <dgm:cxn modelId="{B83816A1-5ECA-4281-8920-A21AD872C3E5}" type="presOf" srcId="{E6EA4331-9EDE-4338-B65F-276471E13972}" destId="{42DFF54A-F158-452B-81E5-0B58849989EE}" srcOrd="0" destOrd="3" presId="urn:microsoft.com/office/officeart/2005/8/layout/vList2"/>
-    <dgm:cxn modelId="{50B3B4A3-D517-40F5-9B2C-03DF6D723CCB}" srcId="{C6AC62D1-CEB4-4663-B8CF-5AF846492082}" destId="{ED58F52D-FCE7-4E9E-82FA-4DAEB3454E73}" srcOrd="6" destOrd="0" parTransId="{CBA2DE31-BA35-4346-9364-CFB108C166CA}" sibTransId="{091DC163-1D0E-4050-895B-6030607C5EA1}"/>
-    <dgm:cxn modelId="{C95CBAB9-0A9E-42F2-99A2-9BC66975EB00}" type="presOf" srcId="{6822F561-5ABF-4EEE-AA3B-FBE6C2AFAD6F}" destId="{8DB12927-02A6-4B94-8712-BE625E481CA5}" srcOrd="0" destOrd="0" presId="urn:microsoft.com/office/officeart/2005/8/layout/vList2"/>
-    <dgm:cxn modelId="{4090ABBA-2A82-416E-966C-F877F6DA803E}" srcId="{4F899D02-F766-4DB1-BA92-051A05F85E23}" destId="{6D8A5276-2CF1-46D0-82C7-BC7A602FB4F2}" srcOrd="1" destOrd="0" parTransId="{919C24F4-96F9-4C0A-AE5A-CBC8514AF0B8}" sibTransId="{72A4DFE8-AC89-4A6B-BCD3-010EE5E2EE68}"/>
-    <dgm:cxn modelId="{8F7052C5-599F-46ED-9402-35C6AD591B63}" srcId="{C6AC62D1-CEB4-4663-B8CF-5AF846492082}" destId="{00BAD645-FAB7-48ED-9206-22BE02A2FAC5}" srcOrd="7" destOrd="0" parTransId="{EB86D981-A7A6-467B-9902-3A33CC9FD940}" sibTransId="{E9D2ADA4-7359-4A5B-9956-D36346B323FE}"/>
-    <dgm:cxn modelId="{9DF1CCC6-3FF8-48D5-9E45-1542D530BFC1}" type="presOf" srcId="{6452B201-E8F6-4A7B-936C-F953EBCBFBE8}" destId="{42DFF54A-F158-452B-81E5-0B58849989EE}" srcOrd="0" destOrd="0" presId="urn:microsoft.com/office/officeart/2005/8/layout/vList2"/>
-    <dgm:cxn modelId="{A90C1CD3-3A46-4012-AC69-5F189B844024}" srcId="{F85A909E-8528-4BC6-940E-AE6E5E9C0AA6}" destId="{C6AC62D1-CEB4-4663-B8CF-5AF846492082}" srcOrd="0" destOrd="0" parTransId="{C9575439-AC6C-4D6A-9392-6ECC2C77DDEE}" sibTransId="{97E3771E-10F7-442C-AD0D-2CC0198495BB}"/>
-    <dgm:cxn modelId="{2E5A53D3-AF39-4AD5-B780-E51F381C0CD6}" type="presOf" srcId="{600664B6-A5F1-44CC-8428-BA941F28900B}" destId="{42DFF54A-F158-452B-81E5-0B58849989EE}" srcOrd="0" destOrd="1" presId="urn:microsoft.com/office/officeart/2005/8/layout/vList2"/>
-    <dgm:cxn modelId="{F16BE3E5-3CD1-4A31-968D-645A7FA44554}" srcId="{C6AC62D1-CEB4-4663-B8CF-5AF846492082}" destId="{600664B6-A5F1-44CC-8428-BA941F28900B}" srcOrd="1" destOrd="0" parTransId="{959330E5-0CC9-4A8E-91C1-BF62AE2EF252}" sibTransId="{59CCE062-BC19-44EF-B939-EF472166669C}"/>
-    <dgm:cxn modelId="{A81C19EB-94C2-42B9-824F-8F8026B35B97}" type="presOf" srcId="{4138D6B3-DE76-4F36-B38B-559BEC5238E6}" destId="{42DFF54A-F158-452B-81E5-0B58849989EE}" srcOrd="0" destOrd="8" presId="urn:microsoft.com/office/officeart/2005/8/layout/vList2"/>
-    <dgm:cxn modelId="{2D592FEB-72B6-40DD-BCD2-0A9CD84AA1E8}" srcId="{C6AC62D1-CEB4-4663-B8CF-5AF846492082}" destId="{4138D6B3-DE76-4F36-B38B-559BEC5238E6}" srcOrd="8" destOrd="0" parTransId="{38B60D6A-3819-4DEF-ADE9-9FDB819434E7}" sibTransId="{925A7316-AAA3-44C6-ADFA-EB657FA316E4}"/>
-    <dgm:cxn modelId="{8D8E3BF0-3B31-4EEC-84AF-D7C17D0DED56}" type="presOf" srcId="{6D8A5276-2CF1-46D0-82C7-BC7A602FB4F2}" destId="{8DB12927-02A6-4B94-8712-BE625E481CA5}" srcOrd="0" destOrd="1" presId="urn:microsoft.com/office/officeart/2005/8/layout/vList2"/>
-    <dgm:cxn modelId="{F4E193DE-9567-4132-B1D2-D6CCA6890A69}" type="presParOf" srcId="{8CF40742-57FF-4874-BF38-91BA7472E82B}" destId="{5D13B617-0CCA-4E4D-803B-224CB3F47E6C}" srcOrd="0" destOrd="0" presId="urn:microsoft.com/office/officeart/2005/8/layout/vList2"/>
-    <dgm:cxn modelId="{DD64F385-9F7D-4D2F-9A28-70E8A9715E52}" type="presParOf" srcId="{8CF40742-57FF-4874-BF38-91BA7472E82B}" destId="{42DFF54A-F158-452B-81E5-0B58849989EE}" srcOrd="1" destOrd="0" presId="urn:microsoft.com/office/officeart/2005/8/layout/vList2"/>
-    <dgm:cxn modelId="{EB360370-86D3-4634-88D9-C5E1F979C069}" type="presParOf" srcId="{8CF40742-57FF-4874-BF38-91BA7472E82B}" destId="{50F35714-AC48-44A2-A83E-D3FDDD15D4CC}" srcOrd="2" destOrd="0" presId="urn:microsoft.com/office/officeart/2005/8/layout/vList2"/>
-    <dgm:cxn modelId="{DA160990-BEAC-4447-86F9-E5A5E66EE026}" type="presParOf" srcId="{8CF40742-57FF-4874-BF38-91BA7472E82B}" destId="{8DB12927-02A6-4B94-8712-BE625E481CA5}" srcOrd="3" destOrd="0" presId="urn:microsoft.com/office/officeart/2005/8/layout/vList2"/>
-  </dgm:cxnLst>
-  <dgm:bg/>
-  <dgm:whole/>
-  <dgm:extLst>
-    <a:ext uri="http://schemas.microsoft.com/office/drawing/2008/diagram">
-      <dsp:dataModelExt xmlns:dsp="http://schemas.microsoft.com/office/drawing/2008/diagram" relId="rId8" minVer="http://schemas.openxmlformats.org/drawingml/2006/diagram"/>
-    </a:ext>
-  </dgm:extLst>
-</dgm:dataModel>
-</file>
-
-<file path=ppt/diagrams/data2.xml><?xml version="1.0" encoding="utf-8"?>
-<dgm:dataModel xmlns:dgm="http://schemas.openxmlformats.org/drawingml/2006/diagram" xmlns:a="http://schemas.openxmlformats.org/drawingml/2006/main">
-  <dgm:ptLst>
-    <dgm:pt modelId="{CC2AB139-7FE8-4288-BC7C-7E41A791ED35}" type="doc">
-      <dgm:prSet loTypeId="urn:microsoft.com/office/officeart/2005/8/layout/vList2" loCatId="list" qsTypeId="urn:microsoft.com/office/officeart/2005/8/quickstyle/simple1" qsCatId="simple" csTypeId="urn:microsoft.com/office/officeart/2005/8/colors/accent1_2" csCatId="accent1" phldr="1"/>
-      <dgm:spPr/>
-      <dgm:t>
-        <a:bodyPr/>
-        <a:lstStyle/>
-        <a:p>
-          <a:endParaRPr lang="en-IN"/>
-        </a:p>
-      </dgm:t>
-    </dgm:pt>
-    <dgm:pt modelId="{C5EE516E-14D3-4875-B7E8-A6D30754EAE4}">
-      <dgm:prSet/>
-      <dgm:spPr/>
-      <dgm:t>
-        <a:bodyPr/>
-        <a:lstStyle/>
-        <a:p>
-          <a:r>
-            <a:rPr lang="en-IN" b="0" i="0"/>
-            <a:t>3. Asp.net Core MVC</a:t>
-          </a:r>
-          <a:endParaRPr lang="en-IN"/>
-        </a:p>
-      </dgm:t>
-    </dgm:pt>
-    <dgm:pt modelId="{E691C845-6FC6-425C-8400-47FCE23B0F2E}" type="parTrans" cxnId="{DC959BA4-0541-4E37-8164-EC09007E4700}">
-      <dgm:prSet/>
-      <dgm:spPr/>
-      <dgm:t>
-        <a:bodyPr/>
-        <a:lstStyle/>
-        <a:p>
-          <a:endParaRPr lang="en-IN"/>
-        </a:p>
-      </dgm:t>
-    </dgm:pt>
-    <dgm:pt modelId="{16B70E60-6552-4879-9D72-98E91A20C8EC}" type="sibTrans" cxnId="{DC959BA4-0541-4E37-8164-EC09007E4700}">
-      <dgm:prSet/>
-      <dgm:spPr/>
-      <dgm:t>
-        <a:bodyPr/>
-        <a:lstStyle/>
-        <a:p>
-          <a:endParaRPr lang="en-IN"/>
-        </a:p>
-      </dgm:t>
-    </dgm:pt>
-    <dgm:pt modelId="{651C7012-AF3A-4989-81DD-7429956DC37D}">
-      <dgm:prSet/>
-      <dgm:spPr/>
-      <dgm:t>
-        <a:bodyPr/>
-        <a:lstStyle/>
-        <a:p>
-          <a:r>
-            <a:rPr lang="en-IN" b="0" i="0"/>
-            <a:t>Folder Structure</a:t>
-          </a:r>
-          <a:endParaRPr lang="en-IN"/>
-        </a:p>
-      </dgm:t>
-    </dgm:pt>
-    <dgm:pt modelId="{A9D441C6-FD30-4609-B4ED-4A0F8F3075C0}" type="parTrans" cxnId="{7A96F1D8-929B-431F-9EF2-40388BB032FF}">
-      <dgm:prSet/>
-      <dgm:spPr/>
-      <dgm:t>
-        <a:bodyPr/>
-        <a:lstStyle/>
-        <a:p>
-          <a:endParaRPr lang="en-IN"/>
-        </a:p>
-      </dgm:t>
-    </dgm:pt>
-    <dgm:pt modelId="{488E79D7-F2B3-4F2F-80CC-B8316FC7E0B9}" type="sibTrans" cxnId="{7A96F1D8-929B-431F-9EF2-40388BB032FF}">
-      <dgm:prSet/>
-      <dgm:spPr/>
-      <dgm:t>
-        <a:bodyPr/>
-        <a:lstStyle/>
-        <a:p>
-          <a:endParaRPr lang="en-IN"/>
-        </a:p>
-      </dgm:t>
-    </dgm:pt>
-    <dgm:pt modelId="{3CD3AF3E-8208-4793-873C-89BFDCE6D127}">
-      <dgm:prSet/>
-      <dgm:spPr/>
-      <dgm:t>
-        <a:bodyPr/>
-        <a:lstStyle/>
-        <a:p>
-          <a:r>
-            <a:rPr lang="en-IN" b="0" i="0"/>
-            <a:t>View Types (_ViewStart, _ViewImport, Partial, Layout)</a:t>
-          </a:r>
-          <a:endParaRPr lang="en-IN"/>
-        </a:p>
-      </dgm:t>
-    </dgm:pt>
-    <dgm:pt modelId="{65422941-5B18-4702-978D-B06B5095502B}" type="parTrans" cxnId="{962CE31B-0A99-49AD-A90B-15C790BA7C34}">
-      <dgm:prSet/>
-      <dgm:spPr/>
-      <dgm:t>
-        <a:bodyPr/>
-        <a:lstStyle/>
-        <a:p>
-          <a:endParaRPr lang="en-IN"/>
-        </a:p>
-      </dgm:t>
-    </dgm:pt>
-    <dgm:pt modelId="{C38C884F-91B8-4259-B3B7-5F68500C317A}" type="sibTrans" cxnId="{962CE31B-0A99-49AD-A90B-15C790BA7C34}">
-      <dgm:prSet/>
-      <dgm:spPr/>
-      <dgm:t>
-        <a:bodyPr/>
-        <a:lstStyle/>
-        <a:p>
-          <a:endParaRPr lang="en-IN"/>
-        </a:p>
-      </dgm:t>
-    </dgm:pt>
-    <dgm:pt modelId="{2F21BF37-4921-457A-A8E0-2E90943CCE53}">
-      <dgm:prSet/>
-      <dgm:spPr/>
-      <dgm:t>
-        <a:bodyPr/>
-        <a:lstStyle/>
-        <a:p>
-          <a:r>
-            <a:rPr lang="en-IN" b="0" i="0"/>
-            <a:t>Entity Framework</a:t>
-          </a:r>
-          <a:endParaRPr lang="en-IN"/>
-        </a:p>
-      </dgm:t>
-    </dgm:pt>
-    <dgm:pt modelId="{B9488B6B-208B-47C1-8165-FF60A535FF9C}" type="parTrans" cxnId="{8D4284B8-1F47-4D37-B8BB-93E236F140FF}">
-      <dgm:prSet/>
-      <dgm:spPr/>
-      <dgm:t>
-        <a:bodyPr/>
-        <a:lstStyle/>
-        <a:p>
-          <a:endParaRPr lang="en-IN"/>
-        </a:p>
-      </dgm:t>
-    </dgm:pt>
-    <dgm:pt modelId="{79B3DB83-110C-44FD-BE2D-3B0EB341D9CE}" type="sibTrans" cxnId="{8D4284B8-1F47-4D37-B8BB-93E236F140FF}">
-      <dgm:prSet/>
-      <dgm:spPr/>
-      <dgm:t>
-        <a:bodyPr/>
-        <a:lstStyle/>
-        <a:p>
-          <a:endParaRPr lang="en-IN"/>
-        </a:p>
-      </dgm:t>
-    </dgm:pt>
-    <dgm:pt modelId="{140FD45C-06D3-4702-A8F0-EC45E4547704}">
-      <dgm:prSet/>
-      <dgm:spPr/>
-      <dgm:t>
-        <a:bodyPr/>
-        <a:lstStyle/>
-        <a:p>
-          <a:r>
-            <a:rPr lang="en-IN" b="0" i="0"/>
-            <a:t>Identity Framework (User, Roles, Claims, etc.)</a:t>
-          </a:r>
-          <a:endParaRPr lang="en-IN"/>
-        </a:p>
-      </dgm:t>
-    </dgm:pt>
-    <dgm:pt modelId="{DC0EE167-802F-4C1D-B522-A26521071A5D}" type="parTrans" cxnId="{15CFC162-F461-46FE-A349-DB63B13BC2AD}">
-      <dgm:prSet/>
-      <dgm:spPr/>
-      <dgm:t>
-        <a:bodyPr/>
-        <a:lstStyle/>
-        <a:p>
-          <a:endParaRPr lang="en-IN"/>
-        </a:p>
-      </dgm:t>
-    </dgm:pt>
-    <dgm:pt modelId="{1578977A-1F7E-487D-8214-F5FAB124CCC4}" type="sibTrans" cxnId="{15CFC162-F461-46FE-A349-DB63B13BC2AD}">
-      <dgm:prSet/>
-      <dgm:spPr/>
-      <dgm:t>
-        <a:bodyPr/>
-        <a:lstStyle/>
-        <a:p>
-          <a:endParaRPr lang="en-IN"/>
-        </a:p>
-      </dgm:t>
-    </dgm:pt>
-    <dgm:pt modelId="{EA7D01D2-B47C-4C94-8BFC-00F7D125AF74}">
-      <dgm:prSet/>
-      <dgm:spPr/>
-      <dgm:t>
-        <a:bodyPr/>
-        <a:lstStyle/>
-        <a:p>
-          <a:r>
-            <a:rPr lang="en-IN" b="0" i="0"/>
-            <a:t>IdentityUser, IdentityRole</a:t>
-          </a:r>
-          <a:endParaRPr lang="en-IN"/>
-        </a:p>
-      </dgm:t>
-    </dgm:pt>
-    <dgm:pt modelId="{E1BA3B4D-7809-48CB-BC13-827C48EE1B04}" type="parTrans" cxnId="{FFD0F6E3-761C-4223-BD58-C44D9016A2EE}">
-      <dgm:prSet/>
-      <dgm:spPr/>
-      <dgm:t>
-        <a:bodyPr/>
-        <a:lstStyle/>
-        <a:p>
-          <a:endParaRPr lang="en-IN"/>
-        </a:p>
-      </dgm:t>
-    </dgm:pt>
-    <dgm:pt modelId="{8E82E543-A5D7-4D68-9F1A-59726CB44198}" type="sibTrans" cxnId="{FFD0F6E3-761C-4223-BD58-C44D9016A2EE}">
-      <dgm:prSet/>
-      <dgm:spPr/>
-      <dgm:t>
-        <a:bodyPr/>
-        <a:lstStyle/>
-        <a:p>
-          <a:endParaRPr lang="en-IN"/>
-        </a:p>
-      </dgm:t>
-    </dgm:pt>
-    <dgm:pt modelId="{ACE89B0F-8D7C-43DE-929C-F35BD299C791}">
-      <dgm:prSet/>
-      <dgm:spPr/>
-      <dgm:t>
-        <a:bodyPr/>
-        <a:lstStyle/>
-        <a:p>
-          <a:r>
-            <a:rPr lang="en-IN" b="0" i="0"/>
-            <a:t>UserManager, SignInManager, RoleManager</a:t>
-          </a:r>
-          <a:endParaRPr lang="en-IN"/>
-        </a:p>
-      </dgm:t>
-    </dgm:pt>
-    <dgm:pt modelId="{C5C02146-8DEA-4C89-B4C2-7F22AA9E0AD1}" type="parTrans" cxnId="{EFF5F8EC-CB10-4E1F-8329-9FE761E001B0}">
-      <dgm:prSet/>
-      <dgm:spPr/>
-      <dgm:t>
-        <a:bodyPr/>
-        <a:lstStyle/>
-        <a:p>
-          <a:endParaRPr lang="en-IN"/>
-        </a:p>
-      </dgm:t>
-    </dgm:pt>
-    <dgm:pt modelId="{DE6041B4-990F-4455-8EF8-53B9C8A4FB97}" type="sibTrans" cxnId="{EFF5F8EC-CB10-4E1F-8329-9FE761E001B0}">
-      <dgm:prSet/>
-      <dgm:spPr/>
-      <dgm:t>
-        <a:bodyPr/>
-        <a:lstStyle/>
-        <a:p>
-          <a:endParaRPr lang="en-IN"/>
-        </a:p>
-      </dgm:t>
-    </dgm:pt>
-    <dgm:pt modelId="{F7CD7B6E-5AA9-4F6A-900B-9621AE939C9F}">
-      <dgm:prSet/>
-      <dgm:spPr/>
-      <dgm:t>
-        <a:bodyPr/>
-        <a:lstStyle/>
-        <a:p>
-          <a:r>
-            <a:rPr lang="en-IN" b="0" i="0"/>
-            <a:t>4. Extra</a:t>
-          </a:r>
-          <a:endParaRPr lang="en-IN"/>
-        </a:p>
-      </dgm:t>
-    </dgm:pt>
-    <dgm:pt modelId="{E65EABB9-0E32-4529-BF28-F5E7A96A2B5A}" type="parTrans" cxnId="{FDF707A3-A2F2-4AB3-8887-E0FDBE31FFCD}">
-      <dgm:prSet/>
-      <dgm:spPr/>
-      <dgm:t>
-        <a:bodyPr/>
-        <a:lstStyle/>
-        <a:p>
-          <a:endParaRPr lang="en-IN"/>
-        </a:p>
-      </dgm:t>
-    </dgm:pt>
-    <dgm:pt modelId="{DB5B7CD6-7145-437D-AA1F-CCC17BF1A78D}" type="sibTrans" cxnId="{FDF707A3-A2F2-4AB3-8887-E0FDBE31FFCD}">
-      <dgm:prSet/>
-      <dgm:spPr/>
-      <dgm:t>
-        <a:bodyPr/>
-        <a:lstStyle/>
-        <a:p>
-          <a:endParaRPr lang="en-IN"/>
-        </a:p>
-      </dgm:t>
-    </dgm:pt>
-    <dgm:pt modelId="{0B4A69DE-C091-405D-A4AE-D5CA6424C3E6}">
-      <dgm:prSet/>
-      <dgm:spPr/>
-      <dgm:t>
-        <a:bodyPr/>
-        <a:lstStyle/>
-        <a:p>
-          <a:r>
-            <a:rPr lang="en-IN" b="0" i="0"/>
-            <a:t>FactoHR, Instagram, Flipkart, cookies workflow etc.</a:t>
-          </a:r>
-          <a:endParaRPr lang="en-IN"/>
-        </a:p>
-      </dgm:t>
-    </dgm:pt>
-    <dgm:pt modelId="{E1CC1084-E474-4148-938D-4D258BFA1E82}" type="parTrans" cxnId="{0F6507E5-9567-4E24-B2EB-3701FC46D8AC}">
-      <dgm:prSet/>
-      <dgm:spPr/>
-      <dgm:t>
-        <a:bodyPr/>
-        <a:lstStyle/>
-        <a:p>
-          <a:endParaRPr lang="en-IN"/>
-        </a:p>
-      </dgm:t>
-    </dgm:pt>
-    <dgm:pt modelId="{DCFC8164-077A-4A96-8E16-1D97466CC317}" type="sibTrans" cxnId="{0F6507E5-9567-4E24-B2EB-3701FC46D8AC}">
-      <dgm:prSet/>
-      <dgm:spPr/>
-      <dgm:t>
-        <a:bodyPr/>
-        <a:lstStyle/>
-        <a:p>
-          <a:endParaRPr lang="en-IN"/>
-        </a:p>
-      </dgm:t>
-    </dgm:pt>
-    <dgm:pt modelId="{66031F3D-B7B7-4D80-80F0-478F08B3774A}">
-      <dgm:prSet/>
-      <dgm:spPr/>
-      <dgm:t>
-        <a:bodyPr/>
-        <a:lstStyle/>
-        <a:p>
-          <a:r>
-            <a:rPr lang="en-IN" b="0" i="0" dirty="0"/>
-            <a:t>Result Getter</a:t>
-          </a:r>
-          <a:endParaRPr lang="en-IN" dirty="0"/>
-        </a:p>
-      </dgm:t>
-    </dgm:pt>
-    <dgm:pt modelId="{22D54BA8-B2C7-4E62-B497-EA2A6790A84E}" type="parTrans" cxnId="{EA88CC8F-3257-4C25-9B01-0C7F6BE69782}">
-      <dgm:prSet/>
-      <dgm:spPr/>
-      <dgm:t>
-        <a:bodyPr/>
-        <a:lstStyle/>
-        <a:p>
-          <a:endParaRPr lang="en-IN"/>
-        </a:p>
-      </dgm:t>
-    </dgm:pt>
-    <dgm:pt modelId="{CFE9CC81-1285-4416-AB7C-1EA4B8299E58}" type="sibTrans" cxnId="{EA88CC8F-3257-4C25-9B01-0C7F6BE69782}">
-      <dgm:prSet/>
-      <dgm:spPr/>
-      <dgm:t>
-        <a:bodyPr/>
-        <a:lstStyle/>
-        <a:p>
-          <a:endParaRPr lang="en-IN"/>
-        </a:p>
-      </dgm:t>
-    </dgm:pt>
-    <dgm:pt modelId="{54613875-7F9A-4F37-B49B-FE6D2CAA27F8}">
-      <dgm:prSet/>
-      <dgm:spPr/>
-      <dgm:t>
-        <a:bodyPr/>
-        <a:lstStyle/>
-        <a:p>
-          <a:r>
-            <a:rPr lang="en-IN" dirty="0"/>
-            <a:t>Firebase</a:t>
-          </a:r>
-        </a:p>
-      </dgm:t>
-    </dgm:pt>
-    <dgm:pt modelId="{0FF53635-D7B6-4CDC-8A13-34DDFE938220}" type="parTrans" cxnId="{BFEABAA8-0324-4720-AE5B-BDB534F0CA3B}">
-      <dgm:prSet/>
-      <dgm:spPr/>
-      <dgm:t>
-        <a:bodyPr/>
-        <a:lstStyle/>
-        <a:p>
-          <a:endParaRPr lang="en-IN"/>
-        </a:p>
-      </dgm:t>
-    </dgm:pt>
-    <dgm:pt modelId="{7A3F095F-DDB5-4719-AB23-1005BD719F25}" type="sibTrans" cxnId="{BFEABAA8-0324-4720-AE5B-BDB534F0CA3B}">
-      <dgm:prSet/>
-      <dgm:spPr/>
-      <dgm:t>
-        <a:bodyPr/>
-        <a:lstStyle/>
-        <a:p>
-          <a:endParaRPr lang="en-IN"/>
-        </a:p>
-      </dgm:t>
-    </dgm:pt>
-    <dgm:pt modelId="{7BCFFD36-6756-4425-A21C-57630FC93B6C}">
-      <dgm:prSet/>
-      <dgm:spPr/>
-      <dgm:t>
-        <a:bodyPr/>
-        <a:lstStyle/>
-        <a:p>
-          <a:r>
-            <a:rPr lang="en-IN" dirty="0"/>
-            <a:t>Problem solving question</a:t>
-          </a:r>
-        </a:p>
-      </dgm:t>
-    </dgm:pt>
-    <dgm:pt modelId="{9BE1D770-23CD-4E8D-B6BE-B77E564EB1DF}" type="parTrans" cxnId="{86A54E88-B1B7-45DF-9ECD-82F676FE9AC7}">
-      <dgm:prSet/>
-      <dgm:spPr/>
-      <dgm:t>
-        <a:bodyPr/>
-        <a:lstStyle/>
-        <a:p>
-          <a:endParaRPr lang="en-IN"/>
-        </a:p>
-      </dgm:t>
-    </dgm:pt>
-    <dgm:pt modelId="{DCC1873F-02AD-41F4-B879-BE8824C92558}" type="sibTrans" cxnId="{86A54E88-B1B7-45DF-9ECD-82F676FE9AC7}">
-      <dgm:prSet/>
-      <dgm:spPr/>
-      <dgm:t>
-        <a:bodyPr/>
-        <a:lstStyle/>
-        <a:p>
-          <a:endParaRPr lang="en-IN"/>
-        </a:p>
-      </dgm:t>
-    </dgm:pt>
-    <dgm:pt modelId="{92AA2AF9-7688-4C06-999B-0FC944B9027C}">
-      <dgm:prSet/>
-      <dgm:spPr/>
-      <dgm:t>
-        <a:bodyPr/>
-        <a:lstStyle/>
-        <a:p>
-          <a:r>
-            <a:rPr lang="en-IN" dirty="0"/>
-            <a:t>Fake Data Generator</a:t>
-          </a:r>
-        </a:p>
-      </dgm:t>
-    </dgm:pt>
-    <dgm:pt modelId="{F5DFCEBC-5316-4FF2-B608-9A54F63E402A}" type="parTrans" cxnId="{74DD48E5-CF61-4F92-969F-A024C07FDE37}">
-      <dgm:prSet/>
-      <dgm:spPr/>
-      <dgm:t>
-        <a:bodyPr/>
-        <a:lstStyle/>
-        <a:p>
-          <a:endParaRPr lang="en-IN"/>
-        </a:p>
-      </dgm:t>
-    </dgm:pt>
-    <dgm:pt modelId="{AC94ECC2-9398-4DDD-9AE6-80025E068A59}" type="sibTrans" cxnId="{74DD48E5-CF61-4F92-969F-A024C07FDE37}">
-      <dgm:prSet/>
-      <dgm:spPr/>
-      <dgm:t>
-        <a:bodyPr/>
-        <a:lstStyle/>
-        <a:p>
-          <a:endParaRPr lang="en-IN"/>
-        </a:p>
-      </dgm:t>
-    </dgm:pt>
-    <dgm:pt modelId="{6FA4A374-D50E-4B56-B685-C2A749DFBC8E}" type="pres">
-      <dgm:prSet presAssocID="{CC2AB139-7FE8-4288-BC7C-7E41A791ED35}" presName="linear" presStyleCnt="0">
-        <dgm:presLayoutVars>
-          <dgm:animLvl val="lvl"/>
-          <dgm:resizeHandles val="exact"/>
-        </dgm:presLayoutVars>
-      </dgm:prSet>
-      <dgm:spPr/>
-    </dgm:pt>
-    <dgm:pt modelId="{D10C601B-0BCD-46CA-B8D8-158FC1C42A35}" type="pres">
-      <dgm:prSet presAssocID="{C5EE516E-14D3-4875-B7E8-A6D30754EAE4}" presName="parentText" presStyleLbl="node1" presStyleIdx="0" presStyleCnt="2">
-        <dgm:presLayoutVars>
-          <dgm:chMax val="0"/>
-          <dgm:bulletEnabled val="1"/>
-        </dgm:presLayoutVars>
-      </dgm:prSet>
-      <dgm:spPr/>
-    </dgm:pt>
-    <dgm:pt modelId="{AFAB8BB1-9E2E-4852-AF4C-4CF7A05E241E}" type="pres">
-      <dgm:prSet presAssocID="{C5EE516E-14D3-4875-B7E8-A6D30754EAE4}" presName="childText" presStyleLbl="revTx" presStyleIdx="0" presStyleCnt="2">
-        <dgm:presLayoutVars>
-          <dgm:bulletEnabled val="1"/>
-        </dgm:presLayoutVars>
-      </dgm:prSet>
-      <dgm:spPr/>
-    </dgm:pt>
-    <dgm:pt modelId="{413A614C-2F80-4C62-8A65-CE9C39323F64}" type="pres">
-      <dgm:prSet presAssocID="{F7CD7B6E-5AA9-4F6A-900B-9621AE939C9F}" presName="parentText" presStyleLbl="node1" presStyleIdx="1" presStyleCnt="2">
-        <dgm:presLayoutVars>
-          <dgm:chMax val="0"/>
-          <dgm:bulletEnabled val="1"/>
-        </dgm:presLayoutVars>
-      </dgm:prSet>
-      <dgm:spPr/>
-    </dgm:pt>
-    <dgm:pt modelId="{4C375CD4-3F0C-43CD-A15A-D89820AE4326}" type="pres">
-      <dgm:prSet presAssocID="{F7CD7B6E-5AA9-4F6A-900B-9621AE939C9F}" presName="childText" presStyleLbl="revTx" presStyleIdx="1" presStyleCnt="2">
-        <dgm:presLayoutVars>
-          <dgm:bulletEnabled val="1"/>
-        </dgm:presLayoutVars>
-      </dgm:prSet>
-      <dgm:spPr/>
-    </dgm:pt>
-  </dgm:ptLst>
-  <dgm:cxnLst>
-    <dgm:cxn modelId="{77143112-279D-4AA9-82AD-622FE3F48655}" type="presOf" srcId="{7BCFFD36-6756-4425-A21C-57630FC93B6C}" destId="{4C375CD4-3F0C-43CD-A15A-D89820AE4326}" srcOrd="0" destOrd="3" presId="urn:microsoft.com/office/officeart/2005/8/layout/vList2"/>
-    <dgm:cxn modelId="{962CE31B-0A99-49AD-A90B-15C790BA7C34}" srcId="{C5EE516E-14D3-4875-B7E8-A6D30754EAE4}" destId="{3CD3AF3E-8208-4793-873C-89BFDCE6D127}" srcOrd="1" destOrd="0" parTransId="{65422941-5B18-4702-978D-B06B5095502B}" sibTransId="{C38C884F-91B8-4259-B3B7-5F68500C317A}"/>
-    <dgm:cxn modelId="{BEFD7A21-52CF-43C3-A40E-9438F4B4420E}" type="presOf" srcId="{CC2AB139-7FE8-4288-BC7C-7E41A791ED35}" destId="{6FA4A374-D50E-4B56-B685-C2A749DFBC8E}" srcOrd="0" destOrd="0" presId="urn:microsoft.com/office/officeart/2005/8/layout/vList2"/>
-    <dgm:cxn modelId="{F12FFB36-5473-4C03-A073-1FA8574860F3}" type="presOf" srcId="{C5EE516E-14D3-4875-B7E8-A6D30754EAE4}" destId="{D10C601B-0BCD-46CA-B8D8-158FC1C42A35}" srcOrd="0" destOrd="0" presId="urn:microsoft.com/office/officeart/2005/8/layout/vList2"/>
-    <dgm:cxn modelId="{7AE05F3A-A176-4603-A672-6B1D64BE5F86}" type="presOf" srcId="{0B4A69DE-C091-405D-A4AE-D5CA6424C3E6}" destId="{4C375CD4-3F0C-43CD-A15A-D89820AE4326}" srcOrd="0" destOrd="0" presId="urn:microsoft.com/office/officeart/2005/8/layout/vList2"/>
-    <dgm:cxn modelId="{15CFC162-F461-46FE-A349-DB63B13BC2AD}" srcId="{C5EE516E-14D3-4875-B7E8-A6D30754EAE4}" destId="{140FD45C-06D3-4702-A8F0-EC45E4547704}" srcOrd="3" destOrd="0" parTransId="{DC0EE167-802F-4C1D-B522-A26521071A5D}" sibTransId="{1578977A-1F7E-487D-8214-F5FAB124CCC4}"/>
-    <dgm:cxn modelId="{8CB23A4E-BA91-452B-9CDE-ED5CD1085C9C}" type="presOf" srcId="{EA7D01D2-B47C-4C94-8BFC-00F7D125AF74}" destId="{AFAB8BB1-9E2E-4852-AF4C-4CF7A05E241E}" srcOrd="0" destOrd="4" presId="urn:microsoft.com/office/officeart/2005/8/layout/vList2"/>
-    <dgm:cxn modelId="{F5E8D677-80F2-483A-83C1-C3742C051A73}" type="presOf" srcId="{651C7012-AF3A-4989-81DD-7429956DC37D}" destId="{AFAB8BB1-9E2E-4852-AF4C-4CF7A05E241E}" srcOrd="0" destOrd="0" presId="urn:microsoft.com/office/officeart/2005/8/layout/vList2"/>
-    <dgm:cxn modelId="{3296DD80-DAC6-4E44-A6E6-D7648CC4B37D}" type="presOf" srcId="{ACE89B0F-8D7C-43DE-929C-F35BD299C791}" destId="{AFAB8BB1-9E2E-4852-AF4C-4CF7A05E241E}" srcOrd="0" destOrd="5" presId="urn:microsoft.com/office/officeart/2005/8/layout/vList2"/>
-    <dgm:cxn modelId="{86A54E88-B1B7-45DF-9ECD-82F676FE9AC7}" srcId="{F7CD7B6E-5AA9-4F6A-900B-9621AE939C9F}" destId="{7BCFFD36-6756-4425-A21C-57630FC93B6C}" srcOrd="3" destOrd="0" parTransId="{9BE1D770-23CD-4E8D-B6BE-B77E564EB1DF}" sibTransId="{DCC1873F-02AD-41F4-B879-BE8824C92558}"/>
-    <dgm:cxn modelId="{EA88CC8F-3257-4C25-9B01-0C7F6BE69782}" srcId="{F7CD7B6E-5AA9-4F6A-900B-9621AE939C9F}" destId="{66031F3D-B7B7-4D80-80F0-478F08B3774A}" srcOrd="1" destOrd="0" parTransId="{22D54BA8-B2C7-4E62-B497-EA2A6790A84E}" sibTransId="{CFE9CC81-1285-4416-AB7C-1EA4B8299E58}"/>
-    <dgm:cxn modelId="{FDF707A3-A2F2-4AB3-8887-E0FDBE31FFCD}" srcId="{CC2AB139-7FE8-4288-BC7C-7E41A791ED35}" destId="{F7CD7B6E-5AA9-4F6A-900B-9621AE939C9F}" srcOrd="1" destOrd="0" parTransId="{E65EABB9-0E32-4529-BF28-F5E7A96A2B5A}" sibTransId="{DB5B7CD6-7145-437D-AA1F-CCC17BF1A78D}"/>
-    <dgm:cxn modelId="{DC959BA4-0541-4E37-8164-EC09007E4700}" srcId="{CC2AB139-7FE8-4288-BC7C-7E41A791ED35}" destId="{C5EE516E-14D3-4875-B7E8-A6D30754EAE4}" srcOrd="0" destOrd="0" parTransId="{E691C845-6FC6-425C-8400-47FCE23B0F2E}" sibTransId="{16B70E60-6552-4879-9D72-98E91A20C8EC}"/>
-    <dgm:cxn modelId="{4EB611A8-E25A-4CF5-A03C-46822A1B7F4F}" type="presOf" srcId="{54613875-7F9A-4F37-B49B-FE6D2CAA27F8}" destId="{4C375CD4-3F0C-43CD-A15A-D89820AE4326}" srcOrd="0" destOrd="2" presId="urn:microsoft.com/office/officeart/2005/8/layout/vList2"/>
-    <dgm:cxn modelId="{BFEABAA8-0324-4720-AE5B-BDB534F0CA3B}" srcId="{F7CD7B6E-5AA9-4F6A-900B-9621AE939C9F}" destId="{54613875-7F9A-4F37-B49B-FE6D2CAA27F8}" srcOrd="2" destOrd="0" parTransId="{0FF53635-D7B6-4CDC-8A13-34DDFE938220}" sibTransId="{7A3F095F-DDB5-4719-AB23-1005BD719F25}"/>
-    <dgm:cxn modelId="{37349FB4-C7D6-4374-BD12-2C4BAA8A4A7F}" type="presOf" srcId="{F7CD7B6E-5AA9-4F6A-900B-9621AE939C9F}" destId="{413A614C-2F80-4C62-8A65-CE9C39323F64}" srcOrd="0" destOrd="0" presId="urn:microsoft.com/office/officeart/2005/8/layout/vList2"/>
-    <dgm:cxn modelId="{8D4284B8-1F47-4D37-B8BB-93E236F140FF}" srcId="{C5EE516E-14D3-4875-B7E8-A6D30754EAE4}" destId="{2F21BF37-4921-457A-A8E0-2E90943CCE53}" srcOrd="2" destOrd="0" parTransId="{B9488B6B-208B-47C1-8165-FF60A535FF9C}" sibTransId="{79B3DB83-110C-44FD-BE2D-3B0EB341D9CE}"/>
-    <dgm:cxn modelId="{7A96F1D8-929B-431F-9EF2-40388BB032FF}" srcId="{C5EE516E-14D3-4875-B7E8-A6D30754EAE4}" destId="{651C7012-AF3A-4989-81DD-7429956DC37D}" srcOrd="0" destOrd="0" parTransId="{A9D441C6-FD30-4609-B4ED-4A0F8F3075C0}" sibTransId="{488E79D7-F2B3-4F2F-80CC-B8316FC7E0B9}"/>
-    <dgm:cxn modelId="{FFD0F6E3-761C-4223-BD58-C44D9016A2EE}" srcId="{C5EE516E-14D3-4875-B7E8-A6D30754EAE4}" destId="{EA7D01D2-B47C-4C94-8BFC-00F7D125AF74}" srcOrd="4" destOrd="0" parTransId="{E1BA3B4D-7809-48CB-BC13-827C48EE1B04}" sibTransId="{8E82E543-A5D7-4D68-9F1A-59726CB44198}"/>
-    <dgm:cxn modelId="{0F6507E5-9567-4E24-B2EB-3701FC46D8AC}" srcId="{F7CD7B6E-5AA9-4F6A-900B-9621AE939C9F}" destId="{0B4A69DE-C091-405D-A4AE-D5CA6424C3E6}" srcOrd="0" destOrd="0" parTransId="{E1CC1084-E474-4148-938D-4D258BFA1E82}" sibTransId="{DCFC8164-077A-4A96-8E16-1D97466CC317}"/>
-    <dgm:cxn modelId="{74DD48E5-CF61-4F92-969F-A024C07FDE37}" srcId="{F7CD7B6E-5AA9-4F6A-900B-9621AE939C9F}" destId="{92AA2AF9-7688-4C06-999B-0FC944B9027C}" srcOrd="4" destOrd="0" parTransId="{F5DFCEBC-5316-4FF2-B608-9A54F63E402A}" sibTransId="{AC94ECC2-9398-4DDD-9AE6-80025E068A59}"/>
-    <dgm:cxn modelId="{EFF5F8EC-CB10-4E1F-8329-9FE761E001B0}" srcId="{C5EE516E-14D3-4875-B7E8-A6D30754EAE4}" destId="{ACE89B0F-8D7C-43DE-929C-F35BD299C791}" srcOrd="5" destOrd="0" parTransId="{C5C02146-8DEA-4C89-B4C2-7F22AA9E0AD1}" sibTransId="{DE6041B4-990F-4455-8EF8-53B9C8A4FB97}"/>
-    <dgm:cxn modelId="{C7A2D8F8-3735-4B86-8E81-ADE1C81755C8}" type="presOf" srcId="{3CD3AF3E-8208-4793-873C-89BFDCE6D127}" destId="{AFAB8BB1-9E2E-4852-AF4C-4CF7A05E241E}" srcOrd="0" destOrd="1" presId="urn:microsoft.com/office/officeart/2005/8/layout/vList2"/>
-    <dgm:cxn modelId="{1E82E4FA-38EE-4FBA-BFDF-9E857DB513C2}" type="presOf" srcId="{92AA2AF9-7688-4C06-999B-0FC944B9027C}" destId="{4C375CD4-3F0C-43CD-A15A-D89820AE4326}" srcOrd="0" destOrd="4" presId="urn:microsoft.com/office/officeart/2005/8/layout/vList2"/>
-    <dgm:cxn modelId="{2C57F2FA-D373-4280-9837-0DA659798C52}" type="presOf" srcId="{140FD45C-06D3-4702-A8F0-EC45E4547704}" destId="{AFAB8BB1-9E2E-4852-AF4C-4CF7A05E241E}" srcOrd="0" destOrd="3" presId="urn:microsoft.com/office/officeart/2005/8/layout/vList2"/>
-    <dgm:cxn modelId="{8DBE7DFC-C894-40C7-96C9-46FF7A9B7431}" type="presOf" srcId="{2F21BF37-4921-457A-A8E0-2E90943CCE53}" destId="{AFAB8BB1-9E2E-4852-AF4C-4CF7A05E241E}" srcOrd="0" destOrd="2" presId="urn:microsoft.com/office/officeart/2005/8/layout/vList2"/>
-    <dgm:cxn modelId="{D1B0DAFE-581C-483D-BD7E-BF415F6B8C8B}" type="presOf" srcId="{66031F3D-B7B7-4D80-80F0-478F08B3774A}" destId="{4C375CD4-3F0C-43CD-A15A-D89820AE4326}" srcOrd="0" destOrd="1" presId="urn:microsoft.com/office/officeart/2005/8/layout/vList2"/>
-    <dgm:cxn modelId="{79860866-45D0-4CB7-B5BD-B53956AE4791}" type="presParOf" srcId="{6FA4A374-D50E-4B56-B685-C2A749DFBC8E}" destId="{D10C601B-0BCD-46CA-B8D8-158FC1C42A35}" srcOrd="0" destOrd="0" presId="urn:microsoft.com/office/officeart/2005/8/layout/vList2"/>
-    <dgm:cxn modelId="{7536DC4F-CC40-4A27-A861-EEB4893A28E5}" type="presParOf" srcId="{6FA4A374-D50E-4B56-B685-C2A749DFBC8E}" destId="{AFAB8BB1-9E2E-4852-AF4C-4CF7A05E241E}" srcOrd="1" destOrd="0" presId="urn:microsoft.com/office/officeart/2005/8/layout/vList2"/>
-    <dgm:cxn modelId="{90B99874-38C3-41A4-9894-58C06A753FDF}" type="presParOf" srcId="{6FA4A374-D50E-4B56-B685-C2A749DFBC8E}" destId="{413A614C-2F80-4C62-8A65-CE9C39323F64}" srcOrd="2" destOrd="0" presId="urn:microsoft.com/office/officeart/2005/8/layout/vList2"/>
-    <dgm:cxn modelId="{4E78A1E9-8B34-44B4-ABDC-4F1367D84F50}" type="presParOf" srcId="{6FA4A374-D50E-4B56-B685-C2A749DFBC8E}" destId="{4C375CD4-3F0C-43CD-A15A-D89820AE4326}" srcOrd="3" destOrd="0" presId="urn:microsoft.com/office/officeart/2005/8/layout/vList2"/>
-  </dgm:cxnLst>
-  <dgm:bg/>
-  <dgm:whole/>
-  <dgm:extLst>
-    <a:ext uri="http://schemas.microsoft.com/office/drawing/2008/diagram">
-      <dsp:dataModelExt xmlns:dsp="http://schemas.microsoft.com/office/drawing/2008/diagram" relId="rId8" minVer="http://schemas.openxmlformats.org/drawingml/2006/diagram"/>
-    </a:ext>
-  </dgm:extLst>
-</dgm:dataModel>
-</file>
-
-<file path=ppt/diagrams/drawing1.xml><?xml version="1.0" encoding="utf-8"?>
-<dsp:drawing xmlns:dgm="http://schemas.openxmlformats.org/drawingml/2006/diagram" xmlns:dsp="http://schemas.microsoft.com/office/drawing/2008/diagram" xmlns:a="http://schemas.openxmlformats.org/drawingml/2006/main">
-  <dsp:spTree>
-    <dsp:nvGrpSpPr>
-      <dsp:cNvPr id="0" name=""/>
-      <dsp:cNvGrpSpPr/>
-    </dsp:nvGrpSpPr>
-    <dsp:grpSpPr/>
-    <dsp:sp modelId="{5D13B617-0CCA-4E4D-803B-224CB3F47E6C}">
-      <dsp:nvSpPr>
-        <dsp:cNvPr id="0" name=""/>
-        <dsp:cNvSpPr/>
-      </dsp:nvSpPr>
-      <dsp:spPr>
-        <a:xfrm>
-          <a:off x="0" y="12473"/>
-          <a:ext cx="4859022" cy="374400"/>
-        </a:xfrm>
-        <a:prstGeom prst="roundRect">
-          <a:avLst/>
-        </a:prstGeom>
-        <a:solidFill>
-          <a:schemeClr val="accent1">
-            <a:hueOff val="0"/>
-            <a:satOff val="0"/>
-            <a:lumOff val="0"/>
-            <a:alphaOff val="0"/>
-          </a:schemeClr>
-        </a:solidFill>
-        <a:ln w="25400" cap="flat" cmpd="sng" algn="ctr">
-          <a:solidFill>
-            <a:schemeClr val="lt1">
-              <a:hueOff val="0"/>
-              <a:satOff val="0"/>
-              <a:lumOff val="0"/>
-              <a:alphaOff val="0"/>
-            </a:schemeClr>
-          </a:solidFill>
-          <a:prstDash val="solid"/>
-        </a:ln>
-        <a:effectLst/>
-      </dsp:spPr>
-      <dsp:style>
-        <a:lnRef idx="2">
-          <a:scrgbClr r="0" g="0" b="0"/>
-        </a:lnRef>
-        <a:fillRef idx="1">
-          <a:scrgbClr r="0" g="0" b="0"/>
-        </a:fillRef>
-        <a:effectRef idx="0">
-          <a:scrgbClr r="0" g="0" b="0"/>
-        </a:effectRef>
-        <a:fontRef idx="minor">
-          <a:schemeClr val="lt1"/>
-        </a:fontRef>
-      </dsp:style>
-      <dsp:txBody>
-        <a:bodyPr spcFirstLastPara="0" vert="horz" wrap="square" lIns="60960" tIns="60960" rIns="60960" bIns="60960" numCol="1" spcCol="1270" anchor="ctr" anchorCtr="0">
-          <a:noAutofit/>
-        </a:bodyPr>
-        <a:lstStyle/>
-        <a:p>
-          <a:pPr marL="0" lvl="0" indent="0" algn="l" defTabSz="711200">
-            <a:lnSpc>
-              <a:spcPct val="90000"/>
-            </a:lnSpc>
-            <a:spcBef>
-              <a:spcPct val="0"/>
-            </a:spcBef>
-            <a:spcAft>
-              <a:spcPct val="35000"/>
-            </a:spcAft>
-            <a:buNone/>
-          </a:pPr>
-          <a:r>
-            <a:rPr lang="en-IN" sz="1600" b="0" i="0" kern="1200"/>
-            <a:t>1. Final Demo Of C# Advance</a:t>
-          </a:r>
-          <a:endParaRPr lang="en-IN" sz="1600" kern="1200"/>
-        </a:p>
-      </dsp:txBody>
-      <dsp:txXfrm>
-        <a:off x="18277" y="30750"/>
-        <a:ext cx="4822468" cy="337846"/>
-      </dsp:txXfrm>
-    </dsp:sp>
-    <dsp:sp modelId="{42DFF54A-F158-452B-81E5-0B58849989EE}">
-      <dsp:nvSpPr>
-        <dsp:cNvPr id="0" name=""/>
-        <dsp:cNvSpPr/>
-      </dsp:nvSpPr>
-      <dsp:spPr>
-        <a:xfrm>
-          <a:off x="0" y="386873"/>
-          <a:ext cx="4859022" cy="1954080"/>
-        </a:xfrm>
-        <a:prstGeom prst="rect">
-          <a:avLst/>
-        </a:prstGeom>
-        <a:noFill/>
-        <a:ln>
-          <a:noFill/>
-        </a:ln>
-        <a:effectLst/>
-      </dsp:spPr>
-      <dsp:style>
-        <a:lnRef idx="0">
-          <a:scrgbClr r="0" g="0" b="0"/>
-        </a:lnRef>
-        <a:fillRef idx="0">
-          <a:scrgbClr r="0" g="0" b="0"/>
-        </a:fillRef>
-        <a:effectRef idx="0">
-          <a:scrgbClr r="0" g="0" b="0"/>
-        </a:effectRef>
-        <a:fontRef idx="minor"/>
-      </dsp:style>
-      <dsp:txBody>
-        <a:bodyPr spcFirstLastPara="0" vert="horz" wrap="square" lIns="154274" tIns="20320" rIns="113792" bIns="20320" numCol="1" spcCol="1270" anchor="t" anchorCtr="0">
-          <a:noAutofit/>
-        </a:bodyPr>
-        <a:lstStyle/>
-        <a:p>
-          <a:pPr marL="114300" lvl="1" indent="-114300" algn="l" defTabSz="533400">
-            <a:lnSpc>
-              <a:spcPct val="90000"/>
-            </a:lnSpc>
-            <a:spcBef>
-              <a:spcPct val="0"/>
-            </a:spcBef>
-            <a:spcAft>
-              <a:spcPct val="20000"/>
-            </a:spcAft>
-            <a:buChar char="•"/>
-          </a:pPr>
-          <a:r>
-            <a:rPr lang="en-IN" sz="1200" b="0" i="0" kern="1200"/>
-            <a:t>Interface based business logic</a:t>
-          </a:r>
-          <a:endParaRPr lang="en-IN" sz="1200" kern="1200"/>
-        </a:p>
-        <a:p>
-          <a:pPr marL="114300" lvl="1" indent="-114300" algn="l" defTabSz="533400">
-            <a:lnSpc>
-              <a:spcPct val="90000"/>
-            </a:lnSpc>
-            <a:spcBef>
-              <a:spcPct val="0"/>
-            </a:spcBef>
-            <a:spcAft>
-              <a:spcPct val="20000"/>
-            </a:spcAft>
-            <a:buChar char="•"/>
-          </a:pPr>
-          <a:r>
-            <a:rPr lang="en-IN" sz="1200" b="0" i="0" kern="1200" dirty="0"/>
-            <a:t>Exception Logger</a:t>
-          </a:r>
-          <a:endParaRPr lang="en-IN" sz="1200" kern="1200" dirty="0"/>
-        </a:p>
-        <a:p>
-          <a:pPr marL="114300" lvl="1" indent="-114300" algn="l" defTabSz="533400">
-            <a:lnSpc>
-              <a:spcPct val="90000"/>
-            </a:lnSpc>
-            <a:spcBef>
-              <a:spcPct val="0"/>
-            </a:spcBef>
-            <a:spcAft>
-              <a:spcPct val="20000"/>
-            </a:spcAft>
-            <a:buChar char="•"/>
-          </a:pPr>
-          <a:r>
-            <a:rPr lang="en-IN" sz="1200" b="0" i="0" kern="1200"/>
-            <a:t>Cart, Category, BLHelper added</a:t>
-          </a:r>
-          <a:endParaRPr lang="en-IN" sz="1200" kern="1200"/>
-        </a:p>
-        <a:p>
-          <a:pPr marL="114300" lvl="1" indent="-114300" algn="l" defTabSz="533400">
-            <a:lnSpc>
-              <a:spcPct val="90000"/>
-            </a:lnSpc>
-            <a:spcBef>
-              <a:spcPct val="0"/>
-            </a:spcBef>
-            <a:spcAft>
-              <a:spcPct val="20000"/>
-            </a:spcAft>
-            <a:buChar char="•"/>
-          </a:pPr>
-          <a:r>
-            <a:rPr lang="en-IN" sz="1200" b="0" i="0" kern="1200"/>
-            <a:t>Two factor based cart items buying</a:t>
-          </a:r>
-          <a:endParaRPr lang="en-IN" sz="1200" kern="1200"/>
-        </a:p>
-        <a:p>
-          <a:pPr marL="114300" lvl="1" indent="-114300" algn="l" defTabSz="533400">
-            <a:lnSpc>
-              <a:spcPct val="90000"/>
-            </a:lnSpc>
-            <a:spcBef>
-              <a:spcPct val="0"/>
-            </a:spcBef>
-            <a:spcAft>
-              <a:spcPct val="20000"/>
-            </a:spcAft>
-            <a:buChar char="•"/>
-          </a:pPr>
-          <a:r>
-            <a:rPr lang="en-IN" sz="1200" b="0" i="0" kern="1200"/>
-            <a:t>Sending order attachment through Emails for Customer</a:t>
-          </a:r>
-          <a:endParaRPr lang="en-IN" sz="1200" kern="1200"/>
-        </a:p>
-        <a:p>
-          <a:pPr marL="114300" lvl="1" indent="-114300" algn="l" defTabSz="533400">
-            <a:lnSpc>
-              <a:spcPct val="90000"/>
-            </a:lnSpc>
-            <a:spcBef>
-              <a:spcPct val="0"/>
-            </a:spcBef>
-            <a:spcAft>
-              <a:spcPct val="20000"/>
-            </a:spcAft>
-            <a:buChar char="•"/>
-          </a:pPr>
-          <a:r>
-            <a:rPr lang="en-IN" sz="1200" b="0" i="0" kern="1200" dirty="0"/>
-            <a:t>JWT Token using System class</a:t>
-          </a:r>
-          <a:endParaRPr lang="en-IN" sz="1200" kern="1200" dirty="0"/>
-        </a:p>
-        <a:p>
-          <a:pPr marL="114300" lvl="1" indent="-114300" algn="l" defTabSz="533400">
-            <a:lnSpc>
-              <a:spcPct val="90000"/>
-            </a:lnSpc>
-            <a:spcBef>
-              <a:spcPct val="0"/>
-            </a:spcBef>
-            <a:spcAft>
-              <a:spcPct val="20000"/>
-            </a:spcAft>
-            <a:buChar char="•"/>
-          </a:pPr>
-          <a:r>
-            <a:rPr lang="en-IN" sz="1200" b="0" i="0" kern="1200"/>
-            <a:t>Cookie based Auth</a:t>
-          </a:r>
-          <a:endParaRPr lang="en-IN" sz="1200" kern="1200"/>
-        </a:p>
-        <a:p>
-          <a:pPr marL="114300" lvl="1" indent="-114300" algn="l" defTabSz="533400">
-            <a:lnSpc>
-              <a:spcPct val="90000"/>
-            </a:lnSpc>
-            <a:spcBef>
-              <a:spcPct val="0"/>
-            </a:spcBef>
-            <a:spcAft>
-              <a:spcPct val="20000"/>
-            </a:spcAft>
-            <a:buChar char="•"/>
-          </a:pPr>
-          <a:r>
-            <a:rPr lang="en-IN" sz="1200" b="0" i="0" kern="1200"/>
-            <a:t>Caching</a:t>
-          </a:r>
-          <a:endParaRPr lang="en-IN" sz="1200" kern="1200"/>
-        </a:p>
-        <a:p>
-          <a:pPr marL="114300" lvl="1" indent="-114300" algn="l" defTabSz="533400">
-            <a:lnSpc>
-              <a:spcPct val="90000"/>
-            </a:lnSpc>
-            <a:spcBef>
-              <a:spcPct val="0"/>
-            </a:spcBef>
-            <a:spcAft>
-              <a:spcPct val="20000"/>
-            </a:spcAft>
-            <a:buChar char="•"/>
-          </a:pPr>
-          <a:r>
-            <a:rPr lang="en-IN" sz="1200" b="0" i="0" kern="1200" dirty="0"/>
-            <a:t>Session Id Based Login, &amp; Caching</a:t>
-          </a:r>
-          <a:endParaRPr lang="en-IN" sz="1200" kern="1200" dirty="0"/>
-        </a:p>
-        <a:p>
-          <a:pPr marL="114300" lvl="1" indent="-114300" algn="l" defTabSz="533400">
-            <a:lnSpc>
-              <a:spcPct val="90000"/>
-            </a:lnSpc>
-            <a:spcBef>
-              <a:spcPct val="0"/>
-            </a:spcBef>
-            <a:spcAft>
-              <a:spcPct val="20000"/>
-            </a:spcAft>
-            <a:buChar char="•"/>
-          </a:pPr>
-          <a:r>
-            <a:rPr lang="en-IN" sz="1200" kern="1200" dirty="0"/>
-            <a:t>Product Version Updated</a:t>
-          </a:r>
-        </a:p>
-      </dsp:txBody>
-      <dsp:txXfrm>
-        <a:off x="0" y="386873"/>
-        <a:ext cx="4859022" cy="1954080"/>
-      </dsp:txXfrm>
-    </dsp:sp>
-    <dsp:sp modelId="{50F35714-AC48-44A2-A83E-D3FDDD15D4CC}">
-      <dsp:nvSpPr>
-        <dsp:cNvPr id="0" name=""/>
-        <dsp:cNvSpPr/>
-      </dsp:nvSpPr>
-      <dsp:spPr>
-        <a:xfrm>
-          <a:off x="0" y="2340953"/>
-          <a:ext cx="4859022" cy="374400"/>
-        </a:xfrm>
-        <a:prstGeom prst="roundRect">
-          <a:avLst/>
-        </a:prstGeom>
-        <a:solidFill>
-          <a:schemeClr val="accent1">
-            <a:hueOff val="0"/>
-            <a:satOff val="0"/>
-            <a:lumOff val="0"/>
-            <a:alphaOff val="0"/>
-          </a:schemeClr>
-        </a:solidFill>
-        <a:ln w="25400" cap="flat" cmpd="sng" algn="ctr">
-          <a:solidFill>
-            <a:schemeClr val="lt1">
-              <a:hueOff val="0"/>
-              <a:satOff val="0"/>
-              <a:lumOff val="0"/>
-              <a:alphaOff val="0"/>
-            </a:schemeClr>
-          </a:solidFill>
-          <a:prstDash val="solid"/>
-        </a:ln>
-        <a:effectLst/>
-      </dsp:spPr>
-      <dsp:style>
-        <a:lnRef idx="2">
-          <a:scrgbClr r="0" g="0" b="0"/>
-        </a:lnRef>
-        <a:fillRef idx="1">
-          <a:scrgbClr r="0" g="0" b="0"/>
-        </a:fillRef>
-        <a:effectRef idx="0">
-          <a:scrgbClr r="0" g="0" b="0"/>
-        </a:effectRef>
-        <a:fontRef idx="minor">
-          <a:schemeClr val="lt1"/>
-        </a:fontRef>
-      </dsp:style>
-      <dsp:txBody>
-        <a:bodyPr spcFirstLastPara="0" vert="horz" wrap="square" lIns="60960" tIns="60960" rIns="60960" bIns="60960" numCol="1" spcCol="1270" anchor="ctr" anchorCtr="0">
-          <a:noAutofit/>
-        </a:bodyPr>
-        <a:lstStyle/>
-        <a:p>
-          <a:pPr marL="0" lvl="0" indent="0" algn="l" defTabSz="711200">
-            <a:lnSpc>
-              <a:spcPct val="90000"/>
-            </a:lnSpc>
-            <a:spcBef>
-              <a:spcPct val="0"/>
-            </a:spcBef>
-            <a:spcAft>
-              <a:spcPct val="35000"/>
-            </a:spcAft>
-            <a:buNone/>
-          </a:pPr>
-          <a:r>
-            <a:rPr lang="en-IN" sz="1600" b="0" i="0" kern="1200"/>
-            <a:t>2. Git &amp; GitHub</a:t>
-          </a:r>
-          <a:endParaRPr lang="en-IN" sz="1600" kern="1200"/>
-        </a:p>
-      </dsp:txBody>
-      <dsp:txXfrm>
-        <a:off x="18277" y="2359230"/>
-        <a:ext cx="4822468" cy="337846"/>
-      </dsp:txXfrm>
-    </dsp:sp>
-    <dsp:sp modelId="{8DB12927-02A6-4B94-8712-BE625E481CA5}">
-      <dsp:nvSpPr>
-        <dsp:cNvPr id="0" name=""/>
-        <dsp:cNvSpPr/>
-      </dsp:nvSpPr>
-      <dsp:spPr>
-        <a:xfrm>
-          <a:off x="0" y="2715353"/>
-          <a:ext cx="4859022" cy="596160"/>
-        </a:xfrm>
-        <a:prstGeom prst="rect">
-          <a:avLst/>
-        </a:prstGeom>
-        <a:noFill/>
-        <a:ln>
-          <a:noFill/>
-        </a:ln>
-        <a:effectLst/>
-      </dsp:spPr>
-      <dsp:style>
-        <a:lnRef idx="0">
-          <a:scrgbClr r="0" g="0" b="0"/>
-        </a:lnRef>
-        <a:fillRef idx="0">
-          <a:scrgbClr r="0" g="0" b="0"/>
-        </a:fillRef>
-        <a:effectRef idx="0">
-          <a:scrgbClr r="0" g="0" b="0"/>
-        </a:effectRef>
-        <a:fontRef idx="minor"/>
-      </dsp:style>
-      <dsp:txBody>
-        <a:bodyPr spcFirstLastPara="0" vert="horz" wrap="square" lIns="154274" tIns="20320" rIns="113792" bIns="20320" numCol="1" spcCol="1270" anchor="t" anchorCtr="0">
-          <a:noAutofit/>
-        </a:bodyPr>
-        <a:lstStyle/>
-        <a:p>
-          <a:pPr marL="114300" lvl="1" indent="-114300" algn="l" defTabSz="533400">
-            <a:lnSpc>
-              <a:spcPct val="90000"/>
-            </a:lnSpc>
-            <a:spcBef>
-              <a:spcPct val="0"/>
-            </a:spcBef>
-            <a:spcAft>
-              <a:spcPct val="20000"/>
-            </a:spcAft>
-            <a:buChar char="•"/>
-          </a:pPr>
-          <a:r>
-            <a:rPr lang="en-IN" sz="1200" b="0" i="0" kern="1200"/>
-            <a:t>Introduction</a:t>
-          </a:r>
-          <a:endParaRPr lang="en-IN" sz="1200" kern="1200"/>
-        </a:p>
-        <a:p>
-          <a:pPr marL="114300" lvl="1" indent="-114300" algn="l" defTabSz="533400">
-            <a:lnSpc>
-              <a:spcPct val="90000"/>
-            </a:lnSpc>
-            <a:spcBef>
-              <a:spcPct val="0"/>
-            </a:spcBef>
-            <a:spcAft>
-              <a:spcPct val="20000"/>
-            </a:spcAft>
-            <a:buChar char="•"/>
-          </a:pPr>
-          <a:r>
-            <a:rPr lang="en-IN" sz="1200" b="0" i="0" kern="1200"/>
-            <a:t>Working</a:t>
-          </a:r>
-          <a:endParaRPr lang="en-IN" sz="1200" kern="1200"/>
-        </a:p>
-        <a:p>
-          <a:pPr marL="114300" lvl="1" indent="-114300" algn="l" defTabSz="533400">
-            <a:lnSpc>
-              <a:spcPct val="90000"/>
-            </a:lnSpc>
-            <a:spcBef>
-              <a:spcPct val="0"/>
-            </a:spcBef>
-            <a:spcAft>
-              <a:spcPct val="20000"/>
-            </a:spcAft>
-            <a:buChar char="•"/>
-          </a:pPr>
-          <a:r>
-            <a:rPr lang="en-IN" sz="1200" b="0" i="0" kern="1200"/>
-            <a:t>Applications</a:t>
-          </a:r>
-          <a:endParaRPr lang="en-IN" sz="1200" kern="1200"/>
-        </a:p>
-      </dsp:txBody>
-      <dsp:txXfrm>
-        <a:off x="0" y="2715353"/>
-        <a:ext cx="4859022" cy="596160"/>
-      </dsp:txXfrm>
-    </dsp:sp>
-  </dsp:spTree>
-</dsp:drawing>
-</file>
-
-<file path=ppt/diagrams/drawing2.xml><?xml version="1.0" encoding="utf-8"?>
-<dsp:drawing xmlns:dgm="http://schemas.openxmlformats.org/drawingml/2006/diagram" xmlns:dsp="http://schemas.microsoft.com/office/drawing/2008/diagram" xmlns:a="http://schemas.openxmlformats.org/drawingml/2006/main">
-  <dsp:spTree>
-    <dsp:nvGrpSpPr>
-      <dsp:cNvPr id="0" name=""/>
-      <dsp:cNvGrpSpPr/>
-    </dsp:nvGrpSpPr>
-    <dsp:grpSpPr/>
-    <dsp:sp modelId="{D10C601B-0BCD-46CA-B8D8-158FC1C42A35}">
-      <dsp:nvSpPr>
-        <dsp:cNvPr id="0" name=""/>
-        <dsp:cNvSpPr/>
-      </dsp:nvSpPr>
-      <dsp:spPr>
-        <a:xfrm>
-          <a:off x="0" y="38876"/>
-          <a:ext cx="5285142" cy="304200"/>
-        </a:xfrm>
-        <a:prstGeom prst="roundRect">
-          <a:avLst/>
-        </a:prstGeom>
-        <a:solidFill>
-          <a:schemeClr val="accent1">
-            <a:hueOff val="0"/>
-            <a:satOff val="0"/>
-            <a:lumOff val="0"/>
-            <a:alphaOff val="0"/>
-          </a:schemeClr>
-        </a:solidFill>
-        <a:ln w="25400" cap="flat" cmpd="sng" algn="ctr">
-          <a:solidFill>
-            <a:schemeClr val="lt1">
-              <a:hueOff val="0"/>
-              <a:satOff val="0"/>
-              <a:lumOff val="0"/>
-              <a:alphaOff val="0"/>
-            </a:schemeClr>
-          </a:solidFill>
-          <a:prstDash val="solid"/>
-        </a:ln>
-        <a:effectLst/>
-      </dsp:spPr>
-      <dsp:style>
-        <a:lnRef idx="2">
-          <a:scrgbClr r="0" g="0" b="0"/>
-        </a:lnRef>
-        <a:fillRef idx="1">
-          <a:scrgbClr r="0" g="0" b="0"/>
-        </a:fillRef>
-        <a:effectRef idx="0">
-          <a:scrgbClr r="0" g="0" b="0"/>
-        </a:effectRef>
-        <a:fontRef idx="minor">
-          <a:schemeClr val="lt1"/>
-        </a:fontRef>
-      </dsp:style>
-      <dsp:txBody>
-        <a:bodyPr spcFirstLastPara="0" vert="horz" wrap="square" lIns="49530" tIns="49530" rIns="49530" bIns="49530" numCol="1" spcCol="1270" anchor="ctr" anchorCtr="0">
-          <a:noAutofit/>
-        </a:bodyPr>
-        <a:lstStyle/>
-        <a:p>
-          <a:pPr marL="0" lvl="0" indent="0" algn="l" defTabSz="577850">
-            <a:lnSpc>
-              <a:spcPct val="90000"/>
-            </a:lnSpc>
-            <a:spcBef>
-              <a:spcPct val="0"/>
-            </a:spcBef>
-            <a:spcAft>
-              <a:spcPct val="35000"/>
-            </a:spcAft>
-            <a:buNone/>
-          </a:pPr>
-          <a:r>
-            <a:rPr lang="en-IN" sz="1300" b="0" i="0" kern="1200"/>
-            <a:t>3. Asp.net Core MVC</a:t>
-          </a:r>
-          <a:endParaRPr lang="en-IN" sz="1300" kern="1200"/>
-        </a:p>
-      </dsp:txBody>
-      <dsp:txXfrm>
-        <a:off x="14850" y="53726"/>
-        <a:ext cx="5255442" cy="274500"/>
-      </dsp:txXfrm>
-    </dsp:sp>
-    <dsp:sp modelId="{AFAB8BB1-9E2E-4852-AF4C-4CF7A05E241E}">
-      <dsp:nvSpPr>
-        <dsp:cNvPr id="0" name=""/>
-        <dsp:cNvSpPr/>
-      </dsp:nvSpPr>
-      <dsp:spPr>
-        <a:xfrm>
-          <a:off x="0" y="343076"/>
-          <a:ext cx="5285142" cy="968760"/>
-        </a:xfrm>
-        <a:prstGeom prst="rect">
-          <a:avLst/>
-        </a:prstGeom>
-        <a:noFill/>
-        <a:ln>
-          <a:noFill/>
-        </a:ln>
-        <a:effectLst/>
-      </dsp:spPr>
-      <dsp:style>
-        <a:lnRef idx="0">
-          <a:scrgbClr r="0" g="0" b="0"/>
-        </a:lnRef>
-        <a:fillRef idx="0">
-          <a:scrgbClr r="0" g="0" b="0"/>
-        </a:fillRef>
-        <a:effectRef idx="0">
-          <a:scrgbClr r="0" g="0" b="0"/>
-        </a:effectRef>
-        <a:fontRef idx="minor"/>
-      </dsp:style>
-      <dsp:txBody>
-        <a:bodyPr spcFirstLastPara="0" vert="horz" wrap="square" lIns="167803" tIns="16510" rIns="92456" bIns="16510" numCol="1" spcCol="1270" anchor="t" anchorCtr="0">
-          <a:noAutofit/>
-        </a:bodyPr>
-        <a:lstStyle/>
-        <a:p>
-          <a:pPr marL="57150" lvl="1" indent="-57150" algn="l" defTabSz="444500">
-            <a:lnSpc>
-              <a:spcPct val="90000"/>
-            </a:lnSpc>
-            <a:spcBef>
-              <a:spcPct val="0"/>
-            </a:spcBef>
-            <a:spcAft>
-              <a:spcPct val="20000"/>
-            </a:spcAft>
-            <a:buChar char="•"/>
-          </a:pPr>
-          <a:r>
-            <a:rPr lang="en-IN" sz="1000" b="0" i="0" kern="1200"/>
-            <a:t>Folder Structure</a:t>
-          </a:r>
-          <a:endParaRPr lang="en-IN" sz="1000" kern="1200"/>
-        </a:p>
-        <a:p>
-          <a:pPr marL="57150" lvl="1" indent="-57150" algn="l" defTabSz="444500">
-            <a:lnSpc>
-              <a:spcPct val="90000"/>
-            </a:lnSpc>
-            <a:spcBef>
-              <a:spcPct val="0"/>
-            </a:spcBef>
-            <a:spcAft>
-              <a:spcPct val="20000"/>
-            </a:spcAft>
-            <a:buChar char="•"/>
-          </a:pPr>
-          <a:r>
-            <a:rPr lang="en-IN" sz="1000" b="0" i="0" kern="1200"/>
-            <a:t>View Types (_ViewStart, _ViewImport, Partial, Layout)</a:t>
-          </a:r>
-          <a:endParaRPr lang="en-IN" sz="1000" kern="1200"/>
-        </a:p>
-        <a:p>
-          <a:pPr marL="57150" lvl="1" indent="-57150" algn="l" defTabSz="444500">
-            <a:lnSpc>
-              <a:spcPct val="90000"/>
-            </a:lnSpc>
-            <a:spcBef>
-              <a:spcPct val="0"/>
-            </a:spcBef>
-            <a:spcAft>
-              <a:spcPct val="20000"/>
-            </a:spcAft>
-            <a:buChar char="•"/>
-          </a:pPr>
-          <a:r>
-            <a:rPr lang="en-IN" sz="1000" b="0" i="0" kern="1200"/>
-            <a:t>Entity Framework</a:t>
-          </a:r>
-          <a:endParaRPr lang="en-IN" sz="1000" kern="1200"/>
-        </a:p>
-        <a:p>
-          <a:pPr marL="57150" lvl="1" indent="-57150" algn="l" defTabSz="444500">
-            <a:lnSpc>
-              <a:spcPct val="90000"/>
-            </a:lnSpc>
-            <a:spcBef>
-              <a:spcPct val="0"/>
-            </a:spcBef>
-            <a:spcAft>
-              <a:spcPct val="20000"/>
-            </a:spcAft>
-            <a:buChar char="•"/>
-          </a:pPr>
-          <a:r>
-            <a:rPr lang="en-IN" sz="1000" b="0" i="0" kern="1200"/>
-            <a:t>Identity Framework (User, Roles, Claims, etc.)</a:t>
-          </a:r>
-          <a:endParaRPr lang="en-IN" sz="1000" kern="1200"/>
-        </a:p>
-        <a:p>
-          <a:pPr marL="57150" lvl="1" indent="-57150" algn="l" defTabSz="444500">
-            <a:lnSpc>
-              <a:spcPct val="90000"/>
-            </a:lnSpc>
-            <a:spcBef>
-              <a:spcPct val="0"/>
-            </a:spcBef>
-            <a:spcAft>
-              <a:spcPct val="20000"/>
-            </a:spcAft>
-            <a:buChar char="•"/>
-          </a:pPr>
-          <a:r>
-            <a:rPr lang="en-IN" sz="1000" b="0" i="0" kern="1200"/>
-            <a:t>IdentityUser, IdentityRole</a:t>
-          </a:r>
-          <a:endParaRPr lang="en-IN" sz="1000" kern="1200"/>
-        </a:p>
-        <a:p>
-          <a:pPr marL="57150" lvl="1" indent="-57150" algn="l" defTabSz="444500">
-            <a:lnSpc>
-              <a:spcPct val="90000"/>
-            </a:lnSpc>
-            <a:spcBef>
-              <a:spcPct val="0"/>
-            </a:spcBef>
-            <a:spcAft>
-              <a:spcPct val="20000"/>
-            </a:spcAft>
-            <a:buChar char="•"/>
-          </a:pPr>
-          <a:r>
-            <a:rPr lang="en-IN" sz="1000" b="0" i="0" kern="1200"/>
-            <a:t>UserManager, SignInManager, RoleManager</a:t>
-          </a:r>
-          <a:endParaRPr lang="en-IN" sz="1000" kern="1200"/>
-        </a:p>
-      </dsp:txBody>
-      <dsp:txXfrm>
-        <a:off x="0" y="343076"/>
-        <a:ext cx="5285142" cy="968760"/>
-      </dsp:txXfrm>
-    </dsp:sp>
-    <dsp:sp modelId="{413A614C-2F80-4C62-8A65-CE9C39323F64}">
-      <dsp:nvSpPr>
-        <dsp:cNvPr id="0" name=""/>
-        <dsp:cNvSpPr/>
-      </dsp:nvSpPr>
-      <dsp:spPr>
-        <a:xfrm>
-          <a:off x="0" y="1311836"/>
-          <a:ext cx="5285142" cy="304200"/>
-        </a:xfrm>
-        <a:prstGeom prst="roundRect">
-          <a:avLst/>
-        </a:prstGeom>
-        <a:solidFill>
-          <a:schemeClr val="accent1">
-            <a:hueOff val="0"/>
-            <a:satOff val="0"/>
-            <a:lumOff val="0"/>
-            <a:alphaOff val="0"/>
-          </a:schemeClr>
-        </a:solidFill>
-        <a:ln w="25400" cap="flat" cmpd="sng" algn="ctr">
-          <a:solidFill>
-            <a:schemeClr val="lt1">
-              <a:hueOff val="0"/>
-              <a:satOff val="0"/>
-              <a:lumOff val="0"/>
-              <a:alphaOff val="0"/>
-            </a:schemeClr>
-          </a:solidFill>
-          <a:prstDash val="solid"/>
-        </a:ln>
-        <a:effectLst/>
-      </dsp:spPr>
-      <dsp:style>
-        <a:lnRef idx="2">
-          <a:scrgbClr r="0" g="0" b="0"/>
-        </a:lnRef>
-        <a:fillRef idx="1">
-          <a:scrgbClr r="0" g="0" b="0"/>
-        </a:fillRef>
-        <a:effectRef idx="0">
-          <a:scrgbClr r="0" g="0" b="0"/>
-        </a:effectRef>
-        <a:fontRef idx="minor">
-          <a:schemeClr val="lt1"/>
-        </a:fontRef>
-      </dsp:style>
-      <dsp:txBody>
-        <a:bodyPr spcFirstLastPara="0" vert="horz" wrap="square" lIns="49530" tIns="49530" rIns="49530" bIns="49530" numCol="1" spcCol="1270" anchor="ctr" anchorCtr="0">
-          <a:noAutofit/>
-        </a:bodyPr>
-        <a:lstStyle/>
-        <a:p>
-          <a:pPr marL="0" lvl="0" indent="0" algn="l" defTabSz="577850">
-            <a:lnSpc>
-              <a:spcPct val="90000"/>
-            </a:lnSpc>
-            <a:spcBef>
-              <a:spcPct val="0"/>
-            </a:spcBef>
-            <a:spcAft>
-              <a:spcPct val="35000"/>
-            </a:spcAft>
-            <a:buNone/>
-          </a:pPr>
-          <a:r>
-            <a:rPr lang="en-IN" sz="1300" b="0" i="0" kern="1200"/>
-            <a:t>4. Extra</a:t>
-          </a:r>
-          <a:endParaRPr lang="en-IN" sz="1300" kern="1200"/>
-        </a:p>
-      </dsp:txBody>
-      <dsp:txXfrm>
-        <a:off x="14850" y="1326686"/>
-        <a:ext cx="5255442" cy="274500"/>
-      </dsp:txXfrm>
-    </dsp:sp>
-    <dsp:sp modelId="{4C375CD4-3F0C-43CD-A15A-D89820AE4326}">
-      <dsp:nvSpPr>
-        <dsp:cNvPr id="0" name=""/>
-        <dsp:cNvSpPr/>
-      </dsp:nvSpPr>
-      <dsp:spPr>
-        <a:xfrm>
-          <a:off x="0" y="1616036"/>
-          <a:ext cx="5285142" cy="807300"/>
-        </a:xfrm>
-        <a:prstGeom prst="rect">
-          <a:avLst/>
-        </a:prstGeom>
-        <a:noFill/>
-        <a:ln>
-          <a:noFill/>
-        </a:ln>
-        <a:effectLst/>
-      </dsp:spPr>
-      <dsp:style>
-        <a:lnRef idx="0">
-          <a:scrgbClr r="0" g="0" b="0"/>
-        </a:lnRef>
-        <a:fillRef idx="0">
-          <a:scrgbClr r="0" g="0" b="0"/>
-        </a:fillRef>
-        <a:effectRef idx="0">
-          <a:scrgbClr r="0" g="0" b="0"/>
-        </a:effectRef>
-        <a:fontRef idx="minor"/>
-      </dsp:style>
-      <dsp:txBody>
-        <a:bodyPr spcFirstLastPara="0" vert="horz" wrap="square" lIns="167803" tIns="16510" rIns="92456" bIns="16510" numCol="1" spcCol="1270" anchor="t" anchorCtr="0">
-          <a:noAutofit/>
-        </a:bodyPr>
-        <a:lstStyle/>
-        <a:p>
-          <a:pPr marL="57150" lvl="1" indent="-57150" algn="l" defTabSz="444500">
-            <a:lnSpc>
-              <a:spcPct val="90000"/>
-            </a:lnSpc>
-            <a:spcBef>
-              <a:spcPct val="0"/>
-            </a:spcBef>
-            <a:spcAft>
-              <a:spcPct val="20000"/>
-            </a:spcAft>
-            <a:buChar char="•"/>
-          </a:pPr>
-          <a:r>
-            <a:rPr lang="en-IN" sz="1000" b="0" i="0" kern="1200"/>
-            <a:t>FactoHR, Instagram, Flipkart, cookies workflow etc.</a:t>
-          </a:r>
-          <a:endParaRPr lang="en-IN" sz="1000" kern="1200"/>
-        </a:p>
-        <a:p>
-          <a:pPr marL="57150" lvl="1" indent="-57150" algn="l" defTabSz="444500">
-            <a:lnSpc>
-              <a:spcPct val="90000"/>
-            </a:lnSpc>
-            <a:spcBef>
-              <a:spcPct val="0"/>
-            </a:spcBef>
-            <a:spcAft>
-              <a:spcPct val="20000"/>
-            </a:spcAft>
-            <a:buChar char="•"/>
-          </a:pPr>
-          <a:r>
-            <a:rPr lang="en-IN" sz="1000" b="0" i="0" kern="1200" dirty="0"/>
-            <a:t>Result Getter</a:t>
-          </a:r>
-          <a:endParaRPr lang="en-IN" sz="1000" kern="1200" dirty="0"/>
-        </a:p>
-        <a:p>
-          <a:pPr marL="57150" lvl="1" indent="-57150" algn="l" defTabSz="444500">
-            <a:lnSpc>
-              <a:spcPct val="90000"/>
-            </a:lnSpc>
-            <a:spcBef>
-              <a:spcPct val="0"/>
-            </a:spcBef>
-            <a:spcAft>
-              <a:spcPct val="20000"/>
-            </a:spcAft>
-            <a:buChar char="•"/>
-          </a:pPr>
-          <a:r>
-            <a:rPr lang="en-IN" sz="1000" kern="1200" dirty="0"/>
-            <a:t>Firebase</a:t>
-          </a:r>
-        </a:p>
-        <a:p>
-          <a:pPr marL="57150" lvl="1" indent="-57150" algn="l" defTabSz="444500">
-            <a:lnSpc>
-              <a:spcPct val="90000"/>
-            </a:lnSpc>
-            <a:spcBef>
-              <a:spcPct val="0"/>
-            </a:spcBef>
-            <a:spcAft>
-              <a:spcPct val="20000"/>
-            </a:spcAft>
-            <a:buChar char="•"/>
-          </a:pPr>
-          <a:r>
-            <a:rPr lang="en-IN" sz="1000" kern="1200" dirty="0"/>
-            <a:t>Problem solving question</a:t>
-          </a:r>
-        </a:p>
-        <a:p>
-          <a:pPr marL="57150" lvl="1" indent="-57150" algn="l" defTabSz="444500">
-            <a:lnSpc>
-              <a:spcPct val="90000"/>
-            </a:lnSpc>
-            <a:spcBef>
-              <a:spcPct val="0"/>
-            </a:spcBef>
-            <a:spcAft>
-              <a:spcPct val="20000"/>
-            </a:spcAft>
-            <a:buChar char="•"/>
-          </a:pPr>
-          <a:r>
-            <a:rPr lang="en-IN" sz="1000" kern="1200" dirty="0"/>
-            <a:t>Fake Data Generator</a:t>
-          </a:r>
-        </a:p>
-      </dsp:txBody>
-      <dsp:txXfrm>
-        <a:off x="0" y="1616036"/>
-        <a:ext cx="5285142" cy="807300"/>
-      </dsp:txXfrm>
-    </dsp:sp>
-  </dsp:spTree>
-</dsp:drawing>
-</file>
-
-<file path=ppt/diagrams/layout1.xml><?xml version="1.0" encoding="utf-8"?>
-<dgm:layoutDef xmlns:dgm="http://schemas.openxmlformats.org/drawingml/2006/diagram" xmlns:a="http://schemas.openxmlformats.org/drawingml/2006/main" uniqueId="urn:microsoft.com/office/officeart/2005/8/layout/vList2">
-  <dgm:title val=""/>
-  <dgm:desc val=""/>
-  <dgm:catLst>
-    <dgm:cat type="list" pri="3000"/>
-    <dgm:cat type="convert" pri="1000"/>
-  </dgm:catLst>
-  <dgm:sampData>
-    <dgm:dataModel>
-      <dgm:ptLst>
-        <dgm:pt modelId="0" type="doc"/>
-        <dgm:pt modelId="1">
-          <dgm:prSet phldr="1"/>
-        </dgm:pt>
-        <dgm:pt modelId="11">
-          <dgm:prSet phldr="1"/>
-        </dgm:pt>
-        <dgm:pt modelId="2">
-          <dgm:prSet phldr="1"/>
-        </dgm:pt>
-        <dgm:pt modelId="21">
-          <dgm:prSet phldr="1"/>
-        </dgm:pt>
-      </dgm:ptLst>
-      <dgm:cxnLst>
-        <dgm:cxn modelId="4" srcId="0" destId="1" srcOrd="0" destOrd="0"/>
-        <dgm:cxn modelId="5" srcId="0" destId="2" srcOrd="1" destOrd="0"/>
-        <dgm:cxn modelId="12" srcId="1" destId="11" srcOrd="0" destOrd="0"/>
-        <dgm:cxn modelId="23" srcId="2" destId="21" srcOrd="0" destOrd="0"/>
-      </dgm:cxnLst>
-      <dgm:bg/>
-      <dgm:whole/>
-    </dgm:dataModel>
-  </dgm:sampData>
-  <dgm:styleData>
-    <dgm:dataModel>
-      <dgm:ptLst>
-        <dgm:pt modelId="0" type="doc"/>
-        <dgm:pt modelId="1"/>
-        <dgm:pt modelId="2"/>
-      </dgm:ptLst>
-      <dgm:cxnLst>
-        <dgm:cxn modelId="3" srcId="0" destId="1" srcOrd="0" destOrd="0"/>
-        <dgm:cxn modelId="4" srcId="0" destId="2" srcOrd="1" destOrd="0"/>
-      </dgm:cxnLst>
-      <dgm:bg/>
-      <dgm:whole/>
-    </dgm:dataModel>
-  </dgm:styleData>
-  <dgm:clrData>
-    <dgm:dataModel>
-      <dgm:ptLst>
-        <dgm:pt modelId="0" type="doc"/>
-        <dgm:pt modelId="1"/>
-        <dgm:pt modelId="2"/>
-        <dgm:pt modelId="3"/>
-        <dgm:pt modelId="4"/>
-      </dgm:ptLst>
-      <dgm:cxnLst>
-        <dgm:cxn modelId="5" srcId="0" destId="1" srcOrd="0" destOrd="0"/>
-        <dgm:cxn modelId="6" srcId="0" destId="2" srcOrd="1" destOrd="0"/>
-        <dgm:cxn modelId="7" srcId="0" destId="3" srcOrd="2" destOrd="0"/>
-        <dgm:cxn modelId="8" srcId="0" destId="4" srcOrd="3" destOrd="0"/>
-      </dgm:cxnLst>
-      <dgm:bg/>
-      <dgm:whole/>
-    </dgm:dataModel>
-  </dgm:clrData>
-  <dgm:layoutNode name="linear">
-    <dgm:varLst>
-      <dgm:animLvl val="lvl"/>
-      <dgm:resizeHandles val="exact"/>
-    </dgm:varLst>
-    <dgm:alg type="lin">
-      <dgm:param type="linDir" val="fromT"/>
-      <dgm:param type="vertAlign" val="mid"/>
-    </dgm:alg>
-    <dgm:shape xmlns:r="http://schemas.openxmlformats.org/officeDocument/2006/relationships" r:blip="">
-      <dgm:adjLst/>
-    </dgm:shape>
-    <dgm:presOf/>
-    <dgm:constrLst>
-      <dgm:constr type="w" for="ch" forName="parentText" refType="w"/>
-      <dgm:constr type="h" for="ch" forName="parentText" refType="primFontSz" refFor="ch" refForName="parentText" fact="0.52"/>
-      <dgm:constr type="w" for="ch" forName="childText" refType="w"/>
-      <dgm:constr type="h" for="ch" forName="childText" refType="primFontSz" refFor="ch" refForName="parentText" fact="0.46"/>
-      <dgm:constr type="h" for="ch" forName="parentText" op="equ"/>
-      <dgm:constr type="primFontSz" for="ch" forName="parentText" op="equ" val="65"/>
-      <dgm:constr type="primFontSz" for="ch" forName="childText" refType="primFontSz" refFor="ch" refForName="parentText" op="equ"/>
-      <dgm:constr type="h" for="ch" forName="spacer" refType="primFontSz" refFor="ch" refForName="parentText" fact="0.08"/>
-    </dgm:constrLst>
-    <dgm:ruleLst>
-      <dgm:rule type="primFontSz" for="ch" forName="parentText" val="5" fact="NaN" max="NaN"/>
-    </dgm:ruleLst>
-    <dgm:forEach name="Name0" axis="ch" ptType="node">
-      <dgm:layoutNode name="parentText" styleLbl="node1">
-        <dgm:varLst>
-          <dgm:chMax val="0"/>
-          <dgm:bulletEnabled val="1"/>
-        </dgm:varLst>
-        <dgm:alg type="tx">
-          <dgm:param type="parTxLTRAlign" val="l"/>
-          <dgm:param type="parTxRTLAlign" val="r"/>
-        </dgm:alg>
-        <dgm:shape xmlns:r="http://schemas.openxmlformats.org/officeDocument/2006/relationships" type="roundRect" r:blip="">
-          <dgm:adjLst/>
-        </dgm:shape>
-        <dgm:presOf axis="self"/>
-        <dgm:constrLst>
-          <dgm:constr type="tMarg" refType="primFontSz" fact="0.3"/>
-          <dgm:constr type="bMarg" refType="primFontSz" fact="0.3"/>
-          <dgm:constr type="lMarg" refType="primFontSz" fact="0.3"/>
-          <dgm:constr type="rMarg" refType="primFontSz" fact="0.3"/>
-        </dgm:constrLst>
-        <dgm:ruleLst>
-          <dgm:rule type="h" val="INF" fact="NaN" max="NaN"/>
-        </dgm:ruleLst>
-      </dgm:layoutNode>
-      <dgm:choose name="Name1">
-        <dgm:if name="Name2" axis="ch" ptType="node" func="cnt" op="gte" val="1">
-          <dgm:layoutNode name="childText" styleLbl="revTx">
-            <dgm:varLst>
-              <dgm:bulletEnabled val="1"/>
-            </dgm:varLst>
-            <dgm:alg type="tx">
-              <dgm:param type="stBulletLvl" val="1"/>
-              <dgm:param type="lnSpAfChP" val="20"/>
-            </dgm:alg>
-            <dgm:shape xmlns:r="http://schemas.openxmlformats.org/officeDocument/2006/relationships" type="rect" r:blip="">
-              <dgm:adjLst/>
-            </dgm:shape>
-            <dgm:presOf axis="des" ptType="node"/>
-            <dgm:constrLst>
-              <dgm:constr type="tMarg" refType="primFontSz" fact="0.1"/>
-              <dgm:constr type="bMarg" refType="primFontSz" fact="0.1"/>
-              <dgm:constr type="lMarg" refType="w" fact="0.09"/>
-            </dgm:constrLst>
-            <dgm:ruleLst>
-              <dgm:rule type="h" val="INF" fact="NaN" max="NaN"/>
-            </dgm:ruleLst>
-          </dgm:layoutNode>
-        </dgm:if>
-        <dgm:else name="Name3">
-          <dgm:choose name="Name4">
-            <dgm:if name="Name5" axis="par ch" ptType="doc node" func="cnt" op="gte" val="2">
-              <dgm:forEach name="Name6" axis="followSib" ptType="sibTrans" cnt="1">
-                <dgm:layoutNode name="spacer">
-                  <dgm:alg type="sp"/>
-                  <dgm:shape xmlns:r="http://schemas.openxmlformats.org/officeDocument/2006/relationships" r:blip="">
-                    <dgm:adjLst/>
-                  </dgm:shape>
-                  <dgm:presOf/>
-                  <dgm:constrLst/>
-                  <dgm:ruleLst/>
-                </dgm:layoutNode>
-              </dgm:forEach>
-            </dgm:if>
-            <dgm:else name="Name7"/>
-          </dgm:choose>
-        </dgm:else>
-      </dgm:choose>
-    </dgm:forEach>
-  </dgm:layoutNode>
-</dgm:layoutDef>
-</file>
-
-<file path=ppt/diagrams/layout2.xml><?xml version="1.0" encoding="utf-8"?>
-<dgm:layoutDef xmlns:dgm="http://schemas.openxmlformats.org/drawingml/2006/diagram" xmlns:a="http://schemas.openxmlformats.org/drawingml/2006/main" uniqueId="urn:microsoft.com/office/officeart/2005/8/layout/vList2">
-  <dgm:title val=""/>
-  <dgm:desc val=""/>
-  <dgm:catLst>
-    <dgm:cat type="list" pri="3000"/>
-    <dgm:cat type="convert" pri="1000"/>
-  </dgm:catLst>
-  <dgm:sampData>
-    <dgm:dataModel>
-      <dgm:ptLst>
-        <dgm:pt modelId="0" type="doc"/>
-        <dgm:pt modelId="1">
-          <dgm:prSet phldr="1"/>
-        </dgm:pt>
-        <dgm:pt modelId="11">
-          <dgm:prSet phldr="1"/>
-        </dgm:pt>
-        <dgm:pt modelId="2">
-          <dgm:prSet phldr="1"/>
-        </dgm:pt>
-        <dgm:pt modelId="21">
-          <dgm:prSet phldr="1"/>
-        </dgm:pt>
-      </dgm:ptLst>
-      <dgm:cxnLst>
-        <dgm:cxn modelId="4" srcId="0" destId="1" srcOrd="0" destOrd="0"/>
-        <dgm:cxn modelId="5" srcId="0" destId="2" srcOrd="1" destOrd="0"/>
-        <dgm:cxn modelId="12" srcId="1" destId="11" srcOrd="0" destOrd="0"/>
-        <dgm:cxn modelId="23" srcId="2" destId="21" srcOrd="0" destOrd="0"/>
-      </dgm:cxnLst>
-      <dgm:bg/>
-      <dgm:whole/>
-    </dgm:dataModel>
-  </dgm:sampData>
-  <dgm:styleData>
-    <dgm:dataModel>
-      <dgm:ptLst>
-        <dgm:pt modelId="0" type="doc"/>
-        <dgm:pt modelId="1"/>
-        <dgm:pt modelId="2"/>
-      </dgm:ptLst>
-      <dgm:cxnLst>
-        <dgm:cxn modelId="3" srcId="0" destId="1" srcOrd="0" destOrd="0"/>
-        <dgm:cxn modelId="4" srcId="0" destId="2" srcOrd="1" destOrd="0"/>
-      </dgm:cxnLst>
-      <dgm:bg/>
-      <dgm:whole/>
-    </dgm:dataModel>
-  </dgm:styleData>
-  <dgm:clrData>
-    <dgm:dataModel>
-      <dgm:ptLst>
-        <dgm:pt modelId="0" type="doc"/>
-        <dgm:pt modelId="1"/>
-        <dgm:pt modelId="2"/>
-        <dgm:pt modelId="3"/>
-        <dgm:pt modelId="4"/>
-      </dgm:ptLst>
-      <dgm:cxnLst>
-        <dgm:cxn modelId="5" srcId="0" destId="1" srcOrd="0" destOrd="0"/>
-        <dgm:cxn modelId="6" srcId="0" destId="2" srcOrd="1" destOrd="0"/>
-        <dgm:cxn modelId="7" srcId="0" destId="3" srcOrd="2" destOrd="0"/>
-        <dgm:cxn modelId="8" srcId="0" destId="4" srcOrd="3" destOrd="0"/>
-      </dgm:cxnLst>
-      <dgm:bg/>
-      <dgm:whole/>
-    </dgm:dataModel>
-  </dgm:clrData>
-  <dgm:layoutNode name="linear">
-    <dgm:varLst>
-      <dgm:animLvl val="lvl"/>
-      <dgm:resizeHandles val="exact"/>
-    </dgm:varLst>
-    <dgm:alg type="lin">
-      <dgm:param type="linDir" val="fromT"/>
-      <dgm:param type="vertAlign" val="mid"/>
-    </dgm:alg>
-    <dgm:shape xmlns:r="http://schemas.openxmlformats.org/officeDocument/2006/relationships" r:blip="">
-      <dgm:adjLst/>
-    </dgm:shape>
-    <dgm:presOf/>
-    <dgm:constrLst>
-      <dgm:constr type="w" for="ch" forName="parentText" refType="w"/>
-      <dgm:constr type="h" for="ch" forName="parentText" refType="primFontSz" refFor="ch" refForName="parentText" fact="0.52"/>
-      <dgm:constr type="w" for="ch" forName="childText" refType="w"/>
-      <dgm:constr type="h" for="ch" forName="childText" refType="primFontSz" refFor="ch" refForName="parentText" fact="0.46"/>
-      <dgm:constr type="h" for="ch" forName="parentText" op="equ"/>
-      <dgm:constr type="primFontSz" for="ch" forName="parentText" op="equ" val="65"/>
-      <dgm:constr type="primFontSz" for="ch" forName="childText" refType="primFontSz" refFor="ch" refForName="parentText" op="equ"/>
-      <dgm:constr type="h" for="ch" forName="spacer" refType="primFontSz" refFor="ch" refForName="parentText" fact="0.08"/>
-    </dgm:constrLst>
-    <dgm:ruleLst>
-      <dgm:rule type="primFontSz" for="ch" forName="parentText" val="5" fact="NaN" max="NaN"/>
-    </dgm:ruleLst>
-    <dgm:forEach name="Name0" axis="ch" ptType="node">
-      <dgm:layoutNode name="parentText" styleLbl="node1">
-        <dgm:varLst>
-          <dgm:chMax val="0"/>
-          <dgm:bulletEnabled val="1"/>
-        </dgm:varLst>
-        <dgm:alg type="tx">
-          <dgm:param type="parTxLTRAlign" val="l"/>
-          <dgm:param type="parTxRTLAlign" val="r"/>
-        </dgm:alg>
-        <dgm:shape xmlns:r="http://schemas.openxmlformats.org/officeDocument/2006/relationships" type="roundRect" r:blip="">
-          <dgm:adjLst/>
-        </dgm:shape>
-        <dgm:presOf axis="self"/>
-        <dgm:constrLst>
-          <dgm:constr type="tMarg" refType="primFontSz" fact="0.3"/>
-          <dgm:constr type="bMarg" refType="primFontSz" fact="0.3"/>
-          <dgm:constr type="lMarg" refType="primFontSz" fact="0.3"/>
-          <dgm:constr type="rMarg" refType="primFontSz" fact="0.3"/>
-        </dgm:constrLst>
-        <dgm:ruleLst>
-          <dgm:rule type="h" val="INF" fact="NaN" max="NaN"/>
-        </dgm:ruleLst>
-      </dgm:layoutNode>
-      <dgm:choose name="Name1">
-        <dgm:if name="Name2" axis="ch" ptType="node" func="cnt" op="gte" val="1">
-          <dgm:layoutNode name="childText" styleLbl="revTx">
-            <dgm:varLst>
-              <dgm:bulletEnabled val="1"/>
-            </dgm:varLst>
-            <dgm:alg type="tx">
-              <dgm:param type="stBulletLvl" val="1"/>
-              <dgm:param type="lnSpAfChP" val="20"/>
-            </dgm:alg>
-            <dgm:shape xmlns:r="http://schemas.openxmlformats.org/officeDocument/2006/relationships" type="rect" r:blip="">
-              <dgm:adjLst/>
-            </dgm:shape>
-            <dgm:presOf axis="des" ptType="node"/>
-            <dgm:constrLst>
-              <dgm:constr type="tMarg" refType="primFontSz" fact="0.1"/>
-              <dgm:constr type="bMarg" refType="primFontSz" fact="0.1"/>
-              <dgm:constr type="lMarg" refType="w" fact="0.09"/>
-            </dgm:constrLst>
-            <dgm:ruleLst>
-              <dgm:rule type="h" val="INF" fact="NaN" max="NaN"/>
-            </dgm:ruleLst>
-          </dgm:layoutNode>
-        </dgm:if>
-        <dgm:else name="Name3">
-          <dgm:choose name="Name4">
-            <dgm:if name="Name5" axis="par ch" ptType="doc node" func="cnt" op="gte" val="2">
-              <dgm:forEach name="Name6" axis="followSib" ptType="sibTrans" cnt="1">
-                <dgm:layoutNode name="spacer">
-                  <dgm:alg type="sp"/>
-                  <dgm:shape xmlns:r="http://schemas.openxmlformats.org/officeDocument/2006/relationships" r:blip="">
-                    <dgm:adjLst/>
-                  </dgm:shape>
-                  <dgm:presOf/>
-                  <dgm:constrLst/>
-                  <dgm:ruleLst/>
-                </dgm:layoutNode>
-              </dgm:forEach>
-            </dgm:if>
-            <dgm:else name="Name7"/>
-          </dgm:choose>
-        </dgm:else>
-      </dgm:choose>
-    </dgm:forEach>
-  </dgm:layoutNode>
-</dgm:layoutDef>
-</file>
-
-<file path=ppt/diagrams/quickStyle1.xml><?xml version="1.0" encoding="utf-8"?>
-<dgm:styleDef xmlns:dgm="http://schemas.openxmlformats.org/drawingml/2006/diagram" xmlns:a="http://schemas.openxmlformats.org/drawingml/2006/main" uniqueId="urn:microsoft.com/office/officeart/2005/8/quickstyle/simple1">
-  <dgm:title val=""/>
-  <dgm:desc val=""/>
-  <dgm:catLst>
-    <dgm:cat type="simple" pri="10100"/>
-  </dgm:catLst>
-  <dgm:scene3d>
-    <a:camera prst="orthographicFront"/>
-    <a:lightRig rig="threePt" dir="t"/>
-  </dgm:scene3d>
-  <dgm:styleLbl name="node0">
-    <dgm:scene3d>
-      <a:camera prst="orthographicFront"/>
-      <a:lightRig rig="threePt" dir="t"/>
-    </dgm:scene3d>
-    <dgm:sp3d/>
-    <dgm:txPr/>
-    <dgm:style>
-      <a:lnRef idx="2">
-        <a:scrgbClr r="0" g="0" b="0"/>
-      </a:lnRef>
-      <a:fillRef idx="1">
-        <a:scrgbClr r="0" g="0" b="0"/>
-      </a:fillRef>
-      <a:effectRef idx="0">
-        <a:scrgbClr r="0" g="0" b="0"/>
-      </a:effectRef>
-      <a:fontRef idx="minor">
-        <a:schemeClr val="lt1"/>
-      </a:fontRef>
-    </dgm:style>
-  </dgm:styleLbl>
-  <dgm:styleLbl name="lnNode1">
-    <dgm:scene3d>
-      <a:camera prst="orthographicFront"/>
-      <a:lightRig rig="threePt" dir="t"/>
-    </dgm:scene3d>
-    <dgm:sp3d/>
-    <dgm:txPr/>
-    <dgm:style>
-      <a:lnRef idx="2">
-        <a:scrgbClr r="0" g="0" b="0"/>
-      </a:lnRef>
-      <a:fillRef idx="1">
-        <a:scrgbClr r="0" g="0" b="0"/>
-      </a:fillRef>
-      <a:effectRef idx="0">
-        <a:scrgbClr r="0" g="0" b="0"/>
-      </a:effectRef>
-      <a:fontRef idx="minor">
-        <a:schemeClr val="lt1"/>
-      </a:fontRef>
-    </dgm:style>
-  </dgm:styleLbl>
-  <dgm:styleLbl name="vennNode1">
-    <dgm:scene3d>
-      <a:camera prst="orthographicFront"/>
-      <a:lightRig rig="threePt" dir="t"/>
-    </dgm:scene3d>
-    <dgm:sp3d/>
-    <dgm:txPr/>
-    <dgm:style>
-      <a:lnRef idx="2">
-        <a:scrgbClr r="0" g="0" b="0"/>
-      </a:lnRef>
-      <a:fillRef idx="1">
-        <a:scrgbClr r="0" g="0" b="0"/>
-      </a:fillRef>
-      <a:effectRef idx="0">
-        <a:scrgbClr r="0" g="0" b="0"/>
-      </a:effectRef>
-      <a:fontRef idx="minor">
-        <a:schemeClr val="tx1"/>
-      </a:fontRef>
-    </dgm:style>
-  </dgm:styleLbl>
-  <dgm:styleLbl name="alignNode1">
-    <dgm:scene3d>
-      <a:camera prst="orthographicFront"/>
-      <a:lightRig rig="threePt" dir="t"/>
-    </dgm:scene3d>
-    <dgm:sp3d/>
-    <dgm:txPr/>
-    <dgm:style>
-      <a:lnRef idx="2">
-        <a:scrgbClr r="0" g="0" b="0"/>
-      </a:lnRef>
-      <a:fillRef idx="1">
-        <a:scrgbClr r="0" g="0" b="0"/>
-      </a:fillRef>
-      <a:effectRef idx="0">
-        <a:scrgbClr r="0" g="0" b="0"/>
-      </a:effectRef>
-      <a:fontRef idx="minor">
-        <a:schemeClr val="lt1"/>
-      </a:fontRef>
-    </dgm:style>
-  </dgm:styleLbl>
-  <dgm:styleLbl name="node1">
-    <dgm:scene3d>
-      <a:camera prst="orthographicFront"/>
-      <a:lightRig rig="threePt" dir="t"/>
-    </dgm:scene3d>
-    <dgm:sp3d/>
-    <dgm:txPr/>
-    <dgm:style>
-      <a:lnRef idx="2">
-        <a:scrgbClr r="0" g="0" b="0"/>
-      </a:lnRef>
-      <a:fillRef idx="1">
-        <a:scrgbClr r="0" g="0" b="0"/>
-      </a:fillRef>
-      <a:effectRef idx="0">
-        <a:scrgbClr r="0" g="0" b="0"/>
-      </a:effectRef>
-      <a:fontRef idx="minor">
-        <a:schemeClr val="lt1"/>
-      </a:fontRef>
-    </dgm:style>
-  </dgm:styleLbl>
-  <dgm:styleLbl name="node2">
-    <dgm:scene3d>
-      <a:camera prst="orthographicFront"/>
-      <a:lightRig rig="threePt" dir="t"/>
-    </dgm:scene3d>
-    <dgm:sp3d/>
-    <dgm:txPr/>
-    <dgm:style>
-      <a:lnRef idx="2">
-        <a:scrgbClr r="0" g="0" b="0"/>
-      </a:lnRef>
-      <a:fillRef idx="1">
-        <a:scrgbClr r="0" g="0" b="0"/>
-      </a:fillRef>
-      <a:effectRef idx="0">
-        <a:scrgbClr r="0" g="0" b="0"/>
-      </a:effectRef>
-      <a:fontRef idx="minor">
-        <a:schemeClr val="lt1"/>
-      </a:fontRef>
-    </dgm:style>
-  </dgm:styleLbl>
-  <dgm:styleLbl name="node3">
-    <dgm:scene3d>
-      <a:camera prst="orthographicFront"/>
-      <a:lightRig rig="threePt" dir="t"/>
-    </dgm:scene3d>
-    <dgm:sp3d/>
-    <dgm:txPr/>
-    <dgm:style>
-      <a:lnRef idx="2">
-        <a:scrgbClr r="0" g="0" b="0"/>
-      </a:lnRef>
-      <a:fillRef idx="1">
-        <a:scrgbClr r="0" g="0" b="0"/>
-      </a:fillRef>
-      <a:effectRef idx="0">
-        <a:scrgbClr r="0" g="0" b="0"/>
-      </a:effectRef>
-      <a:fontRef idx="minor">
-        <a:schemeClr val="lt1"/>
-      </a:fontRef>
-    </dgm:style>
-  </dgm:styleLbl>
-  <dgm:styleLbl name="node4">
-    <dgm:scene3d>
-      <a:camera prst="orthographicFront"/>
-      <a:lightRig rig="threePt" dir="t"/>
-    </dgm:scene3d>
-    <dgm:sp3d/>
-    <dgm:txPr/>
-    <dgm:style>
-      <a:lnRef idx="2">
-        <a:scrgbClr r="0" g="0" b="0"/>
-      </a:lnRef>
-      <a:fillRef idx="1">
-        <a:scrgbClr r="0" g="0" b="0"/>
-      </a:fillRef>
-      <a:effectRef idx="0">
-        <a:scrgbClr r="0" g="0" b="0"/>
-      </a:effectRef>
-      <a:fontRef idx="minor">
-        <a:schemeClr val="lt1"/>
-      </a:fontRef>
-    </dgm:style>
-  </dgm:styleLbl>
-  <dgm:styleLbl name="fgImgPlace1">
-    <dgm:scene3d>
-      <a:camera prst="orthographicFront"/>
-      <a:lightRig rig="threePt" dir="t"/>
-    </dgm:scene3d>
-    <dgm:sp3d/>
-    <dgm:txPr/>
-    <dgm:style>
-      <a:lnRef idx="2">
-        <a:scrgbClr r="0" g="0" b="0"/>
-      </a:lnRef>
-      <a:fillRef idx="1">
-        <a:scrgbClr r="0" g="0" b="0"/>
-      </a:fillRef>
-      <a:effectRef idx="0">
-        <a:scrgbClr r="0" g="0" b="0"/>
-      </a:effectRef>
-      <a:fontRef idx="minor"/>
-    </dgm:style>
-  </dgm:styleLbl>
-  <dgm:styleLbl name="alignImgPlace1">
-    <dgm:scene3d>
-      <a:camera prst="orthographicFront"/>
-      <a:lightRig rig="threePt" dir="t"/>
-    </dgm:scene3d>
-    <dgm:sp3d/>
-    <dgm:txPr/>
-    <dgm:style>
-      <a:lnRef idx="2">
-        <a:scrgbClr r="0" g="0" b="0"/>
-      </a:lnRef>
-      <a:fillRef idx="1">
-        <a:scrgbClr r="0" g="0" b="0"/>
-      </a:fillRef>
-      <a:effectRef idx="0">
-        <a:scrgbClr r="0" g="0" b="0"/>
-      </a:effectRef>
-      <a:fontRef idx="minor"/>
-    </dgm:style>
-  </dgm:styleLbl>
-  <dgm:styleLbl name="bgImgPlace1">
-    <dgm:scene3d>
-      <a:camera prst="orthographicFront"/>
-      <a:lightRig rig="threePt" dir="t"/>
-    </dgm:scene3d>
-    <dgm:sp3d/>
-    <dgm:txPr/>
-    <dgm:style>
-      <a:lnRef idx="2">
-        <a:scrgbClr r="0" g="0" b="0"/>
-      </a:lnRef>
-      <a:fillRef idx="1">
-        <a:scrgbClr r="0" g="0" b="0"/>
-      </a:fillRef>
-      <a:effectRef idx="0">
-        <a:scrgbClr r="0" g="0" b="0"/>
-      </a:effectRef>
-      <a:fontRef idx="minor"/>
-    </dgm:style>
-  </dgm:styleLbl>
-  <dgm:styleLbl name="sibTrans2D1">
-    <dgm:scene3d>
-      <a:camera prst="orthographicFront"/>
-      <a:lightRig rig="threePt" dir="t"/>
-    </dgm:scene3d>
-    <dgm:sp3d/>
-    <dgm:txPr/>
-    <dgm:style>
-      <a:lnRef idx="0">
-        <a:scrgbClr r="0" g="0" b="0"/>
-      </a:lnRef>
-      <a:fillRef idx="1">
-        <a:scrgbClr r="0" g="0" b="0"/>
-      </a:fillRef>
-      <a:effectRef idx="0">
-        <a:scrgbClr r="0" g="0" b="0"/>
-      </a:effectRef>
-      <a:fontRef idx="minor">
-        <a:schemeClr val="lt1"/>
-      </a:fontRef>
-    </dgm:style>
-  </dgm:styleLbl>
-  <dgm:styleLbl name="fgSibTrans2D1">
-    <dgm:scene3d>
-      <a:camera prst="orthographicFront"/>
-      <a:lightRig rig="threePt" dir="t"/>
-    </dgm:scene3d>
-    <dgm:sp3d/>
-    <dgm:txPr/>
-    <dgm:style>
-      <a:lnRef idx="0">
-        <a:scrgbClr r="0" g="0" b="0"/>
-      </a:lnRef>
-      <a:fillRef idx="1">
-        <a:scrgbClr r="0" g="0" b="0"/>
-      </a:fillRef>
-      <a:effectRef idx="0">
-        <a:scrgbClr r="0" g="0" b="0"/>
-      </a:effectRef>
-      <a:fontRef idx="minor">
-        <a:schemeClr val="lt1"/>
-      </a:fontRef>
-    </dgm:style>
-  </dgm:styleLbl>
-  <dgm:styleLbl name="bgSibTrans2D1">
-    <dgm:scene3d>
-      <a:camera prst="orthographicFront"/>
-      <a:lightRig rig="threePt" dir="t"/>
-    </dgm:scene3d>
-    <dgm:sp3d/>
-    <dgm:txPr/>
-    <dgm:style>
-      <a:lnRef idx="0">
-        <a:scrgbClr r="0" g="0" b="0"/>
-      </a:lnRef>
-      <a:fillRef idx="1">
-        <a:scrgbClr r="0" g="0" b="0"/>
-      </a:fillRef>
-      <a:effectRef idx="0">
-        <a:scrgbClr r="0" g="0" b="0"/>
-      </a:effectRef>
-      <a:fontRef idx="minor">
-        <a:schemeClr val="lt1"/>
-      </a:fontRef>
-    </dgm:style>
-  </dgm:styleLbl>
-  <dgm:styleLbl name="sibTrans1D1">
-    <dgm:scene3d>
-      <a:camera prst="orthographicFront"/>
-      <a:lightRig rig="threePt" dir="t"/>
-    </dgm:scene3d>
-    <dgm:sp3d/>
-    <dgm:txPr/>
-    <dgm:style>
-      <a:lnRef idx="1">
-        <a:scrgbClr r="0" g="0" b="0"/>
-      </a:lnRef>
-      <a:fillRef idx="0">
-        <a:scrgbClr r="0" g="0" b="0"/>
-      </a:fillRef>
-      <a:effectRef idx="0">
-        <a:scrgbClr r="0" g="0" b="0"/>
-      </a:effectRef>
-      <a:fontRef idx="minor"/>
-    </dgm:style>
-  </dgm:styleLbl>
-  <dgm:styleLbl name="callout">
-    <dgm:scene3d>
-      <a:camera prst="orthographicFront"/>
-      <a:lightRig rig="threePt" dir="t"/>
-    </dgm:scene3d>
-    <dgm:sp3d/>
-    <dgm:txPr/>
-    <dgm:style>
-      <a:lnRef idx="2">
-        <a:scrgbClr r="0" g="0" b="0"/>
-      </a:lnRef>
-      <a:fillRef idx="1">
-        <a:scrgbClr r="0" g="0" b="0"/>
-      </a:fillRef>
-      <a:effectRef idx="0">
-        <a:scrgbClr r="0" g="0" b="0"/>
-      </a:effectRef>
-      <a:fontRef idx="minor"/>
-    </dgm:style>
-  </dgm:styleLbl>
-  <dgm:styleLbl name="asst0">
-    <dgm:scene3d>
-      <a:camera prst="orthographicFront"/>
-      <a:lightRig rig="threePt" dir="t"/>
-    </dgm:scene3d>
-    <dgm:sp3d/>
-    <dgm:txPr/>
-    <dgm:style>
-      <a:lnRef idx="2">
-        <a:scrgbClr r="0" g="0" b="0"/>
-      </a:lnRef>
-      <a:fillRef idx="1">
-        <a:scrgbClr r="0" g="0" b="0"/>
-      </a:fillRef>
-      <a:effectRef idx="0">
-        <a:scrgbClr r="0" g="0" b="0"/>
-      </a:effectRef>
-      <a:fontRef idx="minor">
-        <a:schemeClr val="lt1"/>
-      </a:fontRef>
-    </dgm:style>
-  </dgm:styleLbl>
-  <dgm:styleLbl name="asst1">
-    <dgm:scene3d>
-      <a:camera prst="orthographicFront"/>
-      <a:lightRig rig="threePt" dir="t"/>
-    </dgm:scene3d>
-    <dgm:sp3d/>
-    <dgm:txPr/>
-    <dgm:style>
-      <a:lnRef idx="2">
-        <a:scrgbClr r="0" g="0" b="0"/>
-      </a:lnRef>
-      <a:fillRef idx="1">
-        <a:scrgbClr r="0" g="0" b="0"/>
-      </a:fillRef>
-      <a:effectRef idx="0">
-        <a:scrgbClr r="0" g="0" b="0"/>
-      </a:effectRef>
-      <a:fontRef idx="minor">
-        <a:schemeClr val="lt1"/>
-      </a:fontRef>
-    </dgm:style>
-  </dgm:styleLbl>
-  <dgm:styleLbl name="asst2">
-    <dgm:scene3d>
-      <a:camera prst="orthographicFront"/>
-      <a:lightRig rig="threePt" dir="t"/>
-    </dgm:scene3d>
-    <dgm:sp3d/>
-    <dgm:txPr/>
-    <dgm:style>
-      <a:lnRef idx="2">
-        <a:scrgbClr r="0" g="0" b="0"/>
-      </a:lnRef>
-      <a:fillRef idx="1">
-        <a:scrgbClr r="0" g="0" b="0"/>
-      </a:fillRef>
-      <a:effectRef idx="0">
-        <a:scrgbClr r="0" g="0" b="0"/>
-      </a:effectRef>
-      <a:fontRef idx="minor">
-        <a:schemeClr val="lt1"/>
-      </a:fontRef>
-    </dgm:style>
-  </dgm:styleLbl>
-  <dgm:styleLbl name="asst3">
-    <dgm:scene3d>
-      <a:camera prst="orthographicFront"/>
-      <a:lightRig rig="threePt" dir="t"/>
-    </dgm:scene3d>
-    <dgm:sp3d/>
-    <dgm:txPr/>
-    <dgm:style>
-      <a:lnRef idx="2">
-        <a:scrgbClr r="0" g="0" b="0"/>
-      </a:lnRef>
-      <a:fillRef idx="1">
-        <a:scrgbClr r="0" g="0" b="0"/>
-      </a:fillRef>
-      <a:effectRef idx="0">
-        <a:scrgbClr r="0" g="0" b="0"/>
-      </a:effectRef>
-      <a:fontRef idx="minor">
-        <a:schemeClr val="lt1"/>
-      </a:fontRef>
-    </dgm:style>
-  </dgm:styleLbl>
-  <dgm:styleLbl name="asst4">
-    <dgm:scene3d>
-      <a:camera prst="orthographicFront"/>
-      <a:lightRig rig="threePt" dir="t"/>
-    </dgm:scene3d>
-    <dgm:sp3d/>
-    <dgm:txPr/>
-    <dgm:style>
-      <a:lnRef idx="2">
-        <a:scrgbClr r="0" g="0" b="0"/>
-      </a:lnRef>
-      <a:fillRef idx="1">
-        <a:scrgbClr r="0" g="0" b="0"/>
-      </a:fillRef>
-      <a:effectRef idx="0">
-        <a:scrgbClr r="0" g="0" b="0"/>
-      </a:effectRef>
-      <a:fontRef idx="minor">
-        <a:schemeClr val="lt1"/>
-      </a:fontRef>
-    </dgm:style>
-  </dgm:styleLbl>
-  <dgm:styleLbl name="parChTrans2D1">
-    <dgm:scene3d>
-      <a:camera prst="orthographicFront"/>
-      <a:lightRig rig="threePt" dir="t"/>
-    </dgm:scene3d>
-    <dgm:sp3d/>
-    <dgm:txPr/>
-    <dgm:style>
-      <a:lnRef idx="2">
-        <a:scrgbClr r="0" g="0" b="0"/>
-      </a:lnRef>
-      <a:fillRef idx="1">
-        <a:scrgbClr r="0" g="0" b="0"/>
-      </a:fillRef>
-      <a:effectRef idx="0">
-        <a:scrgbClr r="0" g="0" b="0"/>
-      </a:effectRef>
-      <a:fontRef idx="minor">
-        <a:schemeClr val="lt1"/>
-      </a:fontRef>
-    </dgm:style>
-  </dgm:styleLbl>
-  <dgm:styleLbl name="parChTrans2D2">
-    <dgm:scene3d>
-      <a:camera prst="orthographicFront"/>
-      <a:lightRig rig="threePt" dir="t"/>
-    </dgm:scene3d>
-    <dgm:sp3d/>
-    <dgm:txPr/>
-    <dgm:style>
-      <a:lnRef idx="2">
-        <a:scrgbClr r="0" g="0" b="0"/>
-      </a:lnRef>
-      <a:fillRef idx="1">
-        <a:scrgbClr r="0" g="0" b="0"/>
-      </a:fillRef>
-      <a:effectRef idx="0">
-        <a:scrgbClr r="0" g="0" b="0"/>
-      </a:effectRef>
-      <a:fontRef idx="minor">
-        <a:schemeClr val="lt1"/>
-      </a:fontRef>
-    </dgm:style>
-  </dgm:styleLbl>
-  <dgm:styleLbl name="parChTrans2D3">
-    <dgm:scene3d>
-      <a:camera prst="orthographicFront"/>
-      <a:lightRig rig="threePt" dir="t"/>
-    </dgm:scene3d>
-    <dgm:sp3d/>
-    <dgm:txPr/>
-    <dgm:style>
-      <a:lnRef idx="2">
-        <a:scrgbClr r="0" g="0" b="0"/>
-      </a:lnRef>
-      <a:fillRef idx="1">
-        <a:scrgbClr r="0" g="0" b="0"/>
-      </a:fillRef>
-      <a:effectRef idx="0">
-        <a:scrgbClr r="0" g="0" b="0"/>
-      </a:effectRef>
-      <a:fontRef idx="minor">
-        <a:schemeClr val="lt1"/>
-      </a:fontRef>
-    </dgm:style>
-  </dgm:styleLbl>
-  <dgm:styleLbl name="parChTrans2D4">
-    <dgm:scene3d>
-      <a:camera prst="orthographicFront"/>
-      <a:lightRig rig="threePt" dir="t"/>
-    </dgm:scene3d>
-    <dgm:sp3d/>
-    <dgm:txPr/>
-    <dgm:style>
-      <a:lnRef idx="2">
-        <a:scrgbClr r="0" g="0" b="0"/>
-      </a:lnRef>
-      <a:fillRef idx="1">
-        <a:scrgbClr r="0" g="0" b="0"/>
-      </a:fillRef>
-      <a:effectRef idx="0">
-        <a:scrgbClr r="0" g="0" b="0"/>
-      </a:effectRef>
-      <a:fontRef idx="minor">
-        <a:schemeClr val="lt1"/>
-      </a:fontRef>
-    </dgm:style>
-  </dgm:styleLbl>
-  <dgm:styleLbl name="parChTrans1D1">
-    <dgm:scene3d>
-      <a:camera prst="orthographicFront"/>
-      <a:lightRig rig="threePt" dir="t"/>
-    </dgm:scene3d>
-    <dgm:sp3d/>
-    <dgm:txPr/>
-    <dgm:style>
-      <a:lnRef idx="2">
-        <a:scrgbClr r="0" g="0" b="0"/>
-      </a:lnRef>
-      <a:fillRef idx="0">
-        <a:scrgbClr r="0" g="0" b="0"/>
-      </a:fillRef>
-      <a:effectRef idx="0">
-        <a:scrgbClr r="0" g="0" b="0"/>
-      </a:effectRef>
-      <a:fontRef idx="minor"/>
-    </dgm:style>
-  </dgm:styleLbl>
-  <dgm:styleLbl name="parChTrans1D2">
-    <dgm:scene3d>
-      <a:camera prst="orthographicFront"/>
-      <a:lightRig rig="threePt" dir="t"/>
-    </dgm:scene3d>
-    <dgm:sp3d/>
-    <dgm:txPr/>
-    <dgm:style>
-      <a:lnRef idx="2">
-        <a:scrgbClr r="0" g="0" b="0"/>
-      </a:lnRef>
-      <a:fillRef idx="0">
-        <a:scrgbClr r="0" g="0" b="0"/>
-      </a:fillRef>
-      <a:effectRef idx="0">
-        <a:scrgbClr r="0" g="0" b="0"/>
-      </a:effectRef>
-      <a:fontRef idx="minor"/>
-    </dgm:style>
-  </dgm:styleLbl>
-  <dgm:styleLbl name="parChTrans1D3">
-    <dgm:scene3d>
-      <a:camera prst="orthographicFront"/>
-      <a:lightRig rig="threePt" dir="t"/>
-    </dgm:scene3d>
-    <dgm:sp3d/>
-    <dgm:txPr/>
-    <dgm:style>
-      <a:lnRef idx="2">
-        <a:scrgbClr r="0" g="0" b="0"/>
-      </a:lnRef>
-      <a:fillRef idx="0">
-        <a:scrgbClr r="0" g="0" b="0"/>
-      </a:fillRef>
-      <a:effectRef idx="0">
-        <a:scrgbClr r="0" g="0" b="0"/>
-      </a:effectRef>
-      <a:fontRef idx="minor"/>
-    </dgm:style>
-  </dgm:styleLbl>
-  <dgm:styleLbl name="parChTrans1D4">
-    <dgm:scene3d>
-      <a:camera prst="orthographicFront"/>
-      <a:lightRig rig="threePt" dir="t"/>
-    </dgm:scene3d>
-    <dgm:sp3d/>
-    <dgm:txPr/>
-    <dgm:style>
-      <a:lnRef idx="2">
-        <a:scrgbClr r="0" g="0" b="0"/>
-      </a:lnRef>
-      <a:fillRef idx="0">
-        <a:scrgbClr r="0" g="0" b="0"/>
-      </a:fillRef>
-      <a:effectRef idx="0">
-        <a:scrgbClr r="0" g="0" b="0"/>
-      </a:effectRef>
-      <a:fontRef idx="minor"/>
-    </dgm:style>
-  </dgm:styleLbl>
-  <dgm:styleLbl name="fgAcc1">
-    <dgm:scene3d>
-      <a:camera prst="orthographicFront"/>
-      <a:lightRig rig="threePt" dir="t"/>
-    </dgm:scene3d>
-    <dgm:sp3d/>
-    <dgm:txPr/>
-    <dgm:style>
-      <a:lnRef idx="2">
-        <a:scrgbClr r="0" g="0" b="0"/>
-      </a:lnRef>
-      <a:fillRef idx="1">
-        <a:scrgbClr r="0" g="0" b="0"/>
-      </a:fillRef>
-      <a:effectRef idx="0">
-        <a:scrgbClr r="0" g="0" b="0"/>
-      </a:effectRef>
-      <a:fontRef idx="minor"/>
-    </dgm:style>
-  </dgm:styleLbl>
-  <dgm:styleLbl name="conFgAcc1">
-    <dgm:scene3d>
-      <a:camera prst="orthographicFront"/>
-      <a:lightRig rig="threePt" dir="t"/>
-    </dgm:scene3d>
-    <dgm:sp3d/>
-    <dgm:txPr/>
-    <dgm:style>
-      <a:lnRef idx="2">
-        <a:scrgbClr r="0" g="0" b="0"/>
-      </a:lnRef>
-      <a:fillRef idx="1">
-        <a:scrgbClr r="0" g="0" b="0"/>
-      </a:fillRef>
-      <a:effectRef idx="0">
-        <a:scrgbClr r="0" g="0" b="0"/>
-      </a:effectRef>
-      <a:fontRef idx="minor"/>
-    </dgm:style>
-  </dgm:styleLbl>
-  <dgm:styleLbl name="alignAcc1">
-    <dgm:scene3d>
-      <a:camera prst="orthographicFront"/>
-      <a:lightRig rig="threePt" dir="t"/>
-    </dgm:scene3d>
-    <dgm:sp3d/>
-    <dgm:txPr/>
-    <dgm:style>
-      <a:lnRef idx="2">
-        <a:scrgbClr r="0" g="0" b="0"/>
-      </a:lnRef>
-      <a:fillRef idx="1">
-        <a:scrgbClr r="0" g="0" b="0"/>
-      </a:fillRef>
-      <a:effectRef idx="0">
-        <a:scrgbClr r="0" g="0" b="0"/>
-      </a:effectRef>
-      <a:fontRef idx="minor"/>
-    </dgm:style>
-  </dgm:styleLbl>
-  <dgm:styleLbl name="trAlignAcc1">
-    <dgm:scene3d>
-      <a:camera prst="orthographicFront"/>
-      <a:lightRig rig="threePt" dir="t"/>
-    </dgm:scene3d>
-    <dgm:sp3d/>
-    <dgm:txPr/>
-    <dgm:style>
-      <a:lnRef idx="1">
-        <a:scrgbClr r="0" g="0" b="0"/>
-      </a:lnRef>
-      <a:fillRef idx="1">
-        <a:scrgbClr r="0" g="0" b="0"/>
-      </a:fillRef>
-      <a:effectRef idx="0">
-        <a:scrgbClr r="0" g="0" b="0"/>
-      </a:effectRef>
-      <a:fontRef idx="minor"/>
-    </dgm:style>
-  </dgm:styleLbl>
-  <dgm:styleLbl name="bgAcc1">
-    <dgm:scene3d>
-      <a:camera prst="orthographicFront"/>
-      <a:lightRig rig="threePt" dir="t"/>
-    </dgm:scene3d>
-    <dgm:sp3d/>
-    <dgm:txPr/>
-    <dgm:style>
-      <a:lnRef idx="2">
-        <a:scrgbClr r="0" g="0" b="0"/>
-      </a:lnRef>
-      <a:fillRef idx="1">
-        <a:scrgbClr r="0" g="0" b="0"/>
-      </a:fillRef>
-      <a:effectRef idx="0">
-        <a:scrgbClr r="0" g="0" b="0"/>
-      </a:effectRef>
-      <a:fontRef idx="minor"/>
-    </dgm:style>
-  </dgm:styleLbl>
-  <dgm:styleLbl name="solidFgAcc1">
-    <dgm:scene3d>
-      <a:camera prst="orthographicFront"/>
-      <a:lightRig rig="threePt" dir="t"/>
-    </dgm:scene3d>
-    <dgm:sp3d/>
-    <dgm:txPr/>
-    <dgm:style>
-      <a:lnRef idx="2">
-        <a:scrgbClr r="0" g="0" b="0"/>
-      </a:lnRef>
-      <a:fillRef idx="1">
-        <a:scrgbClr r="0" g="0" b="0"/>
-      </a:fillRef>
-      <a:effectRef idx="0">
-        <a:scrgbClr r="0" g="0" b="0"/>
-      </a:effectRef>
-      <a:fontRef idx="minor"/>
-    </dgm:style>
-  </dgm:styleLbl>
-  <dgm:styleLbl name="solidAlignAcc1">
-    <dgm:scene3d>
-      <a:camera prst="orthographicFront"/>
-      <a:lightRig rig="threePt" dir="t"/>
-    </dgm:scene3d>
-    <dgm:sp3d/>
-    <dgm:txPr/>
-    <dgm:style>
-      <a:lnRef idx="2">
-        <a:scrgbClr r="0" g="0" b="0"/>
-      </a:lnRef>
-      <a:fillRef idx="1">
-        <a:scrgbClr r="0" g="0" b="0"/>
-      </a:fillRef>
-      <a:effectRef idx="0">
-        <a:scrgbClr r="0" g="0" b="0"/>
-      </a:effectRef>
-      <a:fontRef idx="minor"/>
-    </dgm:style>
-  </dgm:styleLbl>
-  <dgm:styleLbl name="solidBgAcc1">
-    <dgm:scene3d>
-      <a:camera prst="orthographicFront"/>
-      <a:lightRig rig="threePt" dir="t"/>
-    </dgm:scene3d>
-    <dgm:sp3d/>
-    <dgm:txPr/>
-    <dgm:style>
-      <a:lnRef idx="2">
-        <a:scrgbClr r="0" g="0" b="0"/>
-      </a:lnRef>
-      <a:fillRef idx="1">
-        <a:scrgbClr r="0" g="0" b="0"/>
-      </a:fillRef>
-      <a:effectRef idx="0">
-        <a:scrgbClr r="0" g="0" b="0"/>
-      </a:effectRef>
-      <a:fontRef idx="minor"/>
-    </dgm:style>
-  </dgm:styleLbl>
-  <dgm:styleLbl name="fgAccFollowNode1">
-    <dgm:scene3d>
-      <a:camera prst="orthographicFront"/>
-      <a:lightRig rig="threePt" dir="t"/>
-    </dgm:scene3d>
-    <dgm:sp3d/>
-    <dgm:txPr/>
-    <dgm:style>
-      <a:lnRef idx="2">
-        <a:scrgbClr r="0" g="0" b="0"/>
-      </a:lnRef>
-      <a:fillRef idx="1">
-        <a:scrgbClr r="0" g="0" b="0"/>
-      </a:fillRef>
-      <a:effectRef idx="0">
-        <a:scrgbClr r="0" g="0" b="0"/>
-      </a:effectRef>
-      <a:fontRef idx="minor"/>
-    </dgm:style>
-  </dgm:styleLbl>
-  <dgm:styleLbl name="alignAccFollowNode1">
-    <dgm:scene3d>
-      <a:camera prst="orthographicFront"/>
-      <a:lightRig rig="threePt" dir="t"/>
-    </dgm:scene3d>
-    <dgm:sp3d/>
-    <dgm:txPr/>
-    <dgm:style>
-      <a:lnRef idx="2">
-        <a:scrgbClr r="0" g="0" b="0"/>
-      </a:lnRef>
-      <a:fillRef idx="1">
-        <a:scrgbClr r="0" g="0" b="0"/>
-      </a:fillRef>
-      <a:effectRef idx="0">
-        <a:scrgbClr r="0" g="0" b="0"/>
-      </a:effectRef>
-      <a:fontRef idx="minor"/>
-    </dgm:style>
-  </dgm:styleLbl>
-  <dgm:styleLbl name="bgAccFollowNode1">
-    <dgm:scene3d>
-      <a:camera prst="orthographicFront"/>
-      <a:lightRig rig="threePt" dir="t"/>
-    </dgm:scene3d>
-    <dgm:sp3d/>
-    <dgm:txPr/>
-    <dgm:style>
-      <a:lnRef idx="2">
-        <a:scrgbClr r="0" g="0" b="0"/>
-      </a:lnRef>
-      <a:fillRef idx="1">
-        <a:scrgbClr r="0" g="0" b="0"/>
-      </a:fillRef>
-      <a:effectRef idx="0">
-        <a:scrgbClr r="0" g="0" b="0"/>
-      </a:effectRef>
-      <a:fontRef idx="minor"/>
-    </dgm:style>
-  </dgm:styleLbl>
-  <dgm:styleLbl name="fgAcc0">
-    <dgm:scene3d>
-      <a:camera prst="orthographicFront"/>
-      <a:lightRig rig="threePt" dir="t"/>
-    </dgm:scene3d>
-    <dgm:sp3d/>
-    <dgm:txPr/>
-    <dgm:style>
-      <a:lnRef idx="2">
-        <a:scrgbClr r="0" g="0" b="0"/>
-      </a:lnRef>
-      <a:fillRef idx="1">
-        <a:scrgbClr r="0" g="0" b="0"/>
-      </a:fillRef>
-      <a:effectRef idx="0">
-        <a:scrgbClr r="0" g="0" b="0"/>
-      </a:effectRef>
-      <a:fontRef idx="minor"/>
-    </dgm:style>
-  </dgm:styleLbl>
-  <dgm:styleLbl name="fgAcc2">
-    <dgm:scene3d>
-      <a:camera prst="orthographicFront"/>
-      <a:lightRig rig="threePt" dir="t"/>
-    </dgm:scene3d>
-    <dgm:sp3d/>
-    <dgm:txPr/>
-    <dgm:style>
-      <a:lnRef idx="2">
-        <a:scrgbClr r="0" g="0" b="0"/>
-      </a:lnRef>
-      <a:fillRef idx="1">
-        <a:scrgbClr r="0" g="0" b="0"/>
-      </a:fillRef>
-      <a:effectRef idx="0">
-        <a:scrgbClr r="0" g="0" b="0"/>
-      </a:effectRef>
-      <a:fontRef idx="minor"/>
-    </dgm:style>
-  </dgm:styleLbl>
-  <dgm:styleLbl name="fgAcc3">
-    <dgm:scene3d>
-      <a:camera prst="orthographicFront"/>
-      <a:lightRig rig="threePt" dir="t"/>
-    </dgm:scene3d>
-    <dgm:sp3d/>
-    <dgm:txPr/>
-    <dgm:style>
-      <a:lnRef idx="2">
-        <a:scrgbClr r="0" g="0" b="0"/>
-      </a:lnRef>
-      <a:fillRef idx="1">
-        <a:scrgbClr r="0" g="0" b="0"/>
-      </a:fillRef>
-      <a:effectRef idx="0">
-        <a:scrgbClr r="0" g="0" b="0"/>
-      </a:effectRef>
-      <a:fontRef idx="minor"/>
-    </dgm:style>
-  </dgm:styleLbl>
-  <dgm:styleLbl name="fgAcc4">
-    <dgm:scene3d>
-      <a:camera prst="orthographicFront"/>
-      <a:lightRig rig="threePt" dir="t"/>
-    </dgm:scene3d>
-    <dgm:sp3d/>
-    <dgm:txPr/>
-    <dgm:style>
-      <a:lnRef idx="2">
-        <a:scrgbClr r="0" g="0" b="0"/>
-      </a:lnRef>
-      <a:fillRef idx="1">
-        <a:scrgbClr r="0" g="0" b="0"/>
-      </a:fillRef>
-      <a:effectRef idx="0">
-        <a:scrgbClr r="0" g="0" b="0"/>
-      </a:effectRef>
-      <a:fontRef idx="minor"/>
-    </dgm:style>
-  </dgm:styleLbl>
-  <dgm:styleLbl name="bgShp">
-    <dgm:scene3d>
-      <a:camera prst="orthographicFront"/>
-      <a:lightRig rig="threePt" dir="t"/>
-    </dgm:scene3d>
-    <dgm:sp3d/>
-    <dgm:txPr/>
-    <dgm:style>
-      <a:lnRef idx="0">
-        <a:scrgbClr r="0" g="0" b="0"/>
-      </a:lnRef>
-      <a:fillRef idx="1">
-        <a:scrgbClr r="0" g="0" b="0"/>
-      </a:fillRef>
-      <a:effectRef idx="0">
-        <a:scrgbClr r="0" g="0" b="0"/>
-      </a:effectRef>
-      <a:fontRef idx="minor"/>
-    </dgm:style>
-  </dgm:styleLbl>
-  <dgm:styleLbl name="dkBgShp">
-    <dgm:scene3d>
-      <a:camera prst="orthographicFront"/>
-      <a:lightRig rig="threePt" dir="t"/>
-    </dgm:scene3d>
-    <dgm:sp3d/>
-    <dgm:txPr/>
-    <dgm:style>
-      <a:lnRef idx="0">
-        <a:scrgbClr r="0" g="0" b="0"/>
-      </a:lnRef>
-      <a:fillRef idx="1">
-        <a:scrgbClr r="0" g="0" b="0"/>
-      </a:fillRef>
-      <a:effectRef idx="0">
-        <a:scrgbClr r="0" g="0" b="0"/>
-      </a:effectRef>
-      <a:fontRef idx="minor"/>
-    </dgm:style>
-  </dgm:styleLbl>
-  <dgm:styleLbl name="trBgShp">
-    <dgm:scene3d>
-      <a:camera prst="orthographicFront"/>
-      <a:lightRig rig="threePt" dir="t"/>
-    </dgm:scene3d>
-    <dgm:sp3d/>
-    <dgm:txPr/>
-    <dgm:style>
-      <a:lnRef idx="0">
-        <a:scrgbClr r="0" g="0" b="0"/>
-      </a:lnRef>
-      <a:fillRef idx="1">
-        <a:scrgbClr r="0" g="0" b="0"/>
-      </a:fillRef>
-      <a:effectRef idx="0">
-        <a:scrgbClr r="0" g="0" b="0"/>
-      </a:effectRef>
-      <a:fontRef idx="minor"/>
-    </dgm:style>
-  </dgm:styleLbl>
-  <dgm:styleLbl name="fgShp">
-    <dgm:scene3d>
-      <a:camera prst="orthographicFront"/>
-      <a:lightRig rig="threePt" dir="t"/>
-    </dgm:scene3d>
-    <dgm:sp3d/>
-    <dgm:txPr/>
-    <dgm:style>
-      <a:lnRef idx="2">
-        <a:scrgbClr r="0" g="0" b="0"/>
-      </a:lnRef>
-      <a:fillRef idx="1">
-        <a:scrgbClr r="0" g="0" b="0"/>
-      </a:fillRef>
-      <a:effectRef idx="0">
-        <a:scrgbClr r="0" g="0" b="0"/>
-      </a:effectRef>
-      <a:fontRef idx="minor"/>
-    </dgm:style>
-  </dgm:styleLbl>
-  <dgm:styleLbl name="revTx">
-    <dgm:scene3d>
-      <a:camera prst="orthographicFront"/>
-      <a:lightRig rig="threePt" dir="t"/>
-    </dgm:scene3d>
-    <dgm:sp3d/>
-    <dgm:txPr/>
-    <dgm:style>
-      <a:lnRef idx="0">
-        <a:scrgbClr r="0" g="0" b="0"/>
-      </a:lnRef>
-      <a:fillRef idx="0">
-        <a:scrgbClr r="0" g="0" b="0"/>
-      </a:fillRef>
-      <a:effectRef idx="0">
-        <a:scrgbClr r="0" g="0" b="0"/>
-      </a:effectRef>
-      <a:fontRef idx="minor"/>
-    </dgm:style>
-  </dgm:styleLbl>
-</dgm:styleDef>
-</file>
-
-<file path=ppt/diagrams/quickStyle2.xml><?xml version="1.0" encoding="utf-8"?>
-<dgm:styleDef xmlns:dgm="http://schemas.openxmlformats.org/drawingml/2006/diagram" xmlns:a="http://schemas.openxmlformats.org/drawingml/2006/main" uniqueId="urn:microsoft.com/office/officeart/2005/8/quickstyle/simple1">
-  <dgm:title val=""/>
-  <dgm:desc val=""/>
-  <dgm:catLst>
-    <dgm:cat type="simple" pri="10100"/>
-  </dgm:catLst>
-  <dgm:scene3d>
-    <a:camera prst="orthographicFront"/>
-    <a:lightRig rig="threePt" dir="t"/>
-  </dgm:scene3d>
-  <dgm:styleLbl name="node0">
-    <dgm:scene3d>
-      <a:camera prst="orthographicFront"/>
-      <a:lightRig rig="threePt" dir="t"/>
-    </dgm:scene3d>
-    <dgm:sp3d/>
-    <dgm:txPr/>
-    <dgm:style>
-      <a:lnRef idx="2">
-        <a:scrgbClr r="0" g="0" b="0"/>
-      </a:lnRef>
-      <a:fillRef idx="1">
-        <a:scrgbClr r="0" g="0" b="0"/>
-      </a:fillRef>
-      <a:effectRef idx="0">
-        <a:scrgbClr r="0" g="0" b="0"/>
-      </a:effectRef>
-      <a:fontRef idx="minor">
-        <a:schemeClr val="lt1"/>
-      </a:fontRef>
-    </dgm:style>
-  </dgm:styleLbl>
-  <dgm:styleLbl name="lnNode1">
-    <dgm:scene3d>
-      <a:camera prst="orthographicFront"/>
-      <a:lightRig rig="threePt" dir="t"/>
-    </dgm:scene3d>
-    <dgm:sp3d/>
-    <dgm:txPr/>
-    <dgm:style>
-      <a:lnRef idx="2">
-        <a:scrgbClr r="0" g="0" b="0"/>
-      </a:lnRef>
-      <a:fillRef idx="1">
-        <a:scrgbClr r="0" g="0" b="0"/>
-      </a:fillRef>
-      <a:effectRef idx="0">
-        <a:scrgbClr r="0" g="0" b="0"/>
-      </a:effectRef>
-      <a:fontRef idx="minor">
-        <a:schemeClr val="lt1"/>
-      </a:fontRef>
-    </dgm:style>
-  </dgm:styleLbl>
-  <dgm:styleLbl name="vennNode1">
-    <dgm:scene3d>
-      <a:camera prst="orthographicFront"/>
-      <a:lightRig rig="threePt" dir="t"/>
-    </dgm:scene3d>
-    <dgm:sp3d/>
-    <dgm:txPr/>
-    <dgm:style>
-      <a:lnRef idx="2">
-        <a:scrgbClr r="0" g="0" b="0"/>
-      </a:lnRef>
-      <a:fillRef idx="1">
-        <a:scrgbClr r="0" g="0" b="0"/>
-      </a:fillRef>
-      <a:effectRef idx="0">
-        <a:scrgbClr r="0" g="0" b="0"/>
-      </a:effectRef>
-      <a:fontRef idx="minor">
-        <a:schemeClr val="tx1"/>
-      </a:fontRef>
-    </dgm:style>
-  </dgm:styleLbl>
-  <dgm:styleLbl name="alignNode1">
-    <dgm:scene3d>
-      <a:camera prst="orthographicFront"/>
-      <a:lightRig rig="threePt" dir="t"/>
-    </dgm:scene3d>
-    <dgm:sp3d/>
-    <dgm:txPr/>
-    <dgm:style>
-      <a:lnRef idx="2">
-        <a:scrgbClr r="0" g="0" b="0"/>
-      </a:lnRef>
-      <a:fillRef idx="1">
-        <a:scrgbClr r="0" g="0" b="0"/>
-      </a:fillRef>
-      <a:effectRef idx="0">
-        <a:scrgbClr r="0" g="0" b="0"/>
-      </a:effectRef>
-      <a:fontRef idx="minor">
-        <a:schemeClr val="lt1"/>
-      </a:fontRef>
-    </dgm:style>
-  </dgm:styleLbl>
-  <dgm:styleLbl name="node1">
-    <dgm:scene3d>
-      <a:camera prst="orthographicFront"/>
-      <a:lightRig rig="threePt" dir="t"/>
-    </dgm:scene3d>
-    <dgm:sp3d/>
-    <dgm:txPr/>
-    <dgm:style>
-      <a:lnRef idx="2">
-        <a:scrgbClr r="0" g="0" b="0"/>
-      </a:lnRef>
-      <a:fillRef idx="1">
-        <a:scrgbClr r="0" g="0" b="0"/>
-      </a:fillRef>
-      <a:effectRef idx="0">
-        <a:scrgbClr r="0" g="0" b="0"/>
-      </a:effectRef>
-      <a:fontRef idx="minor">
-        <a:schemeClr val="lt1"/>
-      </a:fontRef>
-    </dgm:style>
-  </dgm:styleLbl>
-  <dgm:styleLbl name="node2">
-    <dgm:scene3d>
-      <a:camera prst="orthographicFront"/>
-      <a:lightRig rig="threePt" dir="t"/>
-    </dgm:scene3d>
-    <dgm:sp3d/>
-    <dgm:txPr/>
-    <dgm:style>
-      <a:lnRef idx="2">
-        <a:scrgbClr r="0" g="0" b="0"/>
-      </a:lnRef>
-      <a:fillRef idx="1">
-        <a:scrgbClr r="0" g="0" b="0"/>
-      </a:fillRef>
-      <a:effectRef idx="0">
-        <a:scrgbClr r="0" g="0" b="0"/>
-      </a:effectRef>
-      <a:fontRef idx="minor">
-        <a:schemeClr val="lt1"/>
-      </a:fontRef>
-    </dgm:style>
-  </dgm:styleLbl>
-  <dgm:styleLbl name="node3">
-    <dgm:scene3d>
-      <a:camera prst="orthographicFront"/>
-      <a:lightRig rig="threePt" dir="t"/>
-    </dgm:scene3d>
-    <dgm:sp3d/>
-    <dgm:txPr/>
-    <dgm:style>
-      <a:lnRef idx="2">
-        <a:scrgbClr r="0" g="0" b="0"/>
-      </a:lnRef>
-      <a:fillRef idx="1">
-        <a:scrgbClr r="0" g="0" b="0"/>
-      </a:fillRef>
-      <a:effectRef idx="0">
-        <a:scrgbClr r="0" g="0" b="0"/>
-      </a:effectRef>
-      <a:fontRef idx="minor">
-        <a:schemeClr val="lt1"/>
-      </a:fontRef>
-    </dgm:style>
-  </dgm:styleLbl>
-  <dgm:styleLbl name="node4">
-    <dgm:scene3d>
-      <a:camera prst="orthographicFront"/>
-      <a:lightRig rig="threePt" dir="t"/>
-    </dgm:scene3d>
-    <dgm:sp3d/>
-    <dgm:txPr/>
-    <dgm:style>
-      <a:lnRef idx="2">
-        <a:scrgbClr r="0" g="0" b="0"/>
-      </a:lnRef>
-      <a:fillRef idx="1">
-        <a:scrgbClr r="0" g="0" b="0"/>
-      </a:fillRef>
-      <a:effectRef idx="0">
-        <a:scrgbClr r="0" g="0" b="0"/>
-      </a:effectRef>
-      <a:fontRef idx="minor">
-        <a:schemeClr val="lt1"/>
-      </a:fontRef>
-    </dgm:style>
-  </dgm:styleLbl>
-  <dgm:styleLbl name="fgImgPlace1">
-    <dgm:scene3d>
-      <a:camera prst="orthographicFront"/>
-      <a:lightRig rig="threePt" dir="t"/>
-    </dgm:scene3d>
-    <dgm:sp3d/>
-    <dgm:txPr/>
-    <dgm:style>
-      <a:lnRef idx="2">
-        <a:scrgbClr r="0" g="0" b="0"/>
-      </a:lnRef>
-      <a:fillRef idx="1">
-        <a:scrgbClr r="0" g="0" b="0"/>
-      </a:fillRef>
-      <a:effectRef idx="0">
-        <a:scrgbClr r="0" g="0" b="0"/>
-      </a:effectRef>
-      <a:fontRef idx="minor"/>
-    </dgm:style>
-  </dgm:styleLbl>
-  <dgm:styleLbl name="alignImgPlace1">
-    <dgm:scene3d>
-      <a:camera prst="orthographicFront"/>
-      <a:lightRig rig="threePt" dir="t"/>
-    </dgm:scene3d>
-    <dgm:sp3d/>
-    <dgm:txPr/>
-    <dgm:style>
-      <a:lnRef idx="2">
-        <a:scrgbClr r="0" g="0" b="0"/>
-      </a:lnRef>
-      <a:fillRef idx="1">
-        <a:scrgbClr r="0" g="0" b="0"/>
-      </a:fillRef>
-      <a:effectRef idx="0">
-        <a:scrgbClr r="0" g="0" b="0"/>
-      </a:effectRef>
-      <a:fontRef idx="minor"/>
-    </dgm:style>
-  </dgm:styleLbl>
-  <dgm:styleLbl name="bgImgPlace1">
-    <dgm:scene3d>
-      <a:camera prst="orthographicFront"/>
-      <a:lightRig rig="threePt" dir="t"/>
-    </dgm:scene3d>
-    <dgm:sp3d/>
-    <dgm:txPr/>
-    <dgm:style>
-      <a:lnRef idx="2">
-        <a:scrgbClr r="0" g="0" b="0"/>
-      </a:lnRef>
-      <a:fillRef idx="1">
-        <a:scrgbClr r="0" g="0" b="0"/>
-      </a:fillRef>
-      <a:effectRef idx="0">
-        <a:scrgbClr r="0" g="0" b="0"/>
-      </a:effectRef>
-      <a:fontRef idx="minor"/>
-    </dgm:style>
-  </dgm:styleLbl>
-  <dgm:styleLbl name="sibTrans2D1">
-    <dgm:scene3d>
-      <a:camera prst="orthographicFront"/>
-      <a:lightRig rig="threePt" dir="t"/>
-    </dgm:scene3d>
-    <dgm:sp3d/>
-    <dgm:txPr/>
-    <dgm:style>
-      <a:lnRef idx="0">
-        <a:scrgbClr r="0" g="0" b="0"/>
-      </a:lnRef>
-      <a:fillRef idx="1">
-        <a:scrgbClr r="0" g="0" b="0"/>
-      </a:fillRef>
-      <a:effectRef idx="0">
-        <a:scrgbClr r="0" g="0" b="0"/>
-      </a:effectRef>
-      <a:fontRef idx="minor">
-        <a:schemeClr val="lt1"/>
-      </a:fontRef>
-    </dgm:style>
-  </dgm:styleLbl>
-  <dgm:styleLbl name="fgSibTrans2D1">
-    <dgm:scene3d>
-      <a:camera prst="orthographicFront"/>
-      <a:lightRig rig="threePt" dir="t"/>
-    </dgm:scene3d>
-    <dgm:sp3d/>
-    <dgm:txPr/>
-    <dgm:style>
-      <a:lnRef idx="0">
-        <a:scrgbClr r="0" g="0" b="0"/>
-      </a:lnRef>
-      <a:fillRef idx="1">
-        <a:scrgbClr r="0" g="0" b="0"/>
-      </a:fillRef>
-      <a:effectRef idx="0">
-        <a:scrgbClr r="0" g="0" b="0"/>
-      </a:effectRef>
-      <a:fontRef idx="minor">
-        <a:schemeClr val="lt1"/>
-      </a:fontRef>
-    </dgm:style>
-  </dgm:styleLbl>
-  <dgm:styleLbl name="bgSibTrans2D1">
-    <dgm:scene3d>
-      <a:camera prst="orthographicFront"/>
-      <a:lightRig rig="threePt" dir="t"/>
-    </dgm:scene3d>
-    <dgm:sp3d/>
-    <dgm:txPr/>
-    <dgm:style>
-      <a:lnRef idx="0">
-        <a:scrgbClr r="0" g="0" b="0"/>
-      </a:lnRef>
-      <a:fillRef idx="1">
-        <a:scrgbClr r="0" g="0" b="0"/>
-      </a:fillRef>
-      <a:effectRef idx="0">
-        <a:scrgbClr r="0" g="0" b="0"/>
-      </a:effectRef>
-      <a:fontRef idx="minor">
-        <a:schemeClr val="lt1"/>
-      </a:fontRef>
-    </dgm:style>
-  </dgm:styleLbl>
-  <dgm:styleLbl name="sibTrans1D1">
-    <dgm:scene3d>
-      <a:camera prst="orthographicFront"/>
-      <a:lightRig rig="threePt" dir="t"/>
-    </dgm:scene3d>
-    <dgm:sp3d/>
-    <dgm:txPr/>
-    <dgm:style>
-      <a:lnRef idx="1">
-        <a:scrgbClr r="0" g="0" b="0"/>
-      </a:lnRef>
-      <a:fillRef idx="0">
-        <a:scrgbClr r="0" g="0" b="0"/>
-      </a:fillRef>
-      <a:effectRef idx="0">
-        <a:scrgbClr r="0" g="0" b="0"/>
-      </a:effectRef>
-      <a:fontRef idx="minor"/>
-    </dgm:style>
-  </dgm:styleLbl>
-  <dgm:styleLbl name="callout">
-    <dgm:scene3d>
-      <a:camera prst="orthographicFront"/>
-      <a:lightRig rig="threePt" dir="t"/>
-    </dgm:scene3d>
-    <dgm:sp3d/>
-    <dgm:txPr/>
-    <dgm:style>
-      <a:lnRef idx="2">
-        <a:scrgbClr r="0" g="0" b="0"/>
-      </a:lnRef>
-      <a:fillRef idx="1">
-        <a:scrgbClr r="0" g="0" b="0"/>
-      </a:fillRef>
-      <a:effectRef idx="0">
-        <a:scrgbClr r="0" g="0" b="0"/>
-      </a:effectRef>
-      <a:fontRef idx="minor"/>
-    </dgm:style>
-  </dgm:styleLbl>
-  <dgm:styleLbl name="asst0">
-    <dgm:scene3d>
-      <a:camera prst="orthographicFront"/>
-      <a:lightRig rig="threePt" dir="t"/>
-    </dgm:scene3d>
-    <dgm:sp3d/>
-    <dgm:txPr/>
-    <dgm:style>
-      <a:lnRef idx="2">
-        <a:scrgbClr r="0" g="0" b="0"/>
-      </a:lnRef>
-      <a:fillRef idx="1">
-        <a:scrgbClr r="0" g="0" b="0"/>
-      </a:fillRef>
-      <a:effectRef idx="0">
-        <a:scrgbClr r="0" g="0" b="0"/>
-      </a:effectRef>
-      <a:fontRef idx="minor">
-        <a:schemeClr val="lt1"/>
-      </a:fontRef>
-    </dgm:style>
-  </dgm:styleLbl>
-  <dgm:styleLbl name="asst1">
-    <dgm:scene3d>
-      <a:camera prst="orthographicFront"/>
-      <a:lightRig rig="threePt" dir="t"/>
-    </dgm:scene3d>
-    <dgm:sp3d/>
-    <dgm:txPr/>
-    <dgm:style>
-      <a:lnRef idx="2">
-        <a:scrgbClr r="0" g="0" b="0"/>
-      </a:lnRef>
-      <a:fillRef idx="1">
-        <a:scrgbClr r="0" g="0" b="0"/>
-      </a:fillRef>
-      <a:effectRef idx="0">
-        <a:scrgbClr r="0" g="0" b="0"/>
-      </a:effectRef>
-      <a:fontRef idx="minor">
-        <a:schemeClr val="lt1"/>
-      </a:fontRef>
-    </dgm:style>
-  </dgm:styleLbl>
-  <dgm:styleLbl name="asst2">
-    <dgm:scene3d>
-      <a:camera prst="orthographicFront"/>
-      <a:lightRig rig="threePt" dir="t"/>
-    </dgm:scene3d>
-    <dgm:sp3d/>
-    <dgm:txPr/>
-    <dgm:style>
-      <a:lnRef idx="2">
-        <a:scrgbClr r="0" g="0" b="0"/>
-      </a:lnRef>
-      <a:fillRef idx="1">
-        <a:scrgbClr r="0" g="0" b="0"/>
-      </a:fillRef>
-      <a:effectRef idx="0">
-        <a:scrgbClr r="0" g="0" b="0"/>
-      </a:effectRef>
-      <a:fontRef idx="minor">
-        <a:schemeClr val="lt1"/>
-      </a:fontRef>
-    </dgm:style>
-  </dgm:styleLbl>
-  <dgm:styleLbl name="asst3">
-    <dgm:scene3d>
-      <a:camera prst="orthographicFront"/>
-      <a:lightRig rig="threePt" dir="t"/>
-    </dgm:scene3d>
-    <dgm:sp3d/>
-    <dgm:txPr/>
-    <dgm:style>
-      <a:lnRef idx="2">
-        <a:scrgbClr r="0" g="0" b="0"/>
-      </a:lnRef>
-      <a:fillRef idx="1">
-        <a:scrgbClr r="0" g="0" b="0"/>
-      </a:fillRef>
-      <a:effectRef idx="0">
-        <a:scrgbClr r="0" g="0" b="0"/>
-      </a:effectRef>
-      <a:fontRef idx="minor">
-        <a:schemeClr val="lt1"/>
-      </a:fontRef>
-    </dgm:style>
-  </dgm:styleLbl>
-  <dgm:styleLbl name="asst4">
-    <dgm:scene3d>
-      <a:camera prst="orthographicFront"/>
-      <a:lightRig rig="threePt" dir="t"/>
-    </dgm:scene3d>
-    <dgm:sp3d/>
-    <dgm:txPr/>
-    <dgm:style>
-      <a:lnRef idx="2">
-        <a:scrgbClr r="0" g="0" b="0"/>
-      </a:lnRef>
-      <a:fillRef idx="1">
-        <a:scrgbClr r="0" g="0" b="0"/>
-      </a:fillRef>
-      <a:effectRef idx="0">
-        <a:scrgbClr r="0" g="0" b="0"/>
-      </a:effectRef>
-      <a:fontRef idx="minor">
-        <a:schemeClr val="lt1"/>
-      </a:fontRef>
-    </dgm:style>
-  </dgm:styleLbl>
-  <dgm:styleLbl name="parChTrans2D1">
-    <dgm:scene3d>
-      <a:camera prst="orthographicFront"/>
-      <a:lightRig rig="threePt" dir="t"/>
-    </dgm:scene3d>
-    <dgm:sp3d/>
-    <dgm:txPr/>
-    <dgm:style>
-      <a:lnRef idx="2">
-        <a:scrgbClr r="0" g="0" b="0"/>
-      </a:lnRef>
-      <a:fillRef idx="1">
-        <a:scrgbClr r="0" g="0" b="0"/>
-      </a:fillRef>
-      <a:effectRef idx="0">
-        <a:scrgbClr r="0" g="0" b="0"/>
-      </a:effectRef>
-      <a:fontRef idx="minor">
-        <a:schemeClr val="lt1"/>
-      </a:fontRef>
-    </dgm:style>
-  </dgm:styleLbl>
-  <dgm:styleLbl name="parChTrans2D2">
-    <dgm:scene3d>
-      <a:camera prst="orthographicFront"/>
-      <a:lightRig rig="threePt" dir="t"/>
-    </dgm:scene3d>
-    <dgm:sp3d/>
-    <dgm:txPr/>
-    <dgm:style>
-      <a:lnRef idx="2">
-        <a:scrgbClr r="0" g="0" b="0"/>
-      </a:lnRef>
-      <a:fillRef idx="1">
-        <a:scrgbClr r="0" g="0" b="0"/>
-      </a:fillRef>
-      <a:effectRef idx="0">
-        <a:scrgbClr r="0" g="0" b="0"/>
-      </a:effectRef>
-      <a:fontRef idx="minor">
-        <a:schemeClr val="lt1"/>
-      </a:fontRef>
-    </dgm:style>
-  </dgm:styleLbl>
-  <dgm:styleLbl name="parChTrans2D3">
-    <dgm:scene3d>
-      <a:camera prst="orthographicFront"/>
-      <a:lightRig rig="threePt" dir="t"/>
-    </dgm:scene3d>
-    <dgm:sp3d/>
-    <dgm:txPr/>
-    <dgm:style>
-      <a:lnRef idx="2">
-        <a:scrgbClr r="0" g="0" b="0"/>
-      </a:lnRef>
-      <a:fillRef idx="1">
-        <a:scrgbClr r="0" g="0" b="0"/>
-      </a:fillRef>
-      <a:effectRef idx="0">
-        <a:scrgbClr r="0" g="0" b="0"/>
-      </a:effectRef>
-      <a:fontRef idx="minor">
-        <a:schemeClr val="lt1"/>
-      </a:fontRef>
-    </dgm:style>
-  </dgm:styleLbl>
-  <dgm:styleLbl name="parChTrans2D4">
-    <dgm:scene3d>
-      <a:camera prst="orthographicFront"/>
-      <a:lightRig rig="threePt" dir="t"/>
-    </dgm:scene3d>
-    <dgm:sp3d/>
-    <dgm:txPr/>
-    <dgm:style>
-      <a:lnRef idx="2">
-        <a:scrgbClr r="0" g="0" b="0"/>
-      </a:lnRef>
-      <a:fillRef idx="1">
-        <a:scrgbClr r="0" g="0" b="0"/>
-      </a:fillRef>
-      <a:effectRef idx="0">
-        <a:scrgbClr r="0" g="0" b="0"/>
-      </a:effectRef>
-      <a:fontRef idx="minor">
-        <a:schemeClr val="lt1"/>
-      </a:fontRef>
-    </dgm:style>
-  </dgm:styleLbl>
-  <dgm:styleLbl name="parChTrans1D1">
-    <dgm:scene3d>
-      <a:camera prst="orthographicFront"/>
-      <a:lightRig rig="threePt" dir="t"/>
-    </dgm:scene3d>
-    <dgm:sp3d/>
-    <dgm:txPr/>
-    <dgm:style>
-      <a:lnRef idx="2">
-        <a:scrgbClr r="0" g="0" b="0"/>
-      </a:lnRef>
-      <a:fillRef idx="0">
-        <a:scrgbClr r="0" g="0" b="0"/>
-      </a:fillRef>
-      <a:effectRef idx="0">
-        <a:scrgbClr r="0" g="0" b="0"/>
-      </a:effectRef>
-      <a:fontRef idx="minor"/>
-    </dgm:style>
-  </dgm:styleLbl>
-  <dgm:styleLbl name="parChTrans1D2">
-    <dgm:scene3d>
-      <a:camera prst="orthographicFront"/>
-      <a:lightRig rig="threePt" dir="t"/>
-    </dgm:scene3d>
-    <dgm:sp3d/>
-    <dgm:txPr/>
-    <dgm:style>
-      <a:lnRef idx="2">
-        <a:scrgbClr r="0" g="0" b="0"/>
-      </a:lnRef>
-      <a:fillRef idx="0">
-        <a:scrgbClr r="0" g="0" b="0"/>
-      </a:fillRef>
-      <a:effectRef idx="0">
-        <a:scrgbClr r="0" g="0" b="0"/>
-      </a:effectRef>
-      <a:fontRef idx="minor"/>
-    </dgm:style>
-  </dgm:styleLbl>
-  <dgm:styleLbl name="parChTrans1D3">
-    <dgm:scene3d>
-      <a:camera prst="orthographicFront"/>
-      <a:lightRig rig="threePt" dir="t"/>
-    </dgm:scene3d>
-    <dgm:sp3d/>
-    <dgm:txPr/>
-    <dgm:style>
-      <a:lnRef idx="2">
-        <a:scrgbClr r="0" g="0" b="0"/>
-      </a:lnRef>
-      <a:fillRef idx="0">
-        <a:scrgbClr r="0" g="0" b="0"/>
-      </a:fillRef>
-      <a:effectRef idx="0">
-        <a:scrgbClr r="0" g="0" b="0"/>
-      </a:effectRef>
-      <a:fontRef idx="minor"/>
-    </dgm:style>
-  </dgm:styleLbl>
-  <dgm:styleLbl name="parChTrans1D4">
-    <dgm:scene3d>
-      <a:camera prst="orthographicFront"/>
-      <a:lightRig rig="threePt" dir="t"/>
-    </dgm:scene3d>
-    <dgm:sp3d/>
-    <dgm:txPr/>
-    <dgm:style>
-      <a:lnRef idx="2">
-        <a:scrgbClr r="0" g="0" b="0"/>
-      </a:lnRef>
-      <a:fillRef idx="0">
-        <a:scrgbClr r="0" g="0" b="0"/>
-      </a:fillRef>
-      <a:effectRef idx="0">
-        <a:scrgbClr r="0" g="0" b="0"/>
-      </a:effectRef>
-      <a:fontRef idx="minor"/>
-    </dgm:style>
-  </dgm:styleLbl>
-  <dgm:styleLbl name="fgAcc1">
-    <dgm:scene3d>
-      <a:camera prst="orthographicFront"/>
-      <a:lightRig rig="threePt" dir="t"/>
-    </dgm:scene3d>
-    <dgm:sp3d/>
-    <dgm:txPr/>
-    <dgm:style>
-      <a:lnRef idx="2">
-        <a:scrgbClr r="0" g="0" b="0"/>
-      </a:lnRef>
-      <a:fillRef idx="1">
-        <a:scrgbClr r="0" g="0" b="0"/>
-      </a:fillRef>
-      <a:effectRef idx="0">
-        <a:scrgbClr r="0" g="0" b="0"/>
-      </a:effectRef>
-      <a:fontRef idx="minor"/>
-    </dgm:style>
-  </dgm:styleLbl>
-  <dgm:styleLbl name="conFgAcc1">
-    <dgm:scene3d>
-      <a:camera prst="orthographicFront"/>
-      <a:lightRig rig="threePt" dir="t"/>
-    </dgm:scene3d>
-    <dgm:sp3d/>
-    <dgm:txPr/>
-    <dgm:style>
-      <a:lnRef idx="2">
-        <a:scrgbClr r="0" g="0" b="0"/>
-      </a:lnRef>
-      <a:fillRef idx="1">
-        <a:scrgbClr r="0" g="0" b="0"/>
-      </a:fillRef>
-      <a:effectRef idx="0">
-        <a:scrgbClr r="0" g="0" b="0"/>
-      </a:effectRef>
-      <a:fontRef idx="minor"/>
-    </dgm:style>
-  </dgm:styleLbl>
-  <dgm:styleLbl name="alignAcc1">
-    <dgm:scene3d>
-      <a:camera prst="orthographicFront"/>
-      <a:lightRig rig="threePt" dir="t"/>
-    </dgm:scene3d>
-    <dgm:sp3d/>
-    <dgm:txPr/>
-    <dgm:style>
-      <a:lnRef idx="2">
-        <a:scrgbClr r="0" g="0" b="0"/>
-      </a:lnRef>
-      <a:fillRef idx="1">
-        <a:scrgbClr r="0" g="0" b="0"/>
-      </a:fillRef>
-      <a:effectRef idx="0">
-        <a:scrgbClr r="0" g="0" b="0"/>
-      </a:effectRef>
-      <a:fontRef idx="minor"/>
-    </dgm:style>
-  </dgm:styleLbl>
-  <dgm:styleLbl name="trAlignAcc1">
-    <dgm:scene3d>
-      <a:camera prst="orthographicFront"/>
-      <a:lightRig rig="threePt" dir="t"/>
-    </dgm:scene3d>
-    <dgm:sp3d/>
-    <dgm:txPr/>
-    <dgm:style>
-      <a:lnRef idx="1">
-        <a:scrgbClr r="0" g="0" b="0"/>
-      </a:lnRef>
-      <a:fillRef idx="1">
-        <a:scrgbClr r="0" g="0" b="0"/>
-      </a:fillRef>
-      <a:effectRef idx="0">
-        <a:scrgbClr r="0" g="0" b="0"/>
-      </a:effectRef>
-      <a:fontRef idx="minor"/>
-    </dgm:style>
-  </dgm:styleLbl>
-  <dgm:styleLbl name="bgAcc1">
-    <dgm:scene3d>
-      <a:camera prst="orthographicFront"/>
-      <a:lightRig rig="threePt" dir="t"/>
-    </dgm:scene3d>
-    <dgm:sp3d/>
-    <dgm:txPr/>
-    <dgm:style>
-      <a:lnRef idx="2">
-        <a:scrgbClr r="0" g="0" b="0"/>
-      </a:lnRef>
-      <a:fillRef idx="1">
-        <a:scrgbClr r="0" g="0" b="0"/>
-      </a:fillRef>
-      <a:effectRef idx="0">
-        <a:scrgbClr r="0" g="0" b="0"/>
-      </a:effectRef>
-      <a:fontRef idx="minor"/>
-    </dgm:style>
-  </dgm:styleLbl>
-  <dgm:styleLbl name="solidFgAcc1">
-    <dgm:scene3d>
-      <a:camera prst="orthographicFront"/>
-      <a:lightRig rig="threePt" dir="t"/>
-    </dgm:scene3d>
-    <dgm:sp3d/>
-    <dgm:txPr/>
-    <dgm:style>
-      <a:lnRef idx="2">
-        <a:scrgbClr r="0" g="0" b="0"/>
-      </a:lnRef>
-      <a:fillRef idx="1">
-        <a:scrgbClr r="0" g="0" b="0"/>
-      </a:fillRef>
-      <a:effectRef idx="0">
-        <a:scrgbClr r="0" g="0" b="0"/>
-      </a:effectRef>
-      <a:fontRef idx="minor"/>
-    </dgm:style>
-  </dgm:styleLbl>
-  <dgm:styleLbl name="solidAlignAcc1">
-    <dgm:scene3d>
-      <a:camera prst="orthographicFront"/>
-      <a:lightRig rig="threePt" dir="t"/>
-    </dgm:scene3d>
-    <dgm:sp3d/>
-    <dgm:txPr/>
-    <dgm:style>
-      <a:lnRef idx="2">
-        <a:scrgbClr r="0" g="0" b="0"/>
-      </a:lnRef>
-      <a:fillRef idx="1">
-        <a:scrgbClr r="0" g="0" b="0"/>
-      </a:fillRef>
-      <a:effectRef idx="0">
-        <a:scrgbClr r="0" g="0" b="0"/>
-      </a:effectRef>
-      <a:fontRef idx="minor"/>
-    </dgm:style>
-  </dgm:styleLbl>
-  <dgm:styleLbl name="solidBgAcc1">
-    <dgm:scene3d>
-      <a:camera prst="orthographicFront"/>
-      <a:lightRig rig="threePt" dir="t"/>
-    </dgm:scene3d>
-    <dgm:sp3d/>
-    <dgm:txPr/>
-    <dgm:style>
-      <a:lnRef idx="2">
-        <a:scrgbClr r="0" g="0" b="0"/>
-      </a:lnRef>
-      <a:fillRef idx="1">
-        <a:scrgbClr r="0" g="0" b="0"/>
-      </a:fillRef>
-      <a:effectRef idx="0">
-        <a:scrgbClr r="0" g="0" b="0"/>
-      </a:effectRef>
-      <a:fontRef idx="minor"/>
-    </dgm:style>
-  </dgm:styleLbl>
-  <dgm:styleLbl name="fgAccFollowNode1">
-    <dgm:scene3d>
-      <a:camera prst="orthographicFront"/>
-      <a:lightRig rig="threePt" dir="t"/>
-    </dgm:scene3d>
-    <dgm:sp3d/>
-    <dgm:txPr/>
-    <dgm:style>
-      <a:lnRef idx="2">
-        <a:scrgbClr r="0" g="0" b="0"/>
-      </a:lnRef>
-      <a:fillRef idx="1">
-        <a:scrgbClr r="0" g="0" b="0"/>
-      </a:fillRef>
-      <a:effectRef idx="0">
-        <a:scrgbClr r="0" g="0" b="0"/>
-      </a:effectRef>
-      <a:fontRef idx="minor"/>
-    </dgm:style>
-  </dgm:styleLbl>
-  <dgm:styleLbl name="alignAccFollowNode1">
-    <dgm:scene3d>
-      <a:camera prst="orthographicFront"/>
-      <a:lightRig rig="threePt" dir="t"/>
-    </dgm:scene3d>
-    <dgm:sp3d/>
-    <dgm:txPr/>
-    <dgm:style>
-      <a:lnRef idx="2">
-        <a:scrgbClr r="0" g="0" b="0"/>
-      </a:lnRef>
-      <a:fillRef idx="1">
-        <a:scrgbClr r="0" g="0" b="0"/>
-      </a:fillRef>
-      <a:effectRef idx="0">
-        <a:scrgbClr r="0" g="0" b="0"/>
-      </a:effectRef>
-      <a:fontRef idx="minor"/>
-    </dgm:style>
-  </dgm:styleLbl>
-  <dgm:styleLbl name="bgAccFollowNode1">
-    <dgm:scene3d>
-      <a:camera prst="orthographicFront"/>
-      <a:lightRig rig="threePt" dir="t"/>
-    </dgm:scene3d>
-    <dgm:sp3d/>
-    <dgm:txPr/>
-    <dgm:style>
-      <a:lnRef idx="2">
-        <a:scrgbClr r="0" g="0" b="0"/>
-      </a:lnRef>
-      <a:fillRef idx="1">
-        <a:scrgbClr r="0" g="0" b="0"/>
-      </a:fillRef>
-      <a:effectRef idx="0">
-        <a:scrgbClr r="0" g="0" b="0"/>
-      </a:effectRef>
-      <a:fontRef idx="minor"/>
-    </dgm:style>
-  </dgm:styleLbl>
-  <dgm:styleLbl name="fgAcc0">
-    <dgm:scene3d>
-      <a:camera prst="orthographicFront"/>
-      <a:lightRig rig="threePt" dir="t"/>
-    </dgm:scene3d>
-    <dgm:sp3d/>
-    <dgm:txPr/>
-    <dgm:style>
-      <a:lnRef idx="2">
-        <a:scrgbClr r="0" g="0" b="0"/>
-      </a:lnRef>
-      <a:fillRef idx="1">
-        <a:scrgbClr r="0" g="0" b="0"/>
-      </a:fillRef>
-      <a:effectRef idx="0">
-        <a:scrgbClr r="0" g="0" b="0"/>
-      </a:effectRef>
-      <a:fontRef idx="minor"/>
-    </dgm:style>
-  </dgm:styleLbl>
-  <dgm:styleLbl name="fgAcc2">
-    <dgm:scene3d>
-      <a:camera prst="orthographicFront"/>
-      <a:lightRig rig="threePt" dir="t"/>
-    </dgm:scene3d>
-    <dgm:sp3d/>
-    <dgm:txPr/>
-    <dgm:style>
-      <a:lnRef idx="2">
-        <a:scrgbClr r="0" g="0" b="0"/>
-      </a:lnRef>
-      <a:fillRef idx="1">
-        <a:scrgbClr r="0" g="0" b="0"/>
-      </a:fillRef>
-      <a:effectRef idx="0">
-        <a:scrgbClr r="0" g="0" b="0"/>
-      </a:effectRef>
-      <a:fontRef idx="minor"/>
-    </dgm:style>
-  </dgm:styleLbl>
-  <dgm:styleLbl name="fgAcc3">
-    <dgm:scene3d>
-      <a:camera prst="orthographicFront"/>
-      <a:lightRig rig="threePt" dir="t"/>
-    </dgm:scene3d>
-    <dgm:sp3d/>
-    <dgm:txPr/>
-    <dgm:style>
-      <a:lnRef idx="2">
-        <a:scrgbClr r="0" g="0" b="0"/>
-      </a:lnRef>
-      <a:fillRef idx="1">
-        <a:scrgbClr r="0" g="0" b="0"/>
-      </a:fillRef>
-      <a:effectRef idx="0">
-        <a:scrgbClr r="0" g="0" b="0"/>
-      </a:effectRef>
-      <a:fontRef idx="minor"/>
-    </dgm:style>
-  </dgm:styleLbl>
-  <dgm:styleLbl name="fgAcc4">
-    <dgm:scene3d>
-      <a:camera prst="orthographicFront"/>
-      <a:lightRig rig="threePt" dir="t"/>
-    </dgm:scene3d>
-    <dgm:sp3d/>
-    <dgm:txPr/>
-    <dgm:style>
-      <a:lnRef idx="2">
-        <a:scrgbClr r="0" g="0" b="0"/>
-      </a:lnRef>
-      <a:fillRef idx="1">
-        <a:scrgbClr r="0" g="0" b="0"/>
-      </a:fillRef>
-      <a:effectRef idx="0">
-        <a:scrgbClr r="0" g="0" b="0"/>
-      </a:effectRef>
-      <a:fontRef idx="minor"/>
-    </dgm:style>
-  </dgm:styleLbl>
-  <dgm:styleLbl name="bgShp">
-    <dgm:scene3d>
-      <a:camera prst="orthographicFront"/>
-      <a:lightRig rig="threePt" dir="t"/>
-    </dgm:scene3d>
-    <dgm:sp3d/>
-    <dgm:txPr/>
-    <dgm:style>
-      <a:lnRef idx="0">
-        <a:scrgbClr r="0" g="0" b="0"/>
-      </a:lnRef>
-      <a:fillRef idx="1">
-        <a:scrgbClr r="0" g="0" b="0"/>
-      </a:fillRef>
-      <a:effectRef idx="0">
-        <a:scrgbClr r="0" g="0" b="0"/>
-      </a:effectRef>
-      <a:fontRef idx="minor"/>
-    </dgm:style>
-  </dgm:styleLbl>
-  <dgm:styleLbl name="dkBgShp">
-    <dgm:scene3d>
-      <a:camera prst="orthographicFront"/>
-      <a:lightRig rig="threePt" dir="t"/>
-    </dgm:scene3d>
-    <dgm:sp3d/>
-    <dgm:txPr/>
-    <dgm:style>
-      <a:lnRef idx="0">
-        <a:scrgbClr r="0" g="0" b="0"/>
-      </a:lnRef>
-      <a:fillRef idx="1">
-        <a:scrgbClr r="0" g="0" b="0"/>
-      </a:fillRef>
-      <a:effectRef idx="0">
-        <a:scrgbClr r="0" g="0" b="0"/>
-      </a:effectRef>
-      <a:fontRef idx="minor"/>
-    </dgm:style>
-  </dgm:styleLbl>
-  <dgm:styleLbl name="trBgShp">
-    <dgm:scene3d>
-      <a:camera prst="orthographicFront"/>
-      <a:lightRig rig="threePt" dir="t"/>
-    </dgm:scene3d>
-    <dgm:sp3d/>
-    <dgm:txPr/>
-    <dgm:style>
-      <a:lnRef idx="0">
-        <a:scrgbClr r="0" g="0" b="0"/>
-      </a:lnRef>
-      <a:fillRef idx="1">
-        <a:scrgbClr r="0" g="0" b="0"/>
-      </a:fillRef>
-      <a:effectRef idx="0">
-        <a:scrgbClr r="0" g="0" b="0"/>
-      </a:effectRef>
-      <a:fontRef idx="minor"/>
-    </dgm:style>
-  </dgm:styleLbl>
-  <dgm:styleLbl name="fgShp">
-    <dgm:scene3d>
-      <a:camera prst="orthographicFront"/>
-      <a:lightRig rig="threePt" dir="t"/>
-    </dgm:scene3d>
-    <dgm:sp3d/>
-    <dgm:txPr/>
-    <dgm:style>
-      <a:lnRef idx="2">
-        <a:scrgbClr r="0" g="0" b="0"/>
-      </a:lnRef>
-      <a:fillRef idx="1">
-        <a:scrgbClr r="0" g="0" b="0"/>
-      </a:fillRef>
-      <a:effectRef idx="0">
-        <a:scrgbClr r="0" g="0" b="0"/>
-      </a:effectRef>
-      <a:fontRef idx="minor"/>
-    </dgm:style>
-  </dgm:styleLbl>
-  <dgm:styleLbl name="revTx">
-    <dgm:scene3d>
-      <a:camera prst="orthographicFront"/>
-      <a:lightRig rig="threePt" dir="t"/>
-    </dgm:scene3d>
-    <dgm:sp3d/>
-    <dgm:txPr/>
-    <dgm:style>
-      <a:lnRef idx="0">
-        <a:scrgbClr r="0" g="0" b="0"/>
-      </a:lnRef>
-      <a:fillRef idx="0">
-        <a:scrgbClr r="0" g="0" b="0"/>
-      </a:fillRef>
-      <a:effectRef idx="0">
-        <a:scrgbClr r="0" g="0" b="0"/>
-      </a:effectRef>
-      <a:fontRef idx="minor"/>
-    </dgm:style>
-  </dgm:styleLbl>
-</dgm:styleDef>
 </file>
 
 <file path=ppt/notesMasters/notesMaster1.xml><?xml version="1.0" encoding="utf-8"?>
@@ -7279,6 +1191,133 @@
         <p:cNvPr id="1" name="Shape 205">
           <a:extLst>
             <a:ext uri="{FF2B5EF4-FFF2-40B4-BE49-F238E27FC236}">
+              <a16:creationId xmlns:a16="http://schemas.microsoft.com/office/drawing/2014/main" id="{4E53FC54-B5D4-3F01-C1D8-E10F7A00A383}"/>
+            </a:ext>
+          </a:extLst>
+        </p:cNvPr>
+        <p:cNvGrpSpPr/>
+        <p:nvPr/>
+      </p:nvGrpSpPr>
+      <p:grpSpPr>
+        <a:xfrm>
+          <a:off x="0" y="0"/>
+          <a:ext cx="0" cy="0"/>
+          <a:chOff x="0" y="0"/>
+          <a:chExt cx="0" cy="0"/>
+        </a:xfrm>
+      </p:grpSpPr>
+      <p:sp>
+        <p:nvSpPr>
+          <p:cNvPr id="206" name="Google Shape;206;g35f391192_085:notes">
+            <a:extLst>
+              <a:ext uri="{FF2B5EF4-FFF2-40B4-BE49-F238E27FC236}">
+                <a16:creationId xmlns:a16="http://schemas.microsoft.com/office/drawing/2014/main" id="{15D9CC86-B693-DE32-3458-A89D7DD61768}"/>
+              </a:ext>
+            </a:extLst>
+          </p:cNvPr>
+          <p:cNvSpPr>
+            <a:spLocks noGrp="1" noRot="1" noChangeAspect="1"/>
+          </p:cNvSpPr>
+          <p:nvPr>
+            <p:ph type="sldImg" idx="2"/>
+          </p:nvPr>
+        </p:nvSpPr>
+        <p:spPr>
+          <a:xfrm>
+            <a:off x="381000" y="685800"/>
+            <a:ext cx="6096000" cy="3429000"/>
+          </a:xfrm>
+          <a:custGeom>
+            <a:avLst/>
+            <a:gdLst/>
+            <a:ahLst/>
+            <a:cxnLst/>
+            <a:rect l="l" t="t" r="r" b="b"/>
+            <a:pathLst>
+              <a:path w="120000" h="120000" extrusionOk="0">
+                <a:moveTo>
+                  <a:pt x="0" y="0"/>
+                </a:moveTo>
+                <a:lnTo>
+                  <a:pt x="120000" y="0"/>
+                </a:lnTo>
+                <a:lnTo>
+                  <a:pt x="120000" y="120000"/>
+                </a:lnTo>
+                <a:lnTo>
+                  <a:pt x="0" y="120000"/>
+                </a:lnTo>
+                <a:close/>
+              </a:path>
+            </a:pathLst>
+          </a:custGeom>
+        </p:spPr>
+      </p:sp>
+      <p:sp>
+        <p:nvSpPr>
+          <p:cNvPr id="207" name="Google Shape;207;g35f391192_085:notes">
+            <a:extLst>
+              <a:ext uri="{FF2B5EF4-FFF2-40B4-BE49-F238E27FC236}">
+                <a16:creationId xmlns:a16="http://schemas.microsoft.com/office/drawing/2014/main" id="{DFFD67BB-27FB-44AD-9F05-141E23203355}"/>
+              </a:ext>
+            </a:extLst>
+          </p:cNvPr>
+          <p:cNvSpPr txBox="1">
+            <a:spLocks noGrp="1"/>
+          </p:cNvSpPr>
+          <p:nvPr>
+            <p:ph type="body" idx="1"/>
+          </p:nvPr>
+        </p:nvSpPr>
+        <p:spPr>
+          <a:xfrm>
+            <a:off x="685800" y="4343400"/>
+            <a:ext cx="5486400" cy="4114800"/>
+          </a:xfrm>
+          <a:prstGeom prst="rect">
+            <a:avLst/>
+          </a:prstGeom>
+        </p:spPr>
+        <p:txBody>
+          <a:bodyPr spcFirstLastPara="1" wrap="square" lIns="91425" tIns="91425" rIns="91425" bIns="91425" anchor="t" anchorCtr="0">
+            <a:noAutofit/>
+          </a:bodyPr>
+          <a:lstStyle/>
+          <a:p>
+            <a:pPr marL="0" lvl="0" indent="0" algn="l" rtl="0">
+              <a:spcBef>
+                <a:spcPts val="0"/>
+              </a:spcBef>
+              <a:spcAft>
+                <a:spcPts val="0"/>
+              </a:spcAft>
+              <a:buNone/>
+            </a:pPr>
+            <a:endParaRPr/>
+          </a:p>
+        </p:txBody>
+      </p:sp>
+    </p:spTree>
+    <p:extLst>
+      <p:ext uri="{BB962C8B-B14F-4D97-AF65-F5344CB8AC3E}">
+        <p14:creationId xmlns:p14="http://schemas.microsoft.com/office/powerpoint/2010/main" val="442333452"/>
+      </p:ext>
+    </p:extLst>
+  </p:cSld>
+  <p:clrMapOvr>
+    <a:masterClrMapping/>
+  </p:clrMapOvr>
+</p:notes>
+</file>
+
+<file path=ppt/notesSlides/notesSlide6.xml><?xml version="1.0" encoding="utf-8"?>
+<p:notes xmlns:a="http://schemas.openxmlformats.org/drawingml/2006/main" xmlns:r="http://schemas.openxmlformats.org/officeDocument/2006/relationships" xmlns:p="http://schemas.openxmlformats.org/presentationml/2006/main" showMasterSp="0" showMasterPhAnim="0">
+  <p:cSld>
+    <p:spTree>
+      <p:nvGrpSpPr>
+        <p:cNvPr id="1" name="Shape 205">
+          <a:extLst>
+            <a:ext uri="{FF2B5EF4-FFF2-40B4-BE49-F238E27FC236}">
               <a16:creationId xmlns:a16="http://schemas.microsoft.com/office/drawing/2014/main" id="{A7394A27-8DC8-F01A-E29A-5F1D424773CC}"/>
             </a:ext>
           </a:extLst>
@@ -7398,7 +1437,7 @@
 </p:notes>
 </file>
 
-<file path=ppt/notesSlides/notesSlide6.xml><?xml version="1.0" encoding="utf-8"?>
+<file path=ppt/notesSlides/notesSlide7.xml><?xml version="1.0" encoding="utf-8"?>
 <p:notes xmlns:a="http://schemas.openxmlformats.org/drawingml/2006/main" xmlns:r="http://schemas.openxmlformats.org/officeDocument/2006/relationships" xmlns:p="http://schemas.openxmlformats.org/presentationml/2006/main" showMasterSp="0" showMasterPhAnim="0">
   <p:cSld>
     <p:spTree>
@@ -7525,7 +1564,7 @@
 </p:notes>
 </file>
 
-<file path=ppt/notesSlides/notesSlide7.xml><?xml version="1.0" encoding="utf-8"?>
+<file path=ppt/notesSlides/notesSlide8.xml><?xml version="1.0" encoding="utf-8"?>
 <p:notes xmlns:a="http://schemas.openxmlformats.org/drawingml/2006/main" xmlns:r="http://schemas.openxmlformats.org/officeDocument/2006/relationships" xmlns:p="http://schemas.openxmlformats.org/presentationml/2006/main" showMasterSp="0" showMasterPhAnim="0">
   <p:cSld>
     <p:spTree>
@@ -10587,7 +4626,7 @@
                   <a:srgbClr val="FFFFFF"/>
                 </a:solidFill>
               </a:rPr>
-              <a:t>Full Stack Developer</a:t>
+              <a:t>Full Stack Developer Trainee</a:t>
             </a:r>
             <a:endParaRPr sz="2000" b="1" dirty="0">
               <a:solidFill>
@@ -10967,35 +5006,47 @@
       </p:grpSp>
       <p:pic>
         <p:nvPicPr>
-          <p:cNvPr id="11" name="Picture 10" descr="C:\Users\Vardhman\Desktop\reume\IMG-20201102-WA0021.jpg"/>
-          <p:cNvPicPr/>
+          <p:cNvPr id="1028" name="Picture 4">
+            <a:extLst>
+              <a:ext uri="{FF2B5EF4-FFF2-40B4-BE49-F238E27FC236}">
+                <a16:creationId xmlns:a16="http://schemas.microsoft.com/office/drawing/2014/main" id="{2190170D-843C-6B80-7206-52C138300E15}"/>
+              </a:ext>
+            </a:extLst>
+          </p:cNvPr>
+          <p:cNvPicPr>
+            <a:picLocks noChangeAspect="1" noChangeArrowheads="1"/>
+          </p:cNvPicPr>
           <p:nvPr/>
         </p:nvPicPr>
-        <p:blipFill>
-          <a:blip r:embed="rId4" cstate="print">
+        <p:blipFill rotWithShape="1">
+          <a:blip r:embed="rId4">
             <a:extLst>
               <a:ext uri="{28A0092B-C50C-407E-A947-70E740481C1C}">
                 <a14:useLocalDpi xmlns:a14="http://schemas.microsoft.com/office/drawing/2010/main" val="0"/>
               </a:ext>
             </a:extLst>
           </a:blip>
-          <a:srcRect/>
-          <a:stretch>
-            <a:fillRect/>
-          </a:stretch>
+          <a:srcRect t="2045" r="7259"/>
+          <a:stretch/>
         </p:blipFill>
         <p:spPr bwMode="auto">
           <a:xfrm>
-            <a:off x="1880654" y="724205"/>
-            <a:ext cx="1945729" cy="2120357"/>
+            <a:off x="2045410" y="731700"/>
+            <a:ext cx="1616953" cy="2076995"/>
           </a:xfrm>
           <a:prstGeom prst="rect">
             <a:avLst/>
           </a:prstGeom>
           <a:noFill/>
-          <a:ln>
-            <a:noFill/>
-          </a:ln>
+          <a:extLst>
+            <a:ext uri="{909E8E84-426E-40DD-AFC4-6F175D3DCCD1}">
+              <a14:hiddenFill xmlns:a14="http://schemas.microsoft.com/office/drawing/2010/main">
+                <a:solidFill>
+                  <a:srgbClr val="FFFFFF"/>
+                </a:solidFill>
+              </a14:hiddenFill>
+            </a:ext>
+          </a:extLst>
         </p:spPr>
       </p:pic>
     </p:spTree>
@@ -11431,20 +5482,16 @@
           </a:bodyPr>
           <a:lstStyle/>
           <a:p>
-            <a:pPr marL="0" lvl="0" indent="0" algn="l" rtl="0">
-              <a:spcBef>
-                <a:spcPts val="0"/>
-              </a:spcBef>
-              <a:spcAft>
-                <a:spcPts val="0"/>
-              </a:spcAft>
-              <a:buNone/>
-            </a:pPr>
+            <a:pPr lvl="0"/>
             <a:r>
-              <a:rPr lang="de-DE" sz="2000" dirty="0"/>
-              <a:t>Topic Name</a:t>
+              <a:rPr lang="en-IN" sz="2000" b="0" i="0" dirty="0">
+                <a:latin typeface="+mj-lt"/>
+              </a:rPr>
+              <a:t>Final Demo Of C# Advance</a:t>
             </a:r>
-            <a:endParaRPr sz="2000" dirty="0"/>
+            <a:endParaRPr lang="en-IN" sz="2000" dirty="0">
+              <a:latin typeface="+mj-lt"/>
+            </a:endParaRPr>
           </a:p>
         </p:txBody>
       </p:sp>
@@ -11514,34 +5561,157 @@
           </a:prstGeom>
         </p:spPr>
       </p:pic>
-      <p:graphicFrame>
-        <p:nvGraphicFramePr>
-          <p:cNvPr id="6" name="Diagram 5">
+      <p:sp>
+        <p:nvSpPr>
+          <p:cNvPr id="3" name="TextBox 2">
             <a:extLst>
               <a:ext uri="{FF2B5EF4-FFF2-40B4-BE49-F238E27FC236}">
-                <a16:creationId xmlns:a16="http://schemas.microsoft.com/office/drawing/2014/main" id="{71086F13-B2F8-E795-D976-F498AE7D34C8}"/>
+                <a16:creationId xmlns:a16="http://schemas.microsoft.com/office/drawing/2014/main" id="{0E0C5DEA-475A-07FD-E0C9-7FB6EEE962E6}"/>
               </a:ext>
             </a:extLst>
           </p:cNvPr>
-          <p:cNvGraphicFramePr/>
-          <p:nvPr>
-            <p:extLst>
-              <p:ext uri="{D42A27DB-BD31-4B8C-83A1-F6EECF244321}">
-                <p14:modId xmlns:p14="http://schemas.microsoft.com/office/powerpoint/2010/main" val="2714425077"/>
-              </p:ext>
-            </p:extLst>
-          </p:nvPr>
-        </p:nvGraphicFramePr>
-        <p:xfrm>
-          <a:off x="1104900" y="1129552"/>
-          <a:ext cx="4859022" cy="3323987"/>
-        </p:xfrm>
-        <a:graphic>
-          <a:graphicData uri="http://schemas.openxmlformats.org/drawingml/2006/diagram">
-            <dgm:relIds xmlns:dgm="http://schemas.openxmlformats.org/drawingml/2006/diagram" xmlns:r="http://schemas.openxmlformats.org/officeDocument/2006/relationships" r:dm="rId4" r:lo="rId5" r:qs="rId6" r:cs="rId7"/>
-          </a:graphicData>
-        </a:graphic>
-      </p:graphicFrame>
+          <p:cNvSpPr txBox="1"/>
+          <p:nvPr/>
+        </p:nvSpPr>
+        <p:spPr>
+          <a:xfrm>
+            <a:off x="1211398" y="1216485"/>
+            <a:ext cx="5260488" cy="2246769"/>
+          </a:xfrm>
+          <a:prstGeom prst="rect">
+            <a:avLst/>
+          </a:prstGeom>
+          <a:noFill/>
+        </p:spPr>
+        <p:txBody>
+          <a:bodyPr wrap="square">
+            <a:spAutoFit/>
+          </a:bodyPr>
+          <a:lstStyle/>
+          <a:p>
+            <a:pPr marL="285750" indent="-285750">
+              <a:buFont typeface="Arial" panose="020B0604020202020204" pitchFamily="34" charset="0"/>
+              <a:buChar char="•"/>
+            </a:pPr>
+            <a:r>
+              <a:rPr lang="en-IN" b="0" i="0" dirty="0"/>
+              <a:t>Interface based business logic</a:t>
+            </a:r>
+            <a:endParaRPr lang="en-IN" dirty="0"/>
+          </a:p>
+          <a:p>
+            <a:pPr marL="285750" lvl="0" indent="-285750">
+              <a:buFont typeface="Arial" panose="020B0604020202020204" pitchFamily="34" charset="0"/>
+              <a:buChar char="•"/>
+            </a:pPr>
+            <a:r>
+              <a:rPr lang="en-IN" b="0" i="0" dirty="0"/>
+              <a:t>Exception Logger</a:t>
+            </a:r>
+            <a:endParaRPr lang="en-IN" dirty="0"/>
+          </a:p>
+          <a:p>
+            <a:pPr marL="285750" lvl="0" indent="-285750">
+              <a:buFont typeface="Arial" panose="020B0604020202020204" pitchFamily="34" charset="0"/>
+              <a:buChar char="•"/>
+            </a:pPr>
+            <a:r>
+              <a:rPr lang="en-IN" b="0" i="0" dirty="0"/>
+              <a:t>Cart, Category, </a:t>
+            </a:r>
+            <a:r>
+              <a:rPr lang="en-IN" b="0" i="0" dirty="0" err="1"/>
+              <a:t>BLHelper</a:t>
+            </a:r>
+            <a:r>
+              <a:rPr lang="en-IN" b="0" i="0" dirty="0"/>
+              <a:t> added</a:t>
+            </a:r>
+            <a:endParaRPr lang="en-IN" dirty="0"/>
+          </a:p>
+          <a:p>
+            <a:pPr marL="285750" lvl="0" indent="-285750">
+              <a:buFont typeface="Arial" panose="020B0604020202020204" pitchFamily="34" charset="0"/>
+              <a:buChar char="•"/>
+            </a:pPr>
+            <a:r>
+              <a:rPr lang="en-IN" b="0" i="0" dirty="0"/>
+              <a:t>Two factor based cart items buying</a:t>
+            </a:r>
+            <a:endParaRPr lang="en-IN" dirty="0"/>
+          </a:p>
+          <a:p>
+            <a:pPr marL="285750" lvl="0" indent="-285750">
+              <a:buFont typeface="Arial" panose="020B0604020202020204" pitchFamily="34" charset="0"/>
+              <a:buChar char="•"/>
+            </a:pPr>
+            <a:r>
+              <a:rPr lang="en-IN" b="0" i="0" dirty="0"/>
+              <a:t>Sending order attachment through Emails for Customer</a:t>
+            </a:r>
+            <a:endParaRPr lang="en-IN" dirty="0"/>
+          </a:p>
+          <a:p>
+            <a:pPr marL="285750" lvl="0" indent="-285750">
+              <a:buFont typeface="Arial" panose="020B0604020202020204" pitchFamily="34" charset="0"/>
+              <a:buChar char="•"/>
+            </a:pPr>
+            <a:r>
+              <a:rPr lang="en-IN" b="0" i="0" dirty="0"/>
+              <a:t>JWT Token using System class</a:t>
+            </a:r>
+            <a:endParaRPr lang="en-IN" dirty="0"/>
+          </a:p>
+          <a:p>
+            <a:pPr marL="285750" lvl="0" indent="-285750">
+              <a:buFont typeface="Arial" panose="020B0604020202020204" pitchFamily="34" charset="0"/>
+              <a:buChar char="•"/>
+            </a:pPr>
+            <a:r>
+              <a:rPr lang="en-IN" b="0" i="0" dirty="0"/>
+              <a:t>Cookie based Auth</a:t>
+            </a:r>
+            <a:endParaRPr lang="en-IN" dirty="0"/>
+          </a:p>
+          <a:p>
+            <a:pPr marL="285750" lvl="0" indent="-285750">
+              <a:buFont typeface="Arial" panose="020B0604020202020204" pitchFamily="34" charset="0"/>
+              <a:buChar char="•"/>
+            </a:pPr>
+            <a:r>
+              <a:rPr lang="en-IN" b="0" i="0" dirty="0"/>
+              <a:t>Caching</a:t>
+            </a:r>
+            <a:endParaRPr lang="en-IN" dirty="0"/>
+          </a:p>
+          <a:p>
+            <a:pPr marL="285750" lvl="0" indent="-285750">
+              <a:buFont typeface="Arial" panose="020B0604020202020204" pitchFamily="34" charset="0"/>
+              <a:buChar char="•"/>
+            </a:pPr>
+            <a:r>
+              <a:rPr lang="en-IN" b="0" i="0" dirty="0"/>
+              <a:t>Session Id Based Login, &amp; Caching</a:t>
+            </a:r>
+            <a:endParaRPr lang="en-IN" dirty="0"/>
+          </a:p>
+          <a:p>
+            <a:pPr marL="285750" lvl="0" indent="-285750">
+              <a:buFont typeface="Arial" panose="020B0604020202020204" pitchFamily="34" charset="0"/>
+              <a:buChar char="•"/>
+            </a:pPr>
+            <a:r>
+              <a:rPr lang="en-IN" dirty="0"/>
+              <a:t>Product Version Update</a:t>
+            </a:r>
+            <a:r>
+              <a:rPr lang="en-IN" b="0" i="0" dirty="0"/>
+              <a:t>2. Git &amp; GitHub</a:t>
+            </a:r>
+            <a:endParaRPr lang="en-IN" dirty="0"/>
+          </a:p>
+        </p:txBody>
+      </p:sp>
     </p:spTree>
     <p:extLst>
       <p:ext uri="{BB962C8B-B14F-4D97-AF65-F5344CB8AC3E}">
@@ -11559,6 +5729,299 @@
 </file>
 
 <file path=ppt/slides/slide5.xml><?xml version="1.0" encoding="utf-8"?>
+<p:sld xmlns:a="http://schemas.openxmlformats.org/drawingml/2006/main" xmlns:r="http://schemas.openxmlformats.org/officeDocument/2006/relationships" xmlns:p="http://schemas.openxmlformats.org/presentationml/2006/main">
+  <p:cSld>
+    <p:spTree>
+      <p:nvGrpSpPr>
+        <p:cNvPr id="1" name="Shape 208">
+          <a:extLst>
+            <a:ext uri="{FF2B5EF4-FFF2-40B4-BE49-F238E27FC236}">
+              <a16:creationId xmlns:a16="http://schemas.microsoft.com/office/drawing/2014/main" id="{08E14D81-43D6-F07C-620C-FD1C2211B9E5}"/>
+            </a:ext>
+          </a:extLst>
+        </p:cNvPr>
+        <p:cNvGrpSpPr/>
+        <p:nvPr/>
+      </p:nvGrpSpPr>
+      <p:grpSpPr>
+        <a:xfrm>
+          <a:off x="0" y="0"/>
+          <a:ext cx="0" cy="0"/>
+          <a:chOff x="0" y="0"/>
+          <a:chExt cx="0" cy="0"/>
+        </a:xfrm>
+      </p:grpSpPr>
+      <p:sp>
+        <p:nvSpPr>
+          <p:cNvPr id="209" name="Google Shape;209;p25">
+            <a:extLst>
+              <a:ext uri="{FF2B5EF4-FFF2-40B4-BE49-F238E27FC236}">
+                <a16:creationId xmlns:a16="http://schemas.microsoft.com/office/drawing/2014/main" id="{ABC85EE0-C4F7-E638-AFFC-8B97C80775A5}"/>
+              </a:ext>
+            </a:extLst>
+          </p:cNvPr>
+          <p:cNvSpPr txBox="1">
+            <a:spLocks noGrp="1"/>
+          </p:cNvSpPr>
+          <p:nvPr>
+            <p:ph type="title"/>
+          </p:nvPr>
+        </p:nvSpPr>
+        <p:spPr>
+          <a:xfrm>
+            <a:off x="1104900" y="276075"/>
+            <a:ext cx="6724500" cy="749100"/>
+          </a:xfrm>
+          <a:prstGeom prst="rect">
+            <a:avLst/>
+          </a:prstGeom>
+        </p:spPr>
+        <p:txBody>
+          <a:bodyPr spcFirstLastPara="1" wrap="square" lIns="91425" tIns="91425" rIns="91425" bIns="91425" anchor="ctr" anchorCtr="0">
+            <a:noAutofit/>
+          </a:bodyPr>
+          <a:lstStyle/>
+          <a:p>
+            <a:r>
+              <a:rPr lang="en-IN" sz="2000" b="0" i="0" dirty="0"/>
+              <a:t>Asp.net Core MVC</a:t>
+            </a:r>
+            <a:endParaRPr lang="en-IN" sz="2000" dirty="0">
+              <a:latin typeface="+mj-lt"/>
+            </a:endParaRPr>
+          </a:p>
+        </p:txBody>
+      </p:sp>
+      <p:sp>
+        <p:nvSpPr>
+          <p:cNvPr id="211" name="Google Shape;211;p25">
+            <a:extLst>
+              <a:ext uri="{FF2B5EF4-FFF2-40B4-BE49-F238E27FC236}">
+                <a16:creationId xmlns:a16="http://schemas.microsoft.com/office/drawing/2014/main" id="{F41F638A-70ED-A2F0-0BB5-4CEC7CF57FCD}"/>
+              </a:ext>
+            </a:extLst>
+          </p:cNvPr>
+          <p:cNvSpPr txBox="1">
+            <a:spLocks noGrp="1"/>
+          </p:cNvSpPr>
+          <p:nvPr>
+            <p:ph type="sldNum" idx="12"/>
+          </p:nvPr>
+        </p:nvSpPr>
+        <p:spPr>
+          <a:xfrm>
+            <a:off x="0" y="0"/>
+            <a:ext cx="594900" cy="731700"/>
+          </a:xfrm>
+          <a:prstGeom prst="rect">
+            <a:avLst/>
+          </a:prstGeom>
+        </p:spPr>
+        <p:txBody>
+          <a:bodyPr spcFirstLastPara="1" wrap="square" lIns="91425" tIns="91425" rIns="91425" bIns="91425" anchor="ctr" anchorCtr="0">
+            <a:noAutofit/>
+          </a:bodyPr>
+          <a:lstStyle/>
+          <a:p>
+            <a:pPr marL="0" lvl="0" indent="0" algn="ctr" rtl="0">
+              <a:spcBef>
+                <a:spcPts val="0"/>
+              </a:spcBef>
+              <a:spcAft>
+                <a:spcPts val="0"/>
+              </a:spcAft>
+              <a:buNone/>
+            </a:pPr>
+            <a:r>
+              <a:rPr lang="en-US" sz="1200" dirty="0"/>
+              <a:t>5</a:t>
+            </a:r>
+          </a:p>
+        </p:txBody>
+      </p:sp>
+      <p:pic>
+        <p:nvPicPr>
+          <p:cNvPr id="5" name="Picture 4">
+            <a:extLst>
+              <a:ext uri="{FF2B5EF4-FFF2-40B4-BE49-F238E27FC236}">
+                <a16:creationId xmlns:a16="http://schemas.microsoft.com/office/drawing/2014/main" id="{AA90106C-3CAC-E950-FE53-7CA1ED825517}"/>
+              </a:ext>
+            </a:extLst>
+          </p:cNvPr>
+          <p:cNvPicPr>
+            <a:picLocks noChangeAspect="1"/>
+          </p:cNvPicPr>
+          <p:nvPr/>
+        </p:nvPicPr>
+        <p:blipFill rotWithShape="1">
+          <a:blip r:embed="rId3"/>
+          <a:srcRect l="3226" t="10949" r="3375" b="9690"/>
+          <a:stretch>
+            <a:fillRect/>
+          </a:stretch>
+        </p:blipFill>
+        <p:spPr>
+          <a:xfrm>
+            <a:off x="7234646" y="268408"/>
+            <a:ext cx="1722256" cy="755302"/>
+          </a:xfrm>
+          <a:prstGeom prst="rect">
+            <a:avLst/>
+          </a:prstGeom>
+        </p:spPr>
+      </p:pic>
+      <p:sp>
+        <p:nvSpPr>
+          <p:cNvPr id="3" name="TextBox 2">
+            <a:extLst>
+              <a:ext uri="{FF2B5EF4-FFF2-40B4-BE49-F238E27FC236}">
+                <a16:creationId xmlns:a16="http://schemas.microsoft.com/office/drawing/2014/main" id="{FE2BFAAE-5FFC-1CE1-FDF6-024F1F567F1E}"/>
+              </a:ext>
+            </a:extLst>
+          </p:cNvPr>
+          <p:cNvSpPr txBox="1"/>
+          <p:nvPr/>
+        </p:nvSpPr>
+        <p:spPr>
+          <a:xfrm>
+            <a:off x="1211398" y="1216485"/>
+            <a:ext cx="5260488" cy="1384995"/>
+          </a:xfrm>
+          <a:prstGeom prst="rect">
+            <a:avLst/>
+          </a:prstGeom>
+          <a:noFill/>
+        </p:spPr>
+        <p:txBody>
+          <a:bodyPr wrap="square">
+            <a:spAutoFit/>
+          </a:bodyPr>
+          <a:lstStyle/>
+          <a:p>
+            <a:pPr marL="285750" lvl="0" indent="-285750">
+              <a:buFont typeface="Arial" panose="020B0604020202020204" pitchFamily="34" charset="0"/>
+              <a:buChar char="•"/>
+            </a:pPr>
+            <a:r>
+              <a:rPr lang="en-IN" b="0" i="0" dirty="0"/>
+              <a:t>Folder Structure</a:t>
+            </a:r>
+            <a:endParaRPr lang="en-IN" dirty="0"/>
+          </a:p>
+          <a:p>
+            <a:pPr marL="285750" lvl="0" indent="-285750">
+              <a:buFont typeface="Arial" panose="020B0604020202020204" pitchFamily="34" charset="0"/>
+              <a:buChar char="•"/>
+            </a:pPr>
+            <a:r>
+              <a:rPr lang="en-IN" b="0" i="0" dirty="0"/>
+              <a:t>View Types (_</a:t>
+            </a:r>
+            <a:r>
+              <a:rPr lang="en-IN" b="0" i="0" dirty="0" err="1"/>
+              <a:t>ViewStart</a:t>
+            </a:r>
+            <a:r>
+              <a:rPr lang="en-IN" b="0" i="0" dirty="0"/>
+              <a:t>, _</a:t>
+            </a:r>
+            <a:r>
+              <a:rPr lang="en-IN" b="0" i="0" dirty="0" err="1"/>
+              <a:t>ViewImport</a:t>
+            </a:r>
+            <a:r>
+              <a:rPr lang="en-IN" b="0" i="0" dirty="0"/>
+              <a:t>, Partial, Layout)</a:t>
+            </a:r>
+            <a:endParaRPr lang="en-IN" dirty="0"/>
+          </a:p>
+          <a:p>
+            <a:pPr marL="285750" lvl="0" indent="-285750">
+              <a:buFont typeface="Arial" panose="020B0604020202020204" pitchFamily="34" charset="0"/>
+              <a:buChar char="•"/>
+            </a:pPr>
+            <a:r>
+              <a:rPr lang="en-IN" b="0" i="0" dirty="0"/>
+              <a:t>Entity Framework</a:t>
+            </a:r>
+            <a:endParaRPr lang="en-IN" dirty="0"/>
+          </a:p>
+          <a:p>
+            <a:pPr marL="285750" lvl="0" indent="-285750">
+              <a:buFont typeface="Arial" panose="020B0604020202020204" pitchFamily="34" charset="0"/>
+              <a:buChar char="•"/>
+            </a:pPr>
+            <a:r>
+              <a:rPr lang="en-IN" b="0" i="0" dirty="0"/>
+              <a:t>Identity Framework (User, Roles, Claims, etc.)</a:t>
+            </a:r>
+            <a:endParaRPr lang="en-IN" dirty="0"/>
+          </a:p>
+          <a:p>
+            <a:pPr marL="285750" lvl="0" indent="-285750">
+              <a:buFont typeface="Arial" panose="020B0604020202020204" pitchFamily="34" charset="0"/>
+              <a:buChar char="•"/>
+            </a:pPr>
+            <a:r>
+              <a:rPr lang="en-IN" b="0" i="0" dirty="0" err="1"/>
+              <a:t>IdentityUser</a:t>
+            </a:r>
+            <a:r>
+              <a:rPr lang="en-IN" b="0" i="0" dirty="0"/>
+              <a:t>, </a:t>
+            </a:r>
+            <a:r>
+              <a:rPr lang="en-IN" b="0" i="0" dirty="0" err="1"/>
+              <a:t>IdentityRole</a:t>
+            </a:r>
+            <a:endParaRPr lang="en-IN" dirty="0"/>
+          </a:p>
+          <a:p>
+            <a:pPr marL="285750" lvl="0" indent="-285750">
+              <a:buFont typeface="Arial" panose="020B0604020202020204" pitchFamily="34" charset="0"/>
+              <a:buChar char="•"/>
+            </a:pPr>
+            <a:r>
+              <a:rPr lang="en-IN" b="0" i="0" dirty="0" err="1"/>
+              <a:t>UserManager</a:t>
+            </a:r>
+            <a:r>
+              <a:rPr lang="en-IN" b="0" i="0" dirty="0"/>
+              <a:t>, </a:t>
+            </a:r>
+            <a:r>
+              <a:rPr lang="en-IN" b="0" i="0" dirty="0" err="1"/>
+              <a:t>SignInManager</a:t>
+            </a:r>
+            <a:r>
+              <a:rPr lang="en-IN" b="0" i="0" dirty="0"/>
+              <a:t>, </a:t>
+            </a:r>
+            <a:r>
+              <a:rPr lang="en-IN" b="0" i="0" dirty="0" err="1"/>
+              <a:t>RoleManager</a:t>
+            </a:r>
+            <a:endParaRPr lang="en-IN" dirty="0"/>
+          </a:p>
+        </p:txBody>
+      </p:sp>
+    </p:spTree>
+    <p:extLst>
+      <p:ext uri="{BB962C8B-B14F-4D97-AF65-F5344CB8AC3E}">
+        <p14:creationId xmlns:p14="http://schemas.microsoft.com/office/powerpoint/2010/main" val="1431653372"/>
+      </p:ext>
+    </p:extLst>
+  </p:cSld>
+  <p:clrMapOvr>
+    <a:masterClrMapping/>
+  </p:clrMapOvr>
+  <p:transition>
+    <p:fade thruBlk="1"/>
+  </p:transition>
+</p:sld>
+</file>
+
+<file path=ppt/slides/slide6.xml><?xml version="1.0" encoding="utf-8"?>
 <p:sld xmlns:a="http://schemas.openxmlformats.org/drawingml/2006/main" xmlns:r="http://schemas.openxmlformats.org/officeDocument/2006/relationships" xmlns:p="http://schemas.openxmlformats.org/presentationml/2006/main">
   <p:cSld>
     <p:spTree>
@@ -11623,7 +6086,7 @@
             </a:pPr>
             <a:r>
               <a:rPr lang="de-DE" sz="2000" dirty="0"/>
-              <a:t>Topic Name</a:t>
+              <a:t>Extra</a:t>
             </a:r>
             <a:endParaRPr sz="2000" dirty="0"/>
           </a:p>
@@ -11671,7 +6134,7 @@
             </a:pPr>
             <a:r>
               <a:rPr lang="en-US" sz="1200" dirty="0"/>
-              <a:t>5</a:t>
+              <a:t>6</a:t>
             </a:r>
           </a:p>
         </p:txBody>
@@ -11707,34 +6170,91 @@
           </a:prstGeom>
         </p:spPr>
       </p:pic>
-      <p:graphicFrame>
-        <p:nvGraphicFramePr>
-          <p:cNvPr id="3" name="Diagram 2">
+      <p:sp>
+        <p:nvSpPr>
+          <p:cNvPr id="4" name="TextBox 3">
             <a:extLst>
               <a:ext uri="{FF2B5EF4-FFF2-40B4-BE49-F238E27FC236}">
-                <a16:creationId xmlns:a16="http://schemas.microsoft.com/office/drawing/2014/main" id="{E91E50D9-5823-10AB-18ED-3FC3564BDDDC}"/>
+                <a16:creationId xmlns:a16="http://schemas.microsoft.com/office/drawing/2014/main" id="{D4AFF497-3108-2530-8D48-2FDD15678671}"/>
               </a:ext>
             </a:extLst>
           </p:cNvPr>
-          <p:cNvGraphicFramePr/>
-          <p:nvPr>
-            <p:extLst>
-              <p:ext uri="{D42A27DB-BD31-4B8C-83A1-F6EECF244321}">
-                <p14:modId xmlns:p14="http://schemas.microsoft.com/office/powerpoint/2010/main" val="1232598274"/>
-              </p:ext>
-            </p:extLst>
-          </p:nvPr>
-        </p:nvGraphicFramePr>
-        <p:xfrm>
-          <a:off x="1104900" y="1172583"/>
-          <a:ext cx="5285142" cy="2462213"/>
-        </p:xfrm>
-        <a:graphic>
-          <a:graphicData uri="http://schemas.openxmlformats.org/drawingml/2006/diagram">
-            <dgm:relIds xmlns:dgm="http://schemas.openxmlformats.org/drawingml/2006/diagram" xmlns:r="http://schemas.openxmlformats.org/officeDocument/2006/relationships" r:dm="rId4" r:lo="rId5" r:qs="rId6" r:cs="rId7"/>
-          </a:graphicData>
-        </a:graphic>
-      </p:graphicFrame>
+          <p:cNvSpPr txBox="1"/>
+          <p:nvPr/>
+        </p:nvSpPr>
+        <p:spPr>
+          <a:xfrm>
+            <a:off x="1104900" y="1174099"/>
+            <a:ext cx="5260488" cy="1169551"/>
+          </a:xfrm>
+          <a:prstGeom prst="rect">
+            <a:avLst/>
+          </a:prstGeom>
+          <a:noFill/>
+        </p:spPr>
+        <p:txBody>
+          <a:bodyPr wrap="square">
+            <a:spAutoFit/>
+          </a:bodyPr>
+          <a:lstStyle/>
+          <a:p>
+            <a:pPr marL="285750" lvl="0" indent="-285750">
+              <a:buFont typeface="Arial" panose="020B0604020202020204" pitchFamily="34" charset="0"/>
+              <a:buChar char="•"/>
+            </a:pPr>
+            <a:r>
+              <a:rPr lang="en-IN" b="0" i="0" dirty="0" err="1"/>
+              <a:t>FactoHR</a:t>
+            </a:r>
+            <a:r>
+              <a:rPr lang="en-IN" b="0" i="0" dirty="0"/>
+              <a:t>, Instagram, Flipkart, cookies workflow etc.</a:t>
+            </a:r>
+            <a:endParaRPr lang="en-IN" dirty="0"/>
+          </a:p>
+          <a:p>
+            <a:pPr marL="285750" lvl="0" indent="-285750">
+              <a:buFont typeface="Arial" panose="020B0604020202020204" pitchFamily="34" charset="0"/>
+              <a:buChar char="•"/>
+            </a:pPr>
+            <a:r>
+              <a:rPr lang="en-IN" b="0" i="0" dirty="0"/>
+              <a:t>Result Getter</a:t>
+            </a:r>
+            <a:endParaRPr lang="en-IN" dirty="0"/>
+          </a:p>
+          <a:p>
+            <a:pPr marL="285750" lvl="0" indent="-285750">
+              <a:buFont typeface="Arial" panose="020B0604020202020204" pitchFamily="34" charset="0"/>
+              <a:buChar char="•"/>
+            </a:pPr>
+            <a:r>
+              <a:rPr lang="en-IN" dirty="0"/>
+              <a:t>Firebase</a:t>
+            </a:r>
+          </a:p>
+          <a:p>
+            <a:pPr marL="285750" lvl="0" indent="-285750">
+              <a:buFont typeface="Arial" panose="020B0604020202020204" pitchFamily="34" charset="0"/>
+              <a:buChar char="•"/>
+            </a:pPr>
+            <a:r>
+              <a:rPr lang="en-IN" dirty="0"/>
+              <a:t>Problem solving question</a:t>
+            </a:r>
+          </a:p>
+          <a:p>
+            <a:pPr marL="285750" lvl="0" indent="-285750">
+              <a:buFont typeface="Arial" panose="020B0604020202020204" pitchFamily="34" charset="0"/>
+              <a:buChar char="•"/>
+            </a:pPr>
+            <a:r>
+              <a:rPr lang="en-IN" dirty="0"/>
+              <a:t>Fake Data Generator</a:t>
+            </a:r>
+          </a:p>
+        </p:txBody>
+      </p:sp>
     </p:spTree>
     <p:extLst>
       <p:ext uri="{BB962C8B-B14F-4D97-AF65-F5344CB8AC3E}">
@@ -11751,7 +6271,7 @@
 </p:sld>
 </file>
 
-<file path=ppt/slides/slide6.xml><?xml version="1.0" encoding="utf-8"?>
+<file path=ppt/slides/slide7.xml><?xml version="1.0" encoding="utf-8"?>
 <p:sld xmlns:a="http://schemas.openxmlformats.org/drawingml/2006/main" xmlns:r="http://schemas.openxmlformats.org/officeDocument/2006/relationships" xmlns:p="http://schemas.openxmlformats.org/presentationml/2006/main">
   <p:cSld>
     <p:spTree>
@@ -11864,7 +6384,7 @@
             </a:pPr>
             <a:r>
               <a:rPr lang="en-US" sz="1200" dirty="0"/>
-              <a:t>6</a:t>
+              <a:t>7</a:t>
             </a:r>
           </a:p>
         </p:txBody>
@@ -11976,7 +6496,7 @@
 </p:sld>
 </file>
 
-<file path=ppt/slides/slide7.xml><?xml version="1.0" encoding="utf-8"?>
+<file path=ppt/slides/slide8.xml><?xml version="1.0" encoding="utf-8"?>
 <p:sld xmlns:a="http://schemas.openxmlformats.org/drawingml/2006/main" xmlns:r="http://schemas.openxmlformats.org/officeDocument/2006/relationships" xmlns:p="http://schemas.openxmlformats.org/presentationml/2006/main">
   <p:cSld>
     <p:spTree>
@@ -12029,7 +6549,7 @@
             </a:pPr>
             <a:r>
               <a:rPr lang="en-US" dirty="0"/>
-              <a:t>7</a:t>
+              <a:t>8</a:t>
             </a:r>
           </a:p>
         </p:txBody>
